--- a/現代 JavaScript 職人之路｜ 中階篇.pptx
+++ b/現代 JavaScript 職人之路｜ 中階篇.pptx
@@ -301,7 +301,7 @@
           <a:p>
             <a:fld id="{952160C1-7EC0-47F7-AD8A-DCC1B5F0EDED}" type="datetimeFigureOut">
               <a:rPr lang="zh-TW" altLang="en-US" smtClean="0"/>
-              <a:t>2019/6/15</a:t>
+              <a:t>2020/4/15</a:t>
             </a:fld>
             <a:endParaRPr lang="zh-TW" altLang="en-US"/>
           </a:p>
@@ -469,7 +469,7 @@
           <a:p>
             <a:fld id="{952160C1-7EC0-47F7-AD8A-DCC1B5F0EDED}" type="datetimeFigureOut">
               <a:rPr lang="zh-TW" altLang="en-US" smtClean="0"/>
-              <a:t>2019/6/15</a:t>
+              <a:t>2020/4/15</a:t>
             </a:fld>
             <a:endParaRPr lang="zh-TW" altLang="en-US"/>
           </a:p>
@@ -647,7 +647,7 @@
           <a:p>
             <a:fld id="{952160C1-7EC0-47F7-AD8A-DCC1B5F0EDED}" type="datetimeFigureOut">
               <a:rPr lang="zh-TW" altLang="en-US" smtClean="0"/>
-              <a:t>2019/6/15</a:t>
+              <a:t>2020/4/15</a:t>
             </a:fld>
             <a:endParaRPr lang="zh-TW" altLang="en-US"/>
           </a:p>
@@ -815,7 +815,7 @@
           <a:p>
             <a:fld id="{952160C1-7EC0-47F7-AD8A-DCC1B5F0EDED}" type="datetimeFigureOut">
               <a:rPr lang="zh-TW" altLang="en-US" smtClean="0"/>
-              <a:t>2019/6/15</a:t>
+              <a:t>2020/4/15</a:t>
             </a:fld>
             <a:endParaRPr lang="zh-TW" altLang="en-US"/>
           </a:p>
@@ -1060,7 +1060,7 @@
           <a:p>
             <a:fld id="{952160C1-7EC0-47F7-AD8A-DCC1B5F0EDED}" type="datetimeFigureOut">
               <a:rPr lang="zh-TW" altLang="en-US" smtClean="0"/>
-              <a:t>2019/6/15</a:t>
+              <a:t>2020/4/15</a:t>
             </a:fld>
             <a:endParaRPr lang="zh-TW" altLang="en-US"/>
           </a:p>
@@ -1289,7 +1289,7 @@
           <a:p>
             <a:fld id="{952160C1-7EC0-47F7-AD8A-DCC1B5F0EDED}" type="datetimeFigureOut">
               <a:rPr lang="zh-TW" altLang="en-US" smtClean="0"/>
-              <a:t>2019/6/15</a:t>
+              <a:t>2020/4/15</a:t>
             </a:fld>
             <a:endParaRPr lang="zh-TW" altLang="en-US"/>
           </a:p>
@@ -1653,7 +1653,7 @@
           <a:p>
             <a:fld id="{952160C1-7EC0-47F7-AD8A-DCC1B5F0EDED}" type="datetimeFigureOut">
               <a:rPr lang="zh-TW" altLang="en-US" smtClean="0"/>
-              <a:t>2019/6/15</a:t>
+              <a:t>2020/4/15</a:t>
             </a:fld>
             <a:endParaRPr lang="zh-TW" altLang="en-US"/>
           </a:p>
@@ -1770,7 +1770,7 @@
           <a:p>
             <a:fld id="{952160C1-7EC0-47F7-AD8A-DCC1B5F0EDED}" type="datetimeFigureOut">
               <a:rPr lang="zh-TW" altLang="en-US" smtClean="0"/>
-              <a:t>2019/6/15</a:t>
+              <a:t>2020/4/15</a:t>
             </a:fld>
             <a:endParaRPr lang="zh-TW" altLang="en-US"/>
           </a:p>
@@ -1865,7 +1865,7 @@
           <a:p>
             <a:fld id="{952160C1-7EC0-47F7-AD8A-DCC1B5F0EDED}" type="datetimeFigureOut">
               <a:rPr lang="zh-TW" altLang="en-US" smtClean="0"/>
-              <a:t>2019/6/15</a:t>
+              <a:t>2020/4/15</a:t>
             </a:fld>
             <a:endParaRPr lang="zh-TW" altLang="en-US"/>
           </a:p>
@@ -2140,7 +2140,7 @@
           <a:p>
             <a:fld id="{952160C1-7EC0-47F7-AD8A-DCC1B5F0EDED}" type="datetimeFigureOut">
               <a:rPr lang="zh-TW" altLang="en-US" smtClean="0"/>
-              <a:t>2019/6/15</a:t>
+              <a:t>2020/4/15</a:t>
             </a:fld>
             <a:endParaRPr lang="zh-TW" altLang="en-US"/>
           </a:p>
@@ -2392,7 +2392,7 @@
           <a:p>
             <a:fld id="{952160C1-7EC0-47F7-AD8A-DCC1B5F0EDED}" type="datetimeFigureOut">
               <a:rPr lang="zh-TW" altLang="en-US" smtClean="0"/>
-              <a:t>2019/6/15</a:t>
+              <a:t>2020/4/15</a:t>
             </a:fld>
             <a:endParaRPr lang="zh-TW" altLang="en-US"/>
           </a:p>
@@ -2606,7 +2606,7 @@
           <a:p>
             <a:fld id="{952160C1-7EC0-47F7-AD8A-DCC1B5F0EDED}" type="datetimeFigureOut">
               <a:rPr lang="zh-TW" altLang="en-US" smtClean="0"/>
-              <a:t>2019/6/15</a:t>
+              <a:t>2020/4/15</a:t>
             </a:fld>
             <a:endParaRPr lang="zh-TW" altLang="en-US"/>
           </a:p>
@@ -4442,15 +4442,6 @@
             </a:r>
           </a:p>
           <a:p>
-            <a:r>
-              <a:rPr lang="en-US" altLang="zh-TW" dirty="0">
-                <a:solidFill>
-                  <a:srgbClr val="F8F8F2"/>
-                </a:solidFill>
-                <a:latin typeface="Consolas" panose="020B0609020204030204" pitchFamily="49" charset="0"/>
-              </a:rPr>
-              <a:t/>
-            </a:r>
             <a:br>
               <a:rPr lang="en-US" altLang="zh-TW" dirty="0">
                 <a:solidFill>
@@ -4488,15 +4479,6 @@
             </a:r>
           </a:p>
           <a:p>
-            <a:r>
-              <a:rPr lang="en-US" altLang="zh-TW" dirty="0">
-                <a:solidFill>
-                  <a:srgbClr val="F8F8F2"/>
-                </a:solidFill>
-                <a:latin typeface="Consolas" panose="020B0609020204030204" pitchFamily="49" charset="0"/>
-              </a:rPr>
-              <a:t/>
-            </a:r>
             <a:br>
               <a:rPr lang="en-US" altLang="zh-TW" dirty="0">
                 <a:solidFill>
@@ -4891,15 +4873,6 @@
             </a:r>
           </a:p>
           <a:p>
-            <a:r>
-              <a:rPr lang="en-US" altLang="zh-TW" sz="1400" dirty="0">
-                <a:solidFill>
-                  <a:srgbClr val="F8F8F2"/>
-                </a:solidFill>
-                <a:latin typeface="Consolas" panose="020B0609020204030204" pitchFamily="49" charset="0"/>
-              </a:rPr>
-              <a:t/>
-            </a:r>
             <a:br>
               <a:rPr lang="en-US" altLang="zh-TW" sz="1400" dirty="0">
                 <a:solidFill>
@@ -7775,7 +7748,7 @@
           <a:lstStyle/>
           <a:p>
             <a:r>
-              <a:rPr lang="en-US" altLang="zh-TW" sz="2400" dirty="0" err="1" smtClean="0">
+              <a:rPr lang="en-US" altLang="zh-TW" sz="2400" dirty="0" err="1">
                 <a:solidFill>
                   <a:srgbClr val="F8F8F2"/>
                 </a:solidFill>
@@ -7784,7 +7757,7 @@
               <a:t>email.</a:t>
             </a:r>
             <a:r>
-              <a:rPr lang="en-US" altLang="zh-TW" sz="2400" dirty="0" err="1" smtClean="0">
+              <a:rPr lang="en-US" altLang="zh-TW" sz="2400" dirty="0" err="1">
                 <a:solidFill>
                   <a:srgbClr val="A6E22E"/>
                 </a:solidFill>
@@ -7793,7 +7766,7 @@
               <a:t>slice</a:t>
             </a:r>
             <a:r>
-              <a:rPr lang="en-US" altLang="zh-TW" sz="2400" dirty="0" smtClean="0">
+              <a:rPr lang="en-US" altLang="zh-TW" sz="2400" dirty="0">
                 <a:solidFill>
                   <a:srgbClr val="F8F8F2"/>
                 </a:solidFill>
@@ -7802,7 +7775,7 @@
               <a:t>(</a:t>
             </a:r>
             <a:r>
-              <a:rPr lang="en-US" altLang="zh-TW" sz="2400" dirty="0" smtClean="0">
+              <a:rPr lang="en-US" altLang="zh-TW" sz="2400" dirty="0">
                 <a:solidFill>
                   <a:srgbClr val="FF80F4"/>
                 </a:solidFill>
@@ -7811,7 +7784,7 @@
               <a:t>0</a:t>
             </a:r>
             <a:r>
-              <a:rPr lang="en-US" altLang="zh-TW" sz="2400" dirty="0" smtClean="0">
+              <a:rPr lang="en-US" altLang="zh-TW" sz="2400" dirty="0">
                 <a:solidFill>
                   <a:srgbClr val="F8F8F2"/>
                 </a:solidFill>
@@ -7820,7 +7793,7 @@
               <a:t>, </a:t>
             </a:r>
             <a:r>
-              <a:rPr lang="en-US" altLang="zh-TW" sz="2400" dirty="0" err="1" smtClean="0">
+              <a:rPr lang="en-US" altLang="zh-TW" sz="2400" dirty="0" err="1">
                 <a:solidFill>
                   <a:srgbClr val="F8F8F2"/>
                 </a:solidFill>
@@ -7829,7 +7802,7 @@
               <a:t>email.</a:t>
             </a:r>
             <a:r>
-              <a:rPr lang="en-US" altLang="zh-TW" sz="2400" dirty="0" err="1" smtClean="0">
+              <a:rPr lang="en-US" altLang="zh-TW" sz="2400" dirty="0" err="1">
                 <a:solidFill>
                   <a:srgbClr val="A6E22E"/>
                 </a:solidFill>
@@ -7838,7 +7811,7 @@
               <a:t>indexOf</a:t>
             </a:r>
             <a:r>
-              <a:rPr lang="en-US" altLang="zh-TW" sz="2400" dirty="0" smtClean="0">
+              <a:rPr lang="en-US" altLang="zh-TW" sz="2400" dirty="0">
                 <a:solidFill>
                   <a:srgbClr val="F8F8F2"/>
                 </a:solidFill>
@@ -7847,7 +7820,7 @@
               <a:t>(</a:t>
             </a:r>
             <a:r>
-              <a:rPr lang="en-US" altLang="zh-TW" sz="2400" dirty="0" smtClean="0">
+              <a:rPr lang="en-US" altLang="zh-TW" sz="2400" dirty="0">
                 <a:solidFill>
                   <a:srgbClr val="FFEE99"/>
                 </a:solidFill>
@@ -8944,7 +8917,7 @@
               <a:rPr lang="en-US" altLang="zh-TW" sz="2000" dirty="0">
                 <a:hlinkClick r:id="rId2"/>
               </a:rPr>
-              <a:t>https://github.com/MikeCheng1208/JS_course_Intermediate_example</a:t>
+              <a:t>https://github.com/MikeOnlineCourse/JS_Course_Intermediate_Example</a:t>
             </a:r>
             <a:endParaRPr lang="zh-TW" altLang="en-US" sz="2000" dirty="0"/>
           </a:p>
@@ -9170,7 +9143,7 @@
           <p:cNvPr id="7" name="圖片 6">
             <a:extLst>
               <a:ext uri="{FF2B5EF4-FFF2-40B4-BE49-F238E27FC236}">
-                <a16:creationId xmlns="" xmlns:a16="http://schemas.microsoft.com/office/drawing/2014/main" id="{FCB4471C-65FC-5F49-8514-4E5F2DA03E92}"/>
+                <a16:creationId xmlns:a16="http://schemas.microsoft.com/office/drawing/2014/main" id="{FCB4471C-65FC-5F49-8514-4E5F2DA03E92}"/>
               </a:ext>
             </a:extLst>
           </p:cNvPr>
@@ -9206,7 +9179,7 @@
           <p:cNvPr id="8" name="標題 1">
             <a:extLst>
               <a:ext uri="{FF2B5EF4-FFF2-40B4-BE49-F238E27FC236}">
-                <a16:creationId xmlns="" xmlns:a16="http://schemas.microsoft.com/office/drawing/2014/main" id="{7312BAB0-ED4E-B441-973A-7DD55EFD13E6}"/>
+                <a16:creationId xmlns:a16="http://schemas.microsoft.com/office/drawing/2014/main" id="{7312BAB0-ED4E-B441-973A-7DD55EFD13E6}"/>
               </a:ext>
             </a:extLst>
           </p:cNvPr>
@@ -9285,7 +9258,7 @@
           <p:cNvPr id="10" name="矩形 9">
             <a:extLst>
               <a:ext uri="{FF2B5EF4-FFF2-40B4-BE49-F238E27FC236}">
-                <a16:creationId xmlns="" xmlns:a16="http://schemas.microsoft.com/office/drawing/2014/main" id="{711EB9EB-24D0-9241-AD5B-CA5B1D79376A}"/>
+                <a16:creationId xmlns:a16="http://schemas.microsoft.com/office/drawing/2014/main" id="{711EB9EB-24D0-9241-AD5B-CA5B1D79376A}"/>
               </a:ext>
             </a:extLst>
           </p:cNvPr>
@@ -9322,7 +9295,7 @@
           <p:cNvPr id="11" name="矩形 10">
             <a:extLst>
               <a:ext uri="{FF2B5EF4-FFF2-40B4-BE49-F238E27FC236}">
-                <a16:creationId xmlns="" xmlns:a16="http://schemas.microsoft.com/office/drawing/2014/main" id="{F703328C-F454-3342-B266-30FBD0602B3E}"/>
+                <a16:creationId xmlns:a16="http://schemas.microsoft.com/office/drawing/2014/main" id="{F703328C-F454-3342-B266-30FBD0602B3E}"/>
               </a:ext>
             </a:extLst>
           </p:cNvPr>
@@ -9866,7 +9839,7 @@
           <p:cNvPr id="4" name="矩形 3">
             <a:extLst>
               <a:ext uri="{FF2B5EF4-FFF2-40B4-BE49-F238E27FC236}">
-                <a16:creationId xmlns="" xmlns:a16="http://schemas.microsoft.com/office/drawing/2014/main" id="{156707A3-68A3-2F4A-8CDA-2F9B2532D0B3}"/>
+                <a16:creationId xmlns:a16="http://schemas.microsoft.com/office/drawing/2014/main" id="{156707A3-68A3-2F4A-8CDA-2F9B2532D0B3}"/>
               </a:ext>
             </a:extLst>
           </p:cNvPr>
@@ -9934,7 +9907,7 @@
           <p:cNvPr id="6" name="矩形 5">
             <a:extLst>
               <a:ext uri="{FF2B5EF4-FFF2-40B4-BE49-F238E27FC236}">
-                <a16:creationId xmlns="" xmlns:a16="http://schemas.microsoft.com/office/drawing/2014/main" id="{FB465A35-CC98-3F40-8C26-B37236DA0162}"/>
+                <a16:creationId xmlns:a16="http://schemas.microsoft.com/office/drawing/2014/main" id="{FB465A35-CC98-3F40-8C26-B37236DA0162}"/>
               </a:ext>
             </a:extLst>
           </p:cNvPr>
@@ -9971,7 +9944,7 @@
           <p:cNvPr id="7" name="矩形 6">
             <a:extLst>
               <a:ext uri="{FF2B5EF4-FFF2-40B4-BE49-F238E27FC236}">
-                <a16:creationId xmlns="" xmlns:a16="http://schemas.microsoft.com/office/drawing/2014/main" id="{DD9E23DF-C692-2246-B23B-E8A7F74751A8}"/>
+                <a16:creationId xmlns:a16="http://schemas.microsoft.com/office/drawing/2014/main" id="{DD9E23DF-C692-2246-B23B-E8A7F74751A8}"/>
               </a:ext>
             </a:extLst>
           </p:cNvPr>
@@ -10033,7 +10006,7 @@
           <p:cNvPr id="8" name="矩形 7">
             <a:extLst>
               <a:ext uri="{FF2B5EF4-FFF2-40B4-BE49-F238E27FC236}">
-                <a16:creationId xmlns="" xmlns:a16="http://schemas.microsoft.com/office/drawing/2014/main" id="{46C433FA-9CCB-9C41-8561-B25FB97C3997}"/>
+                <a16:creationId xmlns:a16="http://schemas.microsoft.com/office/drawing/2014/main" id="{46C433FA-9CCB-9C41-8561-B25FB97C3997}"/>
               </a:ext>
             </a:extLst>
           </p:cNvPr>
@@ -10095,7 +10068,7 @@
           <p:cNvPr id="9" name="矩形 8">
             <a:extLst>
               <a:ext uri="{FF2B5EF4-FFF2-40B4-BE49-F238E27FC236}">
-                <a16:creationId xmlns="" xmlns:a16="http://schemas.microsoft.com/office/drawing/2014/main" id="{C34E9026-3B18-AE45-AC95-5441221D9DF1}"/>
+                <a16:creationId xmlns:a16="http://schemas.microsoft.com/office/drawing/2014/main" id="{C34E9026-3B18-AE45-AC95-5441221D9DF1}"/>
               </a:ext>
             </a:extLst>
           </p:cNvPr>
@@ -10157,7 +10130,7 @@
           <p:cNvPr id="10" name="矩形 9">
             <a:extLst>
               <a:ext uri="{FF2B5EF4-FFF2-40B4-BE49-F238E27FC236}">
-                <a16:creationId xmlns="" xmlns:a16="http://schemas.microsoft.com/office/drawing/2014/main" id="{25AFE21C-8976-EB41-9B39-4A8704E5273E}"/>
+                <a16:creationId xmlns:a16="http://schemas.microsoft.com/office/drawing/2014/main" id="{25AFE21C-8976-EB41-9B39-4A8704E5273E}"/>
               </a:ext>
             </a:extLst>
           </p:cNvPr>
@@ -10222,7 +10195,7 @@
           <p:cNvPr id="11" name="矩形 10">
             <a:extLst>
               <a:ext uri="{FF2B5EF4-FFF2-40B4-BE49-F238E27FC236}">
-                <a16:creationId xmlns="" xmlns:a16="http://schemas.microsoft.com/office/drawing/2014/main" id="{22FA0140-3918-9144-8FB9-1D42FD66FCC6}"/>
+                <a16:creationId xmlns:a16="http://schemas.microsoft.com/office/drawing/2014/main" id="{22FA0140-3918-9144-8FB9-1D42FD66FCC6}"/>
               </a:ext>
             </a:extLst>
           </p:cNvPr>
@@ -10351,7 +10324,7 @@
           <p:cNvPr id="12" name="矩形 11">
             <a:extLst>
               <a:ext uri="{FF2B5EF4-FFF2-40B4-BE49-F238E27FC236}">
-                <a16:creationId xmlns="" xmlns:a16="http://schemas.microsoft.com/office/drawing/2014/main" id="{237AA689-99FD-CB47-839A-1BF31D73EC93}"/>
+                <a16:creationId xmlns:a16="http://schemas.microsoft.com/office/drawing/2014/main" id="{237AA689-99FD-CB47-839A-1BF31D73EC93}"/>
               </a:ext>
             </a:extLst>
           </p:cNvPr>
@@ -10480,7 +10453,7 @@
           <p:cNvPr id="4" name="矩形 3">
             <a:extLst>
               <a:ext uri="{FF2B5EF4-FFF2-40B4-BE49-F238E27FC236}">
-                <a16:creationId xmlns="" xmlns:a16="http://schemas.microsoft.com/office/drawing/2014/main" id="{156707A3-68A3-2F4A-8CDA-2F9B2532D0B3}"/>
+                <a16:creationId xmlns:a16="http://schemas.microsoft.com/office/drawing/2014/main" id="{156707A3-68A3-2F4A-8CDA-2F9B2532D0B3}"/>
               </a:ext>
             </a:extLst>
           </p:cNvPr>
@@ -10518,13 +10491,8 @@
             </a:r>
             <a:r>
               <a:rPr lang="en-US" altLang="zh-TW" sz="3200" b="1" u="sng" dirty="0"/>
-              <a:t> </a:t>
-            </a:r>
-            <a:r>
-              <a:rPr lang="en-US" altLang="zh-TW" sz="3200" b="1" u="sng" dirty="0" smtClean="0"/>
-              <a:t>hashtag API </a:t>
-            </a:r>
-            <a:endParaRPr lang="en-US" altLang="zh-TW" sz="3200" b="1" u="sng" dirty="0"/>
+              <a:t> hashtag API </a:t>
+            </a:r>
           </a:p>
         </p:txBody>
       </p:sp>
@@ -10623,9 +10591,27 @@
                 <a:tableStyleId>{5C22544A-7EE6-4342-B048-85BDC9FD1C3A}</a:tableStyleId>
               </a:tblPr>
               <a:tblGrid>
-                <a:gridCol w="1872735"/>
-                <a:gridCol w="2356944"/>
-                <a:gridCol w="3898320"/>
+                <a:gridCol w="1872735">
+                  <a:extLst>
+                    <a:ext uri="{9D8B030D-6E8A-4147-A177-3AD203B41FA5}">
+                      <a16:colId xmlns:a16="http://schemas.microsoft.com/office/drawing/2014/main" val="20000"/>
+                    </a:ext>
+                  </a:extLst>
+                </a:gridCol>
+                <a:gridCol w="2356944">
+                  <a:extLst>
+                    <a:ext uri="{9D8B030D-6E8A-4147-A177-3AD203B41FA5}">
+                      <a16:colId xmlns:a16="http://schemas.microsoft.com/office/drawing/2014/main" val="20001"/>
+                    </a:ext>
+                  </a:extLst>
+                </a:gridCol>
+                <a:gridCol w="3898320">
+                  <a:extLst>
+                    <a:ext uri="{9D8B030D-6E8A-4147-A177-3AD203B41FA5}">
+                      <a16:colId xmlns:a16="http://schemas.microsoft.com/office/drawing/2014/main" val="20002"/>
+                    </a:ext>
+                  </a:extLst>
+                </a:gridCol>
               </a:tblGrid>
               <a:tr h="370840">
                 <a:tc>
@@ -10634,10 +10620,9 @@
                     <a:lstStyle/>
                     <a:p>
                       <a:r>
-                        <a:rPr lang="zh-TW" altLang="en-US" sz="1200" b="1" dirty="0" smtClean="0"/>
+                        <a:rPr lang="zh-TW" altLang="en-US" sz="1200" b="1" dirty="0"/>
                         <a:t>參數</a:t>
                       </a:r>
-                      <a:endParaRPr lang="zh-TW" altLang="en-US" sz="1200" b="1" dirty="0"/>
                     </a:p>
                   </a:txBody>
                   <a:tcPr/>
@@ -10648,10 +10633,9 @@
                     <a:lstStyle/>
                     <a:p>
                       <a:r>
-                        <a:rPr lang="zh-TW" altLang="en-US" sz="1200" b="1" dirty="0" smtClean="0"/>
+                        <a:rPr lang="zh-TW" altLang="en-US" sz="1200" b="1" dirty="0"/>
                         <a:t>值</a:t>
                       </a:r>
-                      <a:endParaRPr lang="zh-TW" altLang="en-US" sz="1200" b="1" dirty="0"/>
                     </a:p>
                   </a:txBody>
                   <a:tcPr/>
@@ -10662,14 +10646,18 @@
                     <a:lstStyle/>
                     <a:p>
                       <a:r>
-                        <a:rPr lang="zh-TW" altLang="en-US" sz="1200" b="1" dirty="0" smtClean="0"/>
+                        <a:rPr lang="zh-TW" altLang="en-US" sz="1200" b="1" dirty="0"/>
                         <a:t>說明</a:t>
                       </a:r>
-                      <a:endParaRPr lang="zh-TW" altLang="en-US" sz="1200" b="1" dirty="0"/>
                     </a:p>
                   </a:txBody>
                   <a:tcPr/>
                 </a:tc>
+                <a:extLst>
+                  <a:ext uri="{0D108BD9-81ED-4DB2-BD59-A6C34878D82A}">
+                    <a16:rowId xmlns:a16="http://schemas.microsoft.com/office/drawing/2014/main" val="10000"/>
+                  </a:ext>
+                </a:extLst>
               </a:tr>
               <a:tr h="370840">
                 <a:tc>
@@ -10695,7 +10683,7 @@
                         <a:defRPr/>
                       </a:pPr>
                       <a:r>
-                        <a:rPr lang="en-US" altLang="zh-TW" sz="1200" b="1" kern="1200" dirty="0" smtClean="0">
+                        <a:rPr lang="en-US" altLang="zh-TW" sz="1200" b="1" kern="1200" dirty="0">
                           <a:solidFill>
                             <a:schemeClr val="dk1"/>
                           </a:solidFill>
@@ -10716,7 +10704,7 @@
                     <a:lstStyle/>
                     <a:p>
                       <a:r>
-                        <a:rPr lang="en-US" altLang="zh-TW" sz="1200" b="1" dirty="0" smtClean="0"/>
+                        <a:rPr lang="en-US" altLang="zh-TW" sz="1200" b="1" dirty="0"/>
                         <a:t>1</a:t>
                       </a:r>
                       <a:endParaRPr lang="zh-TW" altLang="en-US" sz="1200" b="1" dirty="0"/>
@@ -10730,7 +10718,7 @@
                     <a:lstStyle/>
                     <a:p>
                       <a:r>
-                        <a:rPr lang="en-US" altLang="zh-TW" sz="1200" b="1" dirty="0" smtClean="0"/>
+                        <a:rPr lang="en-US" altLang="zh-TW" sz="1200" b="1" dirty="0"/>
                         <a:t>???</a:t>
                       </a:r>
                       <a:endParaRPr lang="zh-TW" altLang="en-US" sz="1200" b="1" dirty="0"/>
@@ -10738,6 +10726,11 @@
                   </a:txBody>
                   <a:tcPr/>
                 </a:tc>
+                <a:extLst>
+                  <a:ext uri="{0D108BD9-81ED-4DB2-BD59-A6C34878D82A}">
+                    <a16:rowId xmlns:a16="http://schemas.microsoft.com/office/drawing/2014/main" val="10001"/>
+                  </a:ext>
+                </a:extLst>
               </a:tr>
               <a:tr h="370840">
                 <a:tc>
@@ -10763,7 +10756,7 @@
                         <a:defRPr/>
                       </a:pPr>
                       <a:r>
-                        <a:rPr lang="en-US" altLang="zh-TW" sz="1200" b="1" kern="1200" dirty="0" err="1" smtClean="0">
+                        <a:rPr lang="en-US" altLang="zh-TW" sz="1200" b="1" kern="1200" dirty="0" err="1">
                           <a:solidFill>
                             <a:schemeClr val="dk1"/>
                           </a:solidFill>
@@ -10774,7 +10767,7 @@
                         </a:rPr>
                         <a:t>max_id</a:t>
                       </a:r>
-                      <a:endParaRPr lang="en-US" altLang="zh-TW" sz="1200" b="1" kern="1200" dirty="0" smtClean="0">
+                      <a:endParaRPr lang="en-US" altLang="zh-TW" sz="1200" b="1" kern="1200" dirty="0">
                         <a:solidFill>
                           <a:schemeClr val="dk1"/>
                         </a:solidFill>
@@ -10810,7 +10803,7 @@
                         <a:defRPr/>
                       </a:pPr>
                       <a:r>
-                        <a:rPr lang="zh-TW" altLang="en-US" sz="1200" b="1" kern="1200" dirty="0" smtClean="0">
+                        <a:rPr lang="zh-TW" altLang="en-US" sz="1200" b="1" kern="1200" dirty="0">
                           <a:solidFill>
                             <a:schemeClr val="dk1"/>
                           </a:solidFill>
@@ -10822,7 +10815,7 @@
                         <a:t>最後一頁的</a:t>
                       </a:r>
                       <a:r>
-                        <a:rPr lang="en-US" altLang="zh-TW" sz="1200" b="1" kern="1200" dirty="0" smtClean="0">
+                        <a:rPr lang="en-US" altLang="zh-TW" sz="1200" b="1" kern="1200" dirty="0">
                           <a:solidFill>
                             <a:schemeClr val="dk1"/>
                           </a:solidFill>
@@ -10843,22 +10836,26 @@
                     <a:lstStyle/>
                     <a:p>
                       <a:r>
-                        <a:rPr lang="zh-TW" altLang="en-US" sz="1200" b="1" dirty="0" smtClean="0"/>
+                        <a:rPr lang="zh-TW" altLang="en-US" sz="1200" b="1" dirty="0"/>
                         <a:t>當</a:t>
                       </a:r>
                       <a:r>
-                        <a:rPr lang="en-US" altLang="zh-TW" sz="1200" b="1" dirty="0" err="1" smtClean="0"/>
+                        <a:rPr lang="en-US" altLang="zh-TW" sz="1200" b="1" dirty="0" err="1"/>
                         <a:t>api</a:t>
                       </a:r>
                       <a:r>
-                        <a:rPr lang="zh-TW" altLang="en-US" sz="1200" b="1" dirty="0" smtClean="0"/>
+                        <a:rPr lang="zh-TW" altLang="en-US" sz="1200" b="1" dirty="0"/>
                         <a:t>出現最後一頁的欄位的時候需要加上去</a:t>
                       </a:r>
-                      <a:endParaRPr lang="zh-TW" altLang="en-US" sz="1200" b="1" dirty="0"/>
                     </a:p>
                   </a:txBody>
                   <a:tcPr/>
                 </a:tc>
+                <a:extLst>
+                  <a:ext uri="{0D108BD9-81ED-4DB2-BD59-A6C34878D82A}">
+                    <a16:rowId xmlns:a16="http://schemas.microsoft.com/office/drawing/2014/main" val="10002"/>
+                  </a:ext>
+                </a:extLst>
               </a:tr>
             </a:tbl>
           </a:graphicData>
@@ -10889,8 +10886,20 @@
                 <a:tableStyleId>{5C22544A-7EE6-4342-B048-85BDC9FD1C3A}</a:tableStyleId>
               </a:tblPr>
               <a:tblGrid>
-                <a:gridCol w="3804012"/>
-                <a:gridCol w="4323988"/>
+                <a:gridCol w="3804012">
+                  <a:extLst>
+                    <a:ext uri="{9D8B030D-6E8A-4147-A177-3AD203B41FA5}">
+                      <a16:colId xmlns:a16="http://schemas.microsoft.com/office/drawing/2014/main" val="20000"/>
+                    </a:ext>
+                  </a:extLst>
+                </a:gridCol>
+                <a:gridCol w="4323988">
+                  <a:extLst>
+                    <a:ext uri="{9D8B030D-6E8A-4147-A177-3AD203B41FA5}">
+                      <a16:colId xmlns:a16="http://schemas.microsoft.com/office/drawing/2014/main" val="20001"/>
+                    </a:ext>
+                  </a:extLst>
+                </a:gridCol>
               </a:tblGrid>
               <a:tr h="323368">
                 <a:tc>
@@ -10916,10 +10925,10 @@
                         <a:defRPr/>
                       </a:pPr>
                       <a:r>
-                        <a:rPr lang="zh-TW" altLang="en-US" sz="1200" b="1" dirty="0" smtClean="0"/>
+                        <a:rPr lang="zh-TW" altLang="en-US" sz="1200" b="1" dirty="0"/>
                         <a:t>欄位</a:t>
                       </a:r>
-                      <a:endParaRPr lang="en-US" altLang="zh-TW" sz="1200" b="1" kern="1200" dirty="0" smtClean="0">
+                      <a:endParaRPr lang="en-US" altLang="zh-TW" sz="1200" b="1" kern="1200" dirty="0">
                         <a:solidFill>
                           <a:schemeClr val="dk1"/>
                         </a:solidFill>
@@ -10938,14 +10947,18 @@
                     <a:lstStyle/>
                     <a:p>
                       <a:r>
-                        <a:rPr lang="zh-TW" altLang="en-US" sz="1200" b="1" dirty="0" smtClean="0"/>
+                        <a:rPr lang="zh-TW" altLang="en-US" sz="1200" b="1" dirty="0"/>
                         <a:t>說明</a:t>
                       </a:r>
-                      <a:endParaRPr lang="zh-TW" altLang="en-US" sz="1200" b="1" dirty="0"/>
                     </a:p>
                   </a:txBody>
                   <a:tcPr/>
                 </a:tc>
+                <a:extLst>
+                  <a:ext uri="{0D108BD9-81ED-4DB2-BD59-A6C34878D82A}">
+                    <a16:rowId xmlns:a16="http://schemas.microsoft.com/office/drawing/2014/main" val="10000"/>
+                  </a:ext>
+                </a:extLst>
               </a:tr>
               <a:tr h="370840">
                 <a:tc>
@@ -10971,7 +10984,7 @@
                         <a:defRPr/>
                       </a:pPr>
                       <a:r>
-                        <a:rPr lang="en-US" altLang="zh-TW" sz="1200" b="1" kern="1200" dirty="0" err="1" smtClean="0">
+                        <a:rPr lang="en-US" altLang="zh-TW" sz="1200" b="1" kern="1200" dirty="0" err="1">
                           <a:solidFill>
                             <a:schemeClr val="dk1"/>
                           </a:solidFill>
@@ -10982,7 +10995,7 @@
                         </a:rPr>
                         <a:t>graphql.hashtag.edge_hashtag_to_media.page_info</a:t>
                       </a:r>
-                      <a:endParaRPr lang="en-US" altLang="zh-TW" sz="1200" b="1" kern="1200" dirty="0" smtClean="0">
+                      <a:endParaRPr lang="en-US" altLang="zh-TW" sz="1200" b="1" kern="1200" dirty="0">
                         <a:solidFill>
                           <a:schemeClr val="dk1"/>
                         </a:solidFill>
@@ -11018,7 +11031,7 @@
                         <a:defRPr/>
                       </a:pPr>
                       <a:r>
-                        <a:rPr lang="zh-TW" altLang="en-US" sz="1200" b="1" kern="1200" dirty="0" smtClean="0">
+                        <a:rPr lang="zh-TW" altLang="en-US" sz="1200" b="1" kern="1200" dirty="0">
                           <a:solidFill>
                             <a:schemeClr val="dk1"/>
                           </a:solidFill>
@@ -11033,6 +11046,11 @@
                   </a:txBody>
                   <a:tcPr/>
                 </a:tc>
+                <a:extLst>
+                  <a:ext uri="{0D108BD9-81ED-4DB2-BD59-A6C34878D82A}">
+                    <a16:rowId xmlns:a16="http://schemas.microsoft.com/office/drawing/2014/main" val="10001"/>
+                  </a:ext>
+                </a:extLst>
               </a:tr>
               <a:tr h="370840">
                 <a:tc>
@@ -11058,7 +11076,7 @@
                         <a:defRPr/>
                       </a:pPr>
                       <a:r>
-                        <a:rPr lang="en-US" altLang="zh-TW" sz="1200" b="1" kern="1200" dirty="0" err="1" smtClean="0">
+                        <a:rPr lang="en-US" altLang="zh-TW" sz="1200" b="1" kern="1200" dirty="0" err="1">
                           <a:solidFill>
                             <a:schemeClr val="dk1"/>
                           </a:solidFill>
@@ -11069,7 +11087,7 @@
                         </a:rPr>
                         <a:t>graphql.hashtag.edge_hashtag_to_media.edges</a:t>
                       </a:r>
-                      <a:endParaRPr lang="en-US" altLang="zh-TW" sz="1200" b="1" kern="1200" dirty="0" smtClean="0">
+                      <a:endParaRPr lang="en-US" altLang="zh-TW" sz="1200" b="1" kern="1200" dirty="0">
                         <a:solidFill>
                           <a:schemeClr val="dk1"/>
                         </a:solidFill>
@@ -11105,7 +11123,7 @@
                         <a:defRPr/>
                       </a:pPr>
                       <a:r>
-                        <a:rPr lang="zh-TW" altLang="en-US" sz="1200" b="1" kern="1200" dirty="0" smtClean="0">
+                        <a:rPr lang="zh-TW" altLang="en-US" sz="1200" b="1" kern="1200" dirty="0">
                           <a:solidFill>
                             <a:schemeClr val="dk1"/>
                           </a:solidFill>
@@ -11120,6 +11138,11 @@
                   </a:txBody>
                   <a:tcPr/>
                 </a:tc>
+                <a:extLst>
+                  <a:ext uri="{0D108BD9-81ED-4DB2-BD59-A6C34878D82A}">
+                    <a16:rowId xmlns:a16="http://schemas.microsoft.com/office/drawing/2014/main" val="10002"/>
+                  </a:ext>
+                </a:extLst>
               </a:tr>
               <a:tr h="370840">
                 <a:tc>
@@ -11142,6 +11165,11 @@
                   </a:txBody>
                   <a:tcPr/>
                 </a:tc>
+                <a:extLst>
+                  <a:ext uri="{0D108BD9-81ED-4DB2-BD59-A6C34878D82A}">
+                    <a16:rowId xmlns:a16="http://schemas.microsoft.com/office/drawing/2014/main" val="10003"/>
+                  </a:ext>
+                </a:extLst>
               </a:tr>
             </a:tbl>
           </a:graphicData>
@@ -11169,7 +11197,7 @@
           <a:lstStyle/>
           <a:p>
             <a:r>
-              <a:rPr lang="en-US" altLang="zh-TW" sz="2000" b="1" dirty="0" err="1" smtClean="0">
+              <a:rPr lang="en-US" altLang="zh-TW" sz="2000" b="1" dirty="0" err="1">
                 <a:solidFill>
                   <a:schemeClr val="tx1">
                     <a:lumMod val="95000"/>
@@ -11181,7 +11209,7 @@
               <a:t>Api</a:t>
             </a:r>
             <a:r>
-              <a:rPr lang="en-US" altLang="zh-TW" sz="2000" b="1" dirty="0" smtClean="0">
+              <a:rPr lang="en-US" altLang="zh-TW" sz="2000" b="1" dirty="0">
                 <a:solidFill>
                   <a:schemeClr val="tx1">
                     <a:lumMod val="95000"/>
@@ -11240,7 +11268,7 @@
           <p:cNvPr id="21" name="圓角矩形 20">
             <a:extLst>
               <a:ext uri="{FF2B5EF4-FFF2-40B4-BE49-F238E27FC236}">
-                <a16:creationId xmlns="" xmlns:a16="http://schemas.microsoft.com/office/drawing/2014/main" id="{D3E17314-681B-E744-AA6E-06B60ED1D494}"/>
+                <a16:creationId xmlns:a16="http://schemas.microsoft.com/office/drawing/2014/main" id="{D3E17314-681B-E744-AA6E-06B60ED1D494}"/>
               </a:ext>
             </a:extLst>
           </p:cNvPr>
@@ -11286,7 +11314,7 @@
           <p:cNvPr id="2" name="矩形 1">
             <a:extLst>
               <a:ext uri="{FF2B5EF4-FFF2-40B4-BE49-F238E27FC236}">
-                <a16:creationId xmlns="" xmlns:a16="http://schemas.microsoft.com/office/drawing/2014/main" id="{1F91C1BF-2B69-564F-92C4-36851A2C2662}"/>
+                <a16:creationId xmlns:a16="http://schemas.microsoft.com/office/drawing/2014/main" id="{1F91C1BF-2B69-564F-92C4-36851A2C2662}"/>
               </a:ext>
             </a:extLst>
           </p:cNvPr>
@@ -11336,7 +11364,7 @@
           <p:cNvPr id="3" name="矩形 2">
             <a:extLst>
               <a:ext uri="{FF2B5EF4-FFF2-40B4-BE49-F238E27FC236}">
-                <a16:creationId xmlns="" xmlns:a16="http://schemas.microsoft.com/office/drawing/2014/main" id="{283C0B0F-C3B5-BD4F-883C-09F49FF67D1F}"/>
+                <a16:creationId xmlns:a16="http://schemas.microsoft.com/office/drawing/2014/main" id="{283C0B0F-C3B5-BD4F-883C-09F49FF67D1F}"/>
               </a:ext>
             </a:extLst>
           </p:cNvPr>
@@ -11386,7 +11414,7 @@
           <p:cNvPr id="4" name="橢圓 3">
             <a:extLst>
               <a:ext uri="{FF2B5EF4-FFF2-40B4-BE49-F238E27FC236}">
-                <a16:creationId xmlns="" xmlns:a16="http://schemas.microsoft.com/office/drawing/2014/main" id="{472F9B87-6FC9-B44F-A02E-9296A0720770}"/>
+                <a16:creationId xmlns:a16="http://schemas.microsoft.com/office/drawing/2014/main" id="{472F9B87-6FC9-B44F-A02E-9296A0720770}"/>
               </a:ext>
             </a:extLst>
           </p:cNvPr>
@@ -11434,7 +11462,7 @@
           <p:cNvPr id="6" name="直線箭頭接點 5">
             <a:extLst>
               <a:ext uri="{FF2B5EF4-FFF2-40B4-BE49-F238E27FC236}">
-                <a16:creationId xmlns="" xmlns:a16="http://schemas.microsoft.com/office/drawing/2014/main" id="{D38E5745-832A-E345-8A9F-5FF2C3D2EE19}"/>
+                <a16:creationId xmlns:a16="http://schemas.microsoft.com/office/drawing/2014/main" id="{D38E5745-832A-E345-8A9F-5FF2C3D2EE19}"/>
               </a:ext>
             </a:extLst>
           </p:cNvPr>
@@ -11473,7 +11501,7 @@
           <p:cNvPr id="7" name="直線箭頭接點 6">
             <a:extLst>
               <a:ext uri="{FF2B5EF4-FFF2-40B4-BE49-F238E27FC236}">
-                <a16:creationId xmlns="" xmlns:a16="http://schemas.microsoft.com/office/drawing/2014/main" id="{E9C3D736-A46A-1F45-BA83-98B2129B78D8}"/>
+                <a16:creationId xmlns:a16="http://schemas.microsoft.com/office/drawing/2014/main" id="{E9C3D736-A46A-1F45-BA83-98B2129B78D8}"/>
               </a:ext>
             </a:extLst>
           </p:cNvPr>
@@ -11514,7 +11542,7 @@
           <p:cNvPr id="9" name="矩形 8">
             <a:extLst>
               <a:ext uri="{FF2B5EF4-FFF2-40B4-BE49-F238E27FC236}">
-                <a16:creationId xmlns="" xmlns:a16="http://schemas.microsoft.com/office/drawing/2014/main" id="{27524826-70DB-0441-8303-37FC66D1FC5B}"/>
+                <a16:creationId xmlns:a16="http://schemas.microsoft.com/office/drawing/2014/main" id="{27524826-70DB-0441-8303-37FC66D1FC5B}"/>
               </a:ext>
             </a:extLst>
           </p:cNvPr>
@@ -11560,7 +11588,7 @@
           <p:cNvPr id="10" name="矩形 9">
             <a:extLst>
               <a:ext uri="{FF2B5EF4-FFF2-40B4-BE49-F238E27FC236}">
-                <a16:creationId xmlns="" xmlns:a16="http://schemas.microsoft.com/office/drawing/2014/main" id="{D5A40EA3-8607-7447-B5C5-1BA336DC4B1A}"/>
+                <a16:creationId xmlns:a16="http://schemas.microsoft.com/office/drawing/2014/main" id="{D5A40EA3-8607-7447-B5C5-1BA336DC4B1A}"/>
               </a:ext>
             </a:extLst>
           </p:cNvPr>
@@ -11608,7 +11636,7 @@
           <p:cNvPr id="11" name="矩形 10">
             <a:extLst>
               <a:ext uri="{FF2B5EF4-FFF2-40B4-BE49-F238E27FC236}">
-                <a16:creationId xmlns="" xmlns:a16="http://schemas.microsoft.com/office/drawing/2014/main" id="{D158EACD-7BFE-1141-B47B-73A9D59EB9ED}"/>
+                <a16:creationId xmlns:a16="http://schemas.microsoft.com/office/drawing/2014/main" id="{D158EACD-7BFE-1141-B47B-73A9D59EB9ED}"/>
               </a:ext>
             </a:extLst>
           </p:cNvPr>
@@ -11656,7 +11684,7 @@
           <p:cNvPr id="12" name="矩形 11">
             <a:extLst>
               <a:ext uri="{FF2B5EF4-FFF2-40B4-BE49-F238E27FC236}">
-                <a16:creationId xmlns="" xmlns:a16="http://schemas.microsoft.com/office/drawing/2014/main" id="{74E49627-882D-544A-8BCB-3B4BF797F6E9}"/>
+                <a16:creationId xmlns:a16="http://schemas.microsoft.com/office/drawing/2014/main" id="{74E49627-882D-544A-8BCB-3B4BF797F6E9}"/>
               </a:ext>
             </a:extLst>
           </p:cNvPr>
@@ -11702,7 +11730,7 @@
           <p:cNvPr id="13" name="矩形 12">
             <a:extLst>
               <a:ext uri="{FF2B5EF4-FFF2-40B4-BE49-F238E27FC236}">
-                <a16:creationId xmlns="" xmlns:a16="http://schemas.microsoft.com/office/drawing/2014/main" id="{20BC78A6-DC64-3947-9BB3-F887948FCEF2}"/>
+                <a16:creationId xmlns:a16="http://schemas.microsoft.com/office/drawing/2014/main" id="{20BC78A6-DC64-3947-9BB3-F887948FCEF2}"/>
               </a:ext>
             </a:extLst>
           </p:cNvPr>
@@ -11750,7 +11778,7 @@
           <p:cNvPr id="14" name="矩形 13">
             <a:extLst>
               <a:ext uri="{FF2B5EF4-FFF2-40B4-BE49-F238E27FC236}">
-                <a16:creationId xmlns="" xmlns:a16="http://schemas.microsoft.com/office/drawing/2014/main" id="{F0EF030A-79DE-B64D-A509-6ECC7BE738DE}"/>
+                <a16:creationId xmlns:a16="http://schemas.microsoft.com/office/drawing/2014/main" id="{F0EF030A-79DE-B64D-A509-6ECC7BE738DE}"/>
               </a:ext>
             </a:extLst>
           </p:cNvPr>
@@ -11798,7 +11826,7 @@
           <p:cNvPr id="15" name="矩形 14">
             <a:extLst>
               <a:ext uri="{FF2B5EF4-FFF2-40B4-BE49-F238E27FC236}">
-                <a16:creationId xmlns="" xmlns:a16="http://schemas.microsoft.com/office/drawing/2014/main" id="{F3E5F92F-E9C2-7C45-8671-F16256EE76D3}"/>
+                <a16:creationId xmlns:a16="http://schemas.microsoft.com/office/drawing/2014/main" id="{F3E5F92F-E9C2-7C45-8671-F16256EE76D3}"/>
               </a:ext>
             </a:extLst>
           </p:cNvPr>
@@ -11844,7 +11872,7 @@
           <p:cNvPr id="16" name="矩形 15">
             <a:extLst>
               <a:ext uri="{FF2B5EF4-FFF2-40B4-BE49-F238E27FC236}">
-                <a16:creationId xmlns="" xmlns:a16="http://schemas.microsoft.com/office/drawing/2014/main" id="{741F1151-B732-A149-A3A0-9570C9EF8329}"/>
+                <a16:creationId xmlns:a16="http://schemas.microsoft.com/office/drawing/2014/main" id="{741F1151-B732-A149-A3A0-9570C9EF8329}"/>
               </a:ext>
             </a:extLst>
           </p:cNvPr>
@@ -11892,7 +11920,7 @@
           <p:cNvPr id="17" name="矩形 16">
             <a:extLst>
               <a:ext uri="{FF2B5EF4-FFF2-40B4-BE49-F238E27FC236}">
-                <a16:creationId xmlns="" xmlns:a16="http://schemas.microsoft.com/office/drawing/2014/main" id="{F7FF4DA2-F64B-A74D-BCB8-5A8395B98315}"/>
+                <a16:creationId xmlns:a16="http://schemas.microsoft.com/office/drawing/2014/main" id="{F7FF4DA2-F64B-A74D-BCB8-5A8395B98315}"/>
               </a:ext>
             </a:extLst>
           </p:cNvPr>
@@ -11940,7 +11968,7 @@
           <p:cNvPr id="18" name="矩形 17">
             <a:extLst>
               <a:ext uri="{FF2B5EF4-FFF2-40B4-BE49-F238E27FC236}">
-                <a16:creationId xmlns="" xmlns:a16="http://schemas.microsoft.com/office/drawing/2014/main" id="{09E29AD8-5509-5B44-9539-95248F49BF82}"/>
+                <a16:creationId xmlns:a16="http://schemas.microsoft.com/office/drawing/2014/main" id="{09E29AD8-5509-5B44-9539-95248F49BF82}"/>
               </a:ext>
             </a:extLst>
           </p:cNvPr>
@@ -11986,7 +12014,7 @@
           <p:cNvPr id="19" name="矩形 18">
             <a:extLst>
               <a:ext uri="{FF2B5EF4-FFF2-40B4-BE49-F238E27FC236}">
-                <a16:creationId xmlns="" xmlns:a16="http://schemas.microsoft.com/office/drawing/2014/main" id="{6523B377-33A0-0F49-A5BF-5338157BBE09}"/>
+                <a16:creationId xmlns:a16="http://schemas.microsoft.com/office/drawing/2014/main" id="{6523B377-33A0-0F49-A5BF-5338157BBE09}"/>
               </a:ext>
             </a:extLst>
           </p:cNvPr>
@@ -12034,7 +12062,7 @@
           <p:cNvPr id="20" name="矩形 19">
             <a:extLst>
               <a:ext uri="{FF2B5EF4-FFF2-40B4-BE49-F238E27FC236}">
-                <a16:creationId xmlns="" xmlns:a16="http://schemas.microsoft.com/office/drawing/2014/main" id="{A77D0982-3F32-0E41-A364-B5E24518129C}"/>
+                <a16:creationId xmlns:a16="http://schemas.microsoft.com/office/drawing/2014/main" id="{A77D0982-3F32-0E41-A364-B5E24518129C}"/>
               </a:ext>
             </a:extLst>
           </p:cNvPr>
@@ -12082,7 +12110,7 @@
           <p:cNvPr id="23" name="直線箭頭接點 22">
             <a:extLst>
               <a:ext uri="{FF2B5EF4-FFF2-40B4-BE49-F238E27FC236}">
-                <a16:creationId xmlns="" xmlns:a16="http://schemas.microsoft.com/office/drawing/2014/main" id="{4B310916-6054-5644-AEDE-5A0A5FB5884A}"/>
+                <a16:creationId xmlns:a16="http://schemas.microsoft.com/office/drawing/2014/main" id="{4B310916-6054-5644-AEDE-5A0A5FB5884A}"/>
               </a:ext>
             </a:extLst>
           </p:cNvPr>
@@ -12161,7 +12189,7 @@
           <p:cNvPr id="2" name="矩形 1">
             <a:extLst>
               <a:ext uri="{FF2B5EF4-FFF2-40B4-BE49-F238E27FC236}">
-                <a16:creationId xmlns="" xmlns:a16="http://schemas.microsoft.com/office/drawing/2014/main" id="{3333882F-B381-5A41-9CA5-D1541ADC4406}"/>
+                <a16:creationId xmlns:a16="http://schemas.microsoft.com/office/drawing/2014/main" id="{3333882F-B381-5A41-9CA5-D1541ADC4406}"/>
               </a:ext>
             </a:extLst>
           </p:cNvPr>
@@ -12183,15 +12211,6 @@
           </a:bodyPr>
           <a:lstStyle/>
           <a:p>
-            <a:r>
-              <a:rPr lang="en-US" altLang="zh-TW" sz="1400" dirty="0">
-                <a:solidFill>
-                  <a:srgbClr val="F8F8F2"/>
-                </a:solidFill>
-                <a:latin typeface="Menlo" panose="020B0609030804020204" pitchFamily="49" charset="0"/>
-              </a:rPr>
-              <a:t/>
-            </a:r>
             <a:br>
               <a:rPr lang="en-US" altLang="zh-TW" sz="1400" dirty="0">
                 <a:solidFill>
@@ -12919,7 +12938,7 @@
           <p:cNvPr id="3" name="標題 1">
             <a:extLst>
               <a:ext uri="{FF2B5EF4-FFF2-40B4-BE49-F238E27FC236}">
-                <a16:creationId xmlns="" xmlns:a16="http://schemas.microsoft.com/office/drawing/2014/main" id="{207F22D1-A870-E444-BDAC-5CF5E258B61B}"/>
+                <a16:creationId xmlns:a16="http://schemas.microsoft.com/office/drawing/2014/main" id="{207F22D1-A870-E444-BDAC-5CF5E258B61B}"/>
               </a:ext>
             </a:extLst>
           </p:cNvPr>
@@ -13050,7 +13069,7 @@
           <p:cNvPr id="2" name="標題 1">
             <a:extLst>
               <a:ext uri="{FF2B5EF4-FFF2-40B4-BE49-F238E27FC236}">
-                <a16:creationId xmlns="" xmlns:a16="http://schemas.microsoft.com/office/drawing/2014/main" id="{E79C5F1B-4111-B34F-847E-75DCA5C284FD}"/>
+                <a16:creationId xmlns:a16="http://schemas.microsoft.com/office/drawing/2014/main" id="{E79C5F1B-4111-B34F-847E-75DCA5C284FD}"/>
               </a:ext>
             </a:extLst>
           </p:cNvPr>
@@ -13163,7 +13182,7 @@
           <p:cNvPr id="3" name="矩形 2">
             <a:extLst>
               <a:ext uri="{FF2B5EF4-FFF2-40B4-BE49-F238E27FC236}">
-                <a16:creationId xmlns="" xmlns:a16="http://schemas.microsoft.com/office/drawing/2014/main" id="{C1DC05E2-98B3-1B4A-A78F-CF4B51BFDFBB}"/>
+                <a16:creationId xmlns:a16="http://schemas.microsoft.com/office/drawing/2014/main" id="{C1DC05E2-98B3-1B4A-A78F-CF4B51BFDFBB}"/>
               </a:ext>
             </a:extLst>
           </p:cNvPr>
@@ -13444,7 +13463,7 @@
           <p:cNvPr id="5" name="矩形 4">
             <a:extLst>
               <a:ext uri="{FF2B5EF4-FFF2-40B4-BE49-F238E27FC236}">
-                <a16:creationId xmlns="" xmlns:a16="http://schemas.microsoft.com/office/drawing/2014/main" id="{6635FDE9-2CF8-AE4A-A10A-2FAF84E02666}"/>
+                <a16:creationId xmlns:a16="http://schemas.microsoft.com/office/drawing/2014/main" id="{6635FDE9-2CF8-AE4A-A10A-2FAF84E02666}"/>
               </a:ext>
             </a:extLst>
           </p:cNvPr>
@@ -13676,15 +13695,6 @@
             </a:r>
           </a:p>
           <a:p>
-            <a:r>
-              <a:rPr lang="en-US" altLang="zh-TW" sz="1400" dirty="0">
-                <a:solidFill>
-                  <a:srgbClr val="F8F8F2"/>
-                </a:solidFill>
-                <a:latin typeface="Menlo" panose="020B0609030804020204" pitchFamily="49" charset="0"/>
-              </a:rPr>
-              <a:t/>
-            </a:r>
             <a:br>
               <a:rPr lang="en-US" altLang="zh-TW" sz="1400" dirty="0">
                 <a:solidFill>
@@ -13717,7 +13727,7 @@
           <p:cNvPr id="9" name="直線接點 8">
             <a:extLst>
               <a:ext uri="{FF2B5EF4-FFF2-40B4-BE49-F238E27FC236}">
-                <a16:creationId xmlns="" xmlns:a16="http://schemas.microsoft.com/office/drawing/2014/main" id="{663E15BC-D355-DD49-ACAF-CD4696C742F0}"/>
+                <a16:creationId xmlns:a16="http://schemas.microsoft.com/office/drawing/2014/main" id="{663E15BC-D355-DD49-ACAF-CD4696C742F0}"/>
               </a:ext>
             </a:extLst>
           </p:cNvPr>
@@ -13754,7 +13764,7 @@
           <p:cNvPr id="10" name="直線接點 9">
             <a:extLst>
               <a:ext uri="{FF2B5EF4-FFF2-40B4-BE49-F238E27FC236}">
-                <a16:creationId xmlns="" xmlns:a16="http://schemas.microsoft.com/office/drawing/2014/main" id="{26E1520E-4942-514E-ABF2-B5D783EA90BB}"/>
+                <a16:creationId xmlns:a16="http://schemas.microsoft.com/office/drawing/2014/main" id="{26E1520E-4942-514E-ABF2-B5D783EA90BB}"/>
               </a:ext>
             </a:extLst>
           </p:cNvPr>
@@ -13793,7 +13803,7 @@
           <p:cNvPr id="15" name="直線箭頭接點 14">
             <a:extLst>
               <a:ext uri="{FF2B5EF4-FFF2-40B4-BE49-F238E27FC236}">
-                <a16:creationId xmlns="" xmlns:a16="http://schemas.microsoft.com/office/drawing/2014/main" id="{F4F14853-2EE5-C449-8BB5-0057F3418639}"/>
+                <a16:creationId xmlns:a16="http://schemas.microsoft.com/office/drawing/2014/main" id="{F4F14853-2EE5-C449-8BB5-0057F3418639}"/>
               </a:ext>
             </a:extLst>
           </p:cNvPr>
@@ -13832,7 +13842,7 @@
           <p:cNvPr id="16" name="直線接點 15">
             <a:extLst>
               <a:ext uri="{FF2B5EF4-FFF2-40B4-BE49-F238E27FC236}">
-                <a16:creationId xmlns="" xmlns:a16="http://schemas.microsoft.com/office/drawing/2014/main" id="{84CF1E2F-9A79-314C-8B15-D40532D9DB4B}"/>
+                <a16:creationId xmlns:a16="http://schemas.microsoft.com/office/drawing/2014/main" id="{84CF1E2F-9A79-314C-8B15-D40532D9DB4B}"/>
               </a:ext>
             </a:extLst>
           </p:cNvPr>
@@ -13877,7 +13887,7 @@
           <p:cNvPr id="18" name="直線接點 17">
             <a:extLst>
               <a:ext uri="{FF2B5EF4-FFF2-40B4-BE49-F238E27FC236}">
-                <a16:creationId xmlns="" xmlns:a16="http://schemas.microsoft.com/office/drawing/2014/main" id="{A526251F-213A-7C4D-8230-FD109843D69A}"/>
+                <a16:creationId xmlns:a16="http://schemas.microsoft.com/office/drawing/2014/main" id="{A526251F-213A-7C4D-8230-FD109843D69A}"/>
               </a:ext>
             </a:extLst>
           </p:cNvPr>
@@ -13922,7 +13932,7 @@
           <p:cNvPr id="20" name="直線箭頭接點 19">
             <a:extLst>
               <a:ext uri="{FF2B5EF4-FFF2-40B4-BE49-F238E27FC236}">
-                <a16:creationId xmlns="" xmlns:a16="http://schemas.microsoft.com/office/drawing/2014/main" id="{B3AD4B63-8EC0-894D-8FF2-753983E11F3B}"/>
+                <a16:creationId xmlns:a16="http://schemas.microsoft.com/office/drawing/2014/main" id="{B3AD4B63-8EC0-894D-8FF2-753983E11F3B}"/>
               </a:ext>
             </a:extLst>
           </p:cNvPr>
@@ -14022,17 +14032,7 @@
                 <a:latin typeface="Consolas" panose="020B0609020204030204" pitchFamily="49" charset="0"/>
                 <a:cs typeface="Consolas" panose="020B0609020204030204" pitchFamily="49" charset="0"/>
               </a:rPr>
-              <a:t>Regular </a:t>
-            </a:r>
-            <a:r>
-              <a:rPr lang="en-US" altLang="zh-TW" sz="3200" b="1" dirty="0" smtClean="0">
-                <a:solidFill>
-                  <a:srgbClr val="323230"/>
-                </a:solidFill>
-                <a:latin typeface="Consolas" panose="020B0609020204030204" pitchFamily="49" charset="0"/>
-                <a:cs typeface="Consolas" panose="020B0609020204030204" pitchFamily="49" charset="0"/>
-              </a:rPr>
-              <a:t>Expression</a:t>
+              <a:t>Regular Expression</a:t>
             </a:r>
             <a:endParaRPr lang="zh-TW" altLang="en-US" sz="3200" b="1" dirty="0">
               <a:solidFill>
@@ -14098,27 +14098,7 @@
                 <a:latin typeface="Adobe 繁黑體 Std B" panose="020B0700000000000000" pitchFamily="34" charset="-120"/>
                 <a:ea typeface="Adobe 繁黑體 Std B" panose="020B0700000000000000" pitchFamily="34" charset="-120"/>
               </a:rPr>
-              <a:t>正規表示</a:t>
-            </a:r>
-            <a:r>
-              <a:rPr lang="zh-TW" altLang="en-US" sz="1400" b="1" dirty="0" smtClean="0">
-                <a:solidFill>
-                  <a:srgbClr val="323230"/>
-                </a:solidFill>
-                <a:latin typeface="Adobe 繁黑體 Std B" panose="020B0700000000000000" pitchFamily="34" charset="-120"/>
-                <a:ea typeface="Adobe 繁黑體 Std B" panose="020B0700000000000000" pitchFamily="34" charset="-120"/>
-              </a:rPr>
-              <a:t>式、正</a:t>
-            </a:r>
-            <a:r>
-              <a:rPr lang="zh-TW" altLang="en-US" sz="1400" b="1" dirty="0">
-                <a:solidFill>
-                  <a:srgbClr val="323230"/>
-                </a:solidFill>
-                <a:latin typeface="Adobe 繁黑體 Std B" panose="020B0700000000000000" pitchFamily="34" charset="-120"/>
-                <a:ea typeface="Adobe 繁黑體 Std B" panose="020B0700000000000000" pitchFamily="34" charset="-120"/>
-              </a:rPr>
-              <a:t>則表達式、正規表示法、正規運算式、規則運算式、常規表示法</a:t>
+              <a:t>正規表示式、正則表達式、正規表示法、正規運算式、規則運算式、常規表示法</a:t>
             </a:r>
             <a:endParaRPr lang="zh-TW" altLang="en-US" sz="1400" b="1" dirty="0">
               <a:solidFill>
@@ -14178,7 +14158,7 @@
               </a:lnSpc>
             </a:pPr>
             <a:r>
-              <a:rPr lang="zh-TW" altLang="en-US" sz="1000" b="1" dirty="0" smtClean="0">
+              <a:rPr lang="zh-TW" altLang="en-US" sz="1000" b="1" dirty="0">
                 <a:solidFill>
                   <a:schemeClr val="accent2">
                     <a:lumMod val="75000"/>
@@ -14187,31 +14167,7 @@
                 <a:latin typeface="Adobe 繁黑體 Std B" panose="020B0700000000000000" pitchFamily="34" charset="-120"/>
                 <a:ea typeface="Adobe 繁黑體 Std B" panose="020B0700000000000000" pitchFamily="34" charset="-120"/>
               </a:rPr>
-              <a:t>正規表示</a:t>
-            </a:r>
-            <a:r>
-              <a:rPr lang="zh-TW" altLang="en-US" sz="1000" b="1" dirty="0">
-                <a:solidFill>
-                  <a:schemeClr val="accent2">
-                    <a:lumMod val="75000"/>
-                  </a:schemeClr>
-                </a:solidFill>
-                <a:latin typeface="Adobe 繁黑體 Std B" panose="020B0700000000000000" pitchFamily="34" charset="-120"/>
-                <a:ea typeface="Adobe 繁黑體 Std B" panose="020B0700000000000000" pitchFamily="34" charset="-120"/>
-              </a:rPr>
-              <a:t>式是電腦科學的一個</a:t>
-            </a:r>
-            <a:r>
-              <a:rPr lang="zh-TW" altLang="en-US" sz="1000" b="1" dirty="0" smtClean="0">
-                <a:solidFill>
-                  <a:schemeClr val="accent2">
-                    <a:lumMod val="75000"/>
-                  </a:schemeClr>
-                </a:solidFill>
-                <a:latin typeface="Adobe 繁黑體 Std B" panose="020B0700000000000000" pitchFamily="34" charset="-120"/>
-                <a:ea typeface="Adobe 繁黑體 Std B" panose="020B0700000000000000" pitchFamily="34" charset="-120"/>
-              </a:rPr>
-              <a:t>概念，使用單個字串來描述、符合一系列符合某個句法規則的字串。</a:t>
+              <a:t>正規表示式是電腦科學的一個概念，使用單個字串來描述、符合一系列符合某個句法規則的字串。</a:t>
             </a:r>
             <a:endParaRPr lang="zh-TW" altLang="en-US" sz="1000" b="1" dirty="0">
               <a:solidFill>
@@ -14780,18 +14736,7 @@
                   </a:schemeClr>
                 </a:solidFill>
               </a:rPr>
-              <a:t>Babel </a:t>
-            </a:r>
-            <a:r>
-              <a:rPr lang="en-US" altLang="zh-TW" b="1" dirty="0" smtClean="0">
-                <a:solidFill>
-                  <a:schemeClr val="tx1">
-                    <a:lumMod val="75000"/>
-                    <a:lumOff val="25000"/>
-                  </a:schemeClr>
-                </a:solidFill>
-              </a:rPr>
-              <a:t>ES6/ES7</a:t>
+              <a:t>Babel ES6/ES7</a:t>
             </a:r>
           </a:p>
           <a:p>
@@ -14801,7 +14746,7 @@
               </a:lnSpc>
             </a:pPr>
             <a:r>
-              <a:rPr lang="zh-TW" altLang="en-US" b="1" dirty="0" smtClean="0">
+              <a:rPr lang="zh-TW" altLang="en-US" b="1" dirty="0">
                 <a:solidFill>
                   <a:schemeClr val="tx1">
                     <a:lumMod val="75000"/>
@@ -14815,7 +14760,7 @@
               <a:t>不要加入版本控管     </a:t>
             </a:r>
             <a:r>
-              <a:rPr lang="en-US" altLang="zh-TW" b="1" dirty="0" err="1" smtClean="0">
+              <a:rPr lang="en-US" altLang="zh-TW" b="1" dirty="0" err="1">
                 <a:solidFill>
                   <a:schemeClr val="tx1">
                     <a:lumMod val="75000"/>
@@ -14925,7 +14870,7 @@
           <a:lstStyle/>
           <a:p>
             <a:r>
-              <a:rPr lang="zh-TW" altLang="en-US" sz="2000" dirty="0" smtClean="0">
+              <a:rPr lang="zh-TW" altLang="en-US" sz="2000" dirty="0">
                 <a:solidFill>
                   <a:schemeClr val="bg1"/>
                 </a:solidFill>
@@ -14936,7 +14881,7 @@
               <a:t>線上測試工具 </a:t>
             </a:r>
             <a:r>
-              <a:rPr lang="en-US" altLang="zh-TW" sz="2000" dirty="0" smtClean="0">
+              <a:rPr lang="en-US" altLang="zh-TW" sz="2000" dirty="0">
                 <a:solidFill>
                   <a:schemeClr val="bg1"/>
                 </a:solidFill>
@@ -14947,7 +14892,7 @@
               <a:t>:</a:t>
             </a:r>
             <a:r>
-              <a:rPr lang="zh-TW" altLang="en-US" sz="2000" dirty="0" smtClean="0">
+              <a:rPr lang="zh-TW" altLang="en-US" sz="2000" dirty="0">
                 <a:solidFill>
                   <a:schemeClr val="bg1"/>
                 </a:solidFill>
@@ -14958,7 +14903,7 @@
               <a:t> </a:t>
             </a:r>
             <a:r>
-              <a:rPr lang="zh-TW" altLang="en-US" sz="2000" dirty="0" smtClean="0">
+              <a:rPr lang="zh-TW" altLang="en-US" sz="2000" dirty="0">
                 <a:solidFill>
                   <a:schemeClr val="bg1"/>
                 </a:solidFill>
@@ -15030,7 +14975,7 @@
           <a:lstStyle/>
           <a:p>
             <a:r>
-              <a:rPr lang="en-US" altLang="zh-TW" sz="2400" b="0" i="0" dirty="0" smtClean="0">
+              <a:rPr lang="en-US" altLang="zh-TW" sz="2400" b="0" i="0" dirty="0">
                 <a:solidFill>
                   <a:srgbClr val="323230"/>
                 </a:solidFill>
@@ -15041,7 +14986,7 @@
               <a:t>/^(([^&lt;&gt;()[</a:t>
             </a:r>
             <a:r>
-              <a:rPr lang="en-US" altLang="zh-TW" sz="2400" b="1" i="0" dirty="0" smtClean="0">
+              <a:rPr lang="en-US" altLang="zh-TW" sz="2400" b="1" i="0" dirty="0">
                 <a:solidFill>
                   <a:srgbClr val="323230"/>
                 </a:solidFill>
@@ -15052,7 +14997,7 @@
               <a:t>\]\\</a:t>
             </a:r>
             <a:r>
-              <a:rPr lang="en-US" altLang="zh-TW" sz="2400" b="0" i="0" dirty="0" smtClean="0">
+              <a:rPr lang="en-US" altLang="zh-TW" sz="2400" b="0" i="0" dirty="0">
                 <a:solidFill>
                   <a:srgbClr val="323230"/>
                 </a:solidFill>
@@ -15063,7 +15008,7 @@
               <a:t>.,;:\s@</a:t>
             </a:r>
             <a:r>
-              <a:rPr lang="en-US" altLang="zh-TW" sz="2400" b="1" i="0" dirty="0" smtClean="0">
+              <a:rPr lang="en-US" altLang="zh-TW" sz="2400" b="1" i="0" dirty="0">
                 <a:solidFill>
                   <a:srgbClr val="323230"/>
                 </a:solidFill>
@@ -15074,7 +15019,7 @@
               <a:t>\"</a:t>
             </a:r>
             <a:r>
-              <a:rPr lang="en-US" altLang="zh-TW" sz="2400" b="0" i="0" dirty="0" smtClean="0">
+              <a:rPr lang="en-US" altLang="zh-TW" sz="2400" b="0" i="0" dirty="0">
                 <a:solidFill>
                   <a:srgbClr val="323230"/>
                 </a:solidFill>
@@ -15085,7 +15030,7 @@
               <a:t>]+(</a:t>
             </a:r>
             <a:r>
-              <a:rPr lang="en-US" altLang="zh-TW" sz="2400" b="1" i="0" dirty="0" smtClean="0">
+              <a:rPr lang="en-US" altLang="zh-TW" sz="2400" b="1" i="0" dirty="0">
                 <a:solidFill>
                   <a:srgbClr val="323230"/>
                 </a:solidFill>
@@ -15096,7 +15041,7 @@
               <a:t>\.</a:t>
             </a:r>
             <a:r>
-              <a:rPr lang="en-US" altLang="zh-TW" sz="2400" b="0" i="0" dirty="0" smtClean="0">
+              <a:rPr lang="en-US" altLang="zh-TW" sz="2400" b="0" i="0" dirty="0">
                 <a:solidFill>
                   <a:srgbClr val="323230"/>
                 </a:solidFill>
@@ -15107,7 +15052,7 @@
               <a:t>[^&lt;&gt;()[</a:t>
             </a:r>
             <a:r>
-              <a:rPr lang="en-US" altLang="zh-TW" sz="2400" b="1" i="0" dirty="0" smtClean="0">
+              <a:rPr lang="en-US" altLang="zh-TW" sz="2400" b="1" i="0" dirty="0">
                 <a:solidFill>
                   <a:srgbClr val="323230"/>
                 </a:solidFill>
@@ -15118,7 +15063,7 @@
               <a:t>\]\\</a:t>
             </a:r>
             <a:r>
-              <a:rPr lang="en-US" altLang="zh-TW" sz="2400" b="0" i="0" dirty="0" smtClean="0">
+              <a:rPr lang="en-US" altLang="zh-TW" sz="2400" b="0" i="0" dirty="0">
                 <a:solidFill>
                   <a:srgbClr val="323230"/>
                 </a:solidFill>
@@ -15129,7 +15074,7 @@
               <a:t>.,;:\s@</a:t>
             </a:r>
             <a:r>
-              <a:rPr lang="en-US" altLang="zh-TW" sz="2400" b="1" i="0" dirty="0" smtClean="0">
+              <a:rPr lang="en-US" altLang="zh-TW" sz="2400" b="1" i="0" dirty="0">
                 <a:solidFill>
                   <a:srgbClr val="323230"/>
                 </a:solidFill>
@@ -15140,7 +15085,7 @@
               <a:t>\"</a:t>
             </a:r>
             <a:r>
-              <a:rPr lang="en-US" altLang="zh-TW" sz="2400" b="0" i="0" dirty="0" smtClean="0">
+              <a:rPr lang="en-US" altLang="zh-TW" sz="2400" b="0" i="0" dirty="0">
                 <a:solidFill>
                   <a:srgbClr val="323230"/>
                 </a:solidFill>
@@ -15151,7 +15096,7 @@
               <a:t>]+)*)|(</a:t>
             </a:r>
             <a:r>
-              <a:rPr lang="en-US" altLang="zh-TW" sz="2400" b="1" i="0" dirty="0" smtClean="0">
+              <a:rPr lang="en-US" altLang="zh-TW" sz="2400" b="1" i="0" dirty="0">
                 <a:solidFill>
                   <a:srgbClr val="323230"/>
                 </a:solidFill>
@@ -15162,7 +15107,7 @@
               <a:t>\"</a:t>
             </a:r>
             <a:r>
-              <a:rPr lang="en-US" altLang="zh-TW" sz="2400" b="0" i="0" dirty="0" smtClean="0">
+              <a:rPr lang="en-US" altLang="zh-TW" sz="2400" b="0" i="0" dirty="0">
                 <a:solidFill>
                   <a:srgbClr val="323230"/>
                 </a:solidFill>
@@ -15173,7 +15118,7 @@
               <a:t>.+</a:t>
             </a:r>
             <a:r>
-              <a:rPr lang="en-US" altLang="zh-TW" sz="2400" b="1" i="0" dirty="0" smtClean="0">
+              <a:rPr lang="en-US" altLang="zh-TW" sz="2400" b="1" i="0" dirty="0">
                 <a:solidFill>
                   <a:srgbClr val="323230"/>
                 </a:solidFill>
@@ -15184,7 +15129,7 @@
               <a:t>\"</a:t>
             </a:r>
             <a:r>
-              <a:rPr lang="en-US" altLang="zh-TW" sz="2400" b="0" i="0" dirty="0" smtClean="0">
+              <a:rPr lang="en-US" altLang="zh-TW" sz="2400" b="0" i="0" dirty="0">
                 <a:solidFill>
                   <a:srgbClr val="323230"/>
                 </a:solidFill>
@@ -15195,7 +15140,7 @@
               <a:t>))@((</a:t>
             </a:r>
             <a:r>
-              <a:rPr lang="en-US" altLang="zh-TW" sz="2400" b="1" i="0" dirty="0" smtClean="0">
+              <a:rPr lang="en-US" altLang="zh-TW" sz="2400" b="1" i="0" dirty="0">
                 <a:solidFill>
                   <a:srgbClr val="323230"/>
                 </a:solidFill>
@@ -15206,7 +15151,7 @@
               <a:t>\[</a:t>
             </a:r>
             <a:r>
-              <a:rPr lang="en-US" altLang="zh-TW" sz="2400" b="0" i="0" dirty="0" smtClean="0">
+              <a:rPr lang="en-US" altLang="zh-TW" sz="2400" b="0" i="0" dirty="0">
                 <a:solidFill>
                   <a:srgbClr val="323230"/>
                 </a:solidFill>
@@ -15217,7 +15162,7 @@
               <a:t>[0-9]{1,3}</a:t>
             </a:r>
             <a:r>
-              <a:rPr lang="en-US" altLang="zh-TW" sz="2400" b="1" i="0" dirty="0" smtClean="0">
+              <a:rPr lang="en-US" altLang="zh-TW" sz="2400" b="1" i="0" dirty="0">
                 <a:solidFill>
                   <a:srgbClr val="323230"/>
                 </a:solidFill>
@@ -15228,7 +15173,7 @@
               <a:t>\.</a:t>
             </a:r>
             <a:r>
-              <a:rPr lang="en-US" altLang="zh-TW" sz="2400" b="0" i="0" dirty="0" smtClean="0">
+              <a:rPr lang="en-US" altLang="zh-TW" sz="2400" b="0" i="0" dirty="0">
                 <a:solidFill>
                   <a:srgbClr val="323230"/>
                 </a:solidFill>
@@ -15239,7 +15184,7 @@
               <a:t>[0-9]{1,3}</a:t>
             </a:r>
             <a:r>
-              <a:rPr lang="en-US" altLang="zh-TW" sz="2400" b="1" i="0" dirty="0" smtClean="0">
+              <a:rPr lang="en-US" altLang="zh-TW" sz="2400" b="1" i="0" dirty="0">
                 <a:solidFill>
                   <a:srgbClr val="323230"/>
                 </a:solidFill>
@@ -15250,7 +15195,7 @@
               <a:t>\.</a:t>
             </a:r>
             <a:r>
-              <a:rPr lang="en-US" altLang="zh-TW" sz="2400" b="0" i="0" dirty="0" smtClean="0">
+              <a:rPr lang="en-US" altLang="zh-TW" sz="2400" b="0" i="0" dirty="0">
                 <a:solidFill>
                   <a:srgbClr val="323230"/>
                 </a:solidFill>
@@ -15261,7 +15206,7 @@
               <a:t>[0-9]{1,3}</a:t>
             </a:r>
             <a:r>
-              <a:rPr lang="en-US" altLang="zh-TW" sz="2400" b="1" i="0" dirty="0" smtClean="0">
+              <a:rPr lang="en-US" altLang="zh-TW" sz="2400" b="1" i="0" dirty="0">
                 <a:solidFill>
                   <a:srgbClr val="323230"/>
                 </a:solidFill>
@@ -15272,7 +15217,7 @@
               <a:t>\.</a:t>
             </a:r>
             <a:r>
-              <a:rPr lang="en-US" altLang="zh-TW" sz="2400" b="0" i="0" dirty="0" smtClean="0">
+              <a:rPr lang="en-US" altLang="zh-TW" sz="2400" b="0" i="0" dirty="0">
                 <a:solidFill>
                   <a:srgbClr val="323230"/>
                 </a:solidFill>
@@ -15283,7 +15228,7 @@
               <a:t>[0-9]{1,3}</a:t>
             </a:r>
             <a:r>
-              <a:rPr lang="en-US" altLang="zh-TW" sz="2400" b="1" i="0" dirty="0" smtClean="0">
+              <a:rPr lang="en-US" altLang="zh-TW" sz="2400" b="1" i="0" dirty="0">
                 <a:solidFill>
                   <a:srgbClr val="323230"/>
                 </a:solidFill>
@@ -15294,7 +15239,7 @@
               <a:t>\]</a:t>
             </a:r>
             <a:r>
-              <a:rPr lang="en-US" altLang="zh-TW" sz="2400" b="0" i="0" dirty="0" smtClean="0">
+              <a:rPr lang="en-US" altLang="zh-TW" sz="2400" b="0" i="0" dirty="0">
                 <a:solidFill>
                   <a:srgbClr val="323230"/>
                 </a:solidFill>
@@ -15305,7 +15250,7 @@
               <a:t>)|(([a-</a:t>
             </a:r>
             <a:r>
-              <a:rPr lang="en-US" altLang="zh-TW" sz="2400" b="0" i="0" dirty="0" err="1" smtClean="0">
+              <a:rPr lang="en-US" altLang="zh-TW" sz="2400" b="0" i="0" dirty="0" err="1">
                 <a:solidFill>
                   <a:srgbClr val="323230"/>
                 </a:solidFill>
@@ -15316,7 +15261,7 @@
               <a:t>zA</a:t>
             </a:r>
             <a:r>
-              <a:rPr lang="en-US" altLang="zh-TW" sz="2400" b="0" i="0" dirty="0" smtClean="0">
+              <a:rPr lang="en-US" altLang="zh-TW" sz="2400" b="0" i="0" dirty="0">
                 <a:solidFill>
                   <a:srgbClr val="323230"/>
                 </a:solidFill>
@@ -15327,7 +15272,7 @@
               <a:t>-Z\-0-9]+</a:t>
             </a:r>
             <a:r>
-              <a:rPr lang="en-US" altLang="zh-TW" sz="2400" b="1" i="0" dirty="0" smtClean="0">
+              <a:rPr lang="en-US" altLang="zh-TW" sz="2400" b="1" i="0" dirty="0">
                 <a:solidFill>
                   <a:srgbClr val="323230"/>
                 </a:solidFill>
@@ -15338,7 +15283,7 @@
               <a:t>\.</a:t>
             </a:r>
             <a:r>
-              <a:rPr lang="en-US" altLang="zh-TW" sz="2400" b="0" i="0" dirty="0" smtClean="0">
+              <a:rPr lang="en-US" altLang="zh-TW" sz="2400" b="0" i="0" dirty="0">
                 <a:solidFill>
                   <a:srgbClr val="323230"/>
                 </a:solidFill>
@@ -15349,7 +15294,7 @@
               <a:t>)+[a-</a:t>
             </a:r>
             <a:r>
-              <a:rPr lang="en-US" altLang="zh-TW" sz="2400" b="0" i="0" dirty="0" err="1" smtClean="0">
+              <a:rPr lang="en-US" altLang="zh-TW" sz="2400" b="0" i="0" dirty="0" err="1">
                 <a:solidFill>
                   <a:srgbClr val="323230"/>
                 </a:solidFill>
@@ -15360,7 +15305,7 @@
               <a:t>zA</a:t>
             </a:r>
             <a:r>
-              <a:rPr lang="en-US" altLang="zh-TW" sz="2400" b="0" i="0" dirty="0" smtClean="0">
+              <a:rPr lang="en-US" altLang="zh-TW" sz="2400" b="0" i="0" dirty="0">
                 <a:solidFill>
                   <a:srgbClr val="323230"/>
                 </a:solidFill>
@@ -15525,7 +15470,7 @@
               </a:lnSpc>
             </a:pPr>
             <a:r>
-              <a:rPr lang="zh-TW" altLang="en-US" sz="1400" b="1" dirty="0" smtClean="0">
+              <a:rPr lang="zh-TW" altLang="en-US" sz="1400" b="1" dirty="0">
                 <a:solidFill>
                   <a:schemeClr val="bg1"/>
                 </a:solidFill>
@@ -15698,7 +15643,7 @@
           <a:p>
             <a:pPr algn="ctr"/>
             <a:r>
-              <a:rPr lang="zh-TW" altLang="en-US" sz="2000" dirty="0" smtClean="0">
+              <a:rPr lang="zh-TW" altLang="en-US" sz="2000" dirty="0">
                 <a:solidFill>
                   <a:schemeClr val="bg1"/>
                 </a:solidFill>
@@ -15708,7 +15653,7 @@
               <a:t>要把全部 </a:t>
             </a:r>
             <a:r>
-              <a:rPr lang="en-US" altLang="zh-TW" sz="2000" dirty="0" smtClean="0">
+              <a:rPr lang="en-US" altLang="zh-TW" sz="2000" dirty="0">
                 <a:solidFill>
                   <a:schemeClr val="bg1"/>
                 </a:solidFill>
@@ -15718,7 +15663,7 @@
               <a:t>ECMAScript</a:t>
             </a:r>
             <a:r>
-              <a:rPr lang="zh-TW" altLang="en-US" sz="2000" dirty="0" smtClean="0">
+              <a:rPr lang="zh-TW" altLang="en-US" sz="2000" dirty="0">
                 <a:solidFill>
                   <a:schemeClr val="bg1"/>
                 </a:solidFill>
@@ -15728,7 +15673,7 @@
               <a:t> 的單字全部替換掉</a:t>
             </a:r>
             <a:r>
-              <a:rPr lang="en-US" altLang="zh-TW" sz="2000" dirty="0" smtClean="0">
+              <a:rPr lang="en-US" altLang="zh-TW" sz="2000" dirty="0">
                 <a:solidFill>
                   <a:schemeClr val="bg1"/>
                 </a:solidFill>
@@ -15814,7 +15759,7 @@
               </a:lnSpc>
             </a:pPr>
             <a:r>
-              <a:rPr lang="en-US" altLang="zh-TW" sz="1800" dirty="0" smtClean="0">
+              <a:rPr lang="en-US" altLang="zh-TW" sz="1800" dirty="0">
                 <a:solidFill>
                   <a:schemeClr val="bg1"/>
                 </a:solidFill>
@@ -15824,7 +15769,7 @@
               <a:t>String. replace(</a:t>
             </a:r>
             <a:r>
-              <a:rPr lang="en-US" altLang="zh-TW" sz="1800" dirty="0" err="1" smtClean="0">
+              <a:rPr lang="en-US" altLang="zh-TW" sz="1800" dirty="0" err="1">
                 <a:solidFill>
                   <a:schemeClr val="bg1"/>
                 </a:solidFill>
@@ -15834,7 +15779,7 @@
               <a:t>reg</a:t>
             </a:r>
             <a:r>
-              <a:rPr lang="en-US" altLang="zh-TW" sz="1800" dirty="0" smtClean="0">
+              <a:rPr lang="en-US" altLang="zh-TW" sz="1800" dirty="0">
                 <a:solidFill>
                   <a:schemeClr val="bg1"/>
                 </a:solidFill>
@@ -15851,37 +15796,17 @@
                 <a:latin typeface="Adobe 繁黑體 Std B" panose="020B0700000000000000" pitchFamily="34" charset="-120"/>
                 <a:ea typeface="Adobe 繁黑體 Std B" panose="020B0700000000000000" pitchFamily="34" charset="-120"/>
               </a:rPr>
-              <a:t>s</a:t>
-            </a:r>
-            <a:r>
-              <a:rPr lang="en-US" altLang="zh-TW" sz="1800" dirty="0" err="1" smtClean="0">
+              <a:t>str</a:t>
+            </a:r>
+            <a:r>
+              <a:rPr lang="en-US" altLang="zh-TW" sz="1800" dirty="0">
                 <a:solidFill>
                   <a:schemeClr val="bg1"/>
                 </a:solidFill>
                 <a:latin typeface="Adobe 繁黑體 Std B" panose="020B0700000000000000" pitchFamily="34" charset="-120"/>
                 <a:ea typeface="Adobe 繁黑體 Std B" panose="020B0700000000000000" pitchFamily="34" charset="-120"/>
               </a:rPr>
-              <a:t>tr</a:t>
-            </a:r>
-            <a:r>
-              <a:rPr lang="en-US" altLang="zh-TW" sz="1800" dirty="0" smtClean="0">
-                <a:solidFill>
-                  <a:schemeClr val="bg1"/>
-                </a:solidFill>
-                <a:latin typeface="Adobe 繁黑體 Std B" panose="020B0700000000000000" pitchFamily="34" charset="-120"/>
-                <a:ea typeface="Adobe 繁黑體 Std B" panose="020B0700000000000000" pitchFamily="34" charset="-120"/>
-              </a:rPr>
               <a:t>);</a:t>
-            </a:r>
-            <a:r>
-              <a:rPr lang="en-US" altLang="zh-TW" sz="1800" dirty="0">
-                <a:solidFill>
-                  <a:schemeClr val="bg1"/>
-                </a:solidFill>
-                <a:latin typeface="Adobe 繁黑體 Std B" panose="020B0700000000000000" pitchFamily="34" charset="-120"/>
-                <a:ea typeface="Adobe 繁黑體 Std B" panose="020B0700000000000000" pitchFamily="34" charset="-120"/>
-              </a:rPr>
-              <a:t/>
             </a:r>
             <a:br>
               <a:rPr lang="en-US" altLang="zh-TW" sz="1800" dirty="0">
@@ -16114,7 +16039,7 @@
           <a:lstStyle/>
           <a:p>
             <a:r>
-              <a:rPr lang="zh-TW" altLang="en-US" sz="1400" dirty="0" smtClean="0">
+              <a:rPr lang="zh-TW" altLang="en-US" sz="1400" dirty="0">
                 <a:solidFill>
                   <a:schemeClr val="bg1"/>
                 </a:solidFill>
@@ -16124,7 +16049,7 @@
               <a:t>用兩個</a:t>
             </a:r>
             <a:r>
-              <a:rPr lang="en-US" altLang="zh-TW" sz="1400" dirty="0" smtClean="0">
+              <a:rPr lang="en-US" altLang="zh-TW" sz="1400" dirty="0">
                 <a:solidFill>
                   <a:schemeClr val="bg1"/>
                 </a:solidFill>
@@ -16141,45 +16066,28 @@
                 <a:latin typeface="Adobe 繁黑體 Std B" panose="020B0700000000000000" pitchFamily="34" charset="-120"/>
                 <a:ea typeface="Adobe 繁黑體 Std B" panose="020B0700000000000000" pitchFamily="34" charset="-120"/>
               </a:rPr>
-              <a:t>來</a:t>
-            </a:r>
-            <a:r>
-              <a:rPr lang="zh-TW" altLang="en-US" sz="1400" dirty="0" smtClean="0">
+              <a:t>來比對完全符合 </a:t>
+            </a:r>
+            <a:r>
+              <a:rPr lang="en-US" altLang="zh-TW" sz="1400" dirty="0">
                 <a:solidFill>
                   <a:schemeClr val="bg1"/>
                 </a:solidFill>
                 <a:latin typeface="Adobe 繁黑體 Std B" panose="020B0700000000000000" pitchFamily="34" charset="-120"/>
                 <a:ea typeface="Adobe 繁黑體 Std B" panose="020B0700000000000000" pitchFamily="34" charset="-120"/>
               </a:rPr>
-              <a:t>比對完全符合 </a:t>
-            </a:r>
-            <a:r>
-              <a:rPr lang="en-US" altLang="zh-TW" sz="1400" dirty="0" smtClean="0">
+              <a:t>ECMAScript</a:t>
+            </a:r>
+            <a:r>
+              <a:rPr lang="zh-TW" altLang="en-US" sz="1400" dirty="0">
                 <a:solidFill>
                   <a:schemeClr val="bg1"/>
                 </a:solidFill>
                 <a:latin typeface="Adobe 繁黑體 Std B" panose="020B0700000000000000" pitchFamily="34" charset="-120"/>
                 <a:ea typeface="Adobe 繁黑體 Std B" panose="020B0700000000000000" pitchFamily="34" charset="-120"/>
               </a:rPr>
-              <a:t>ECMAScript</a:t>
-            </a:r>
-            <a:r>
-              <a:rPr lang="zh-TW" altLang="en-US" sz="1400" dirty="0" smtClean="0">
-                <a:solidFill>
-                  <a:schemeClr val="bg1"/>
-                </a:solidFill>
-                <a:latin typeface="Adobe 繁黑體 Std B" panose="020B0700000000000000" pitchFamily="34" charset="-120"/>
-                <a:ea typeface="Adobe 繁黑體 Std B" panose="020B0700000000000000" pitchFamily="34" charset="-120"/>
-              </a:rPr>
               <a:t> 字串</a:t>
             </a:r>
-            <a:endParaRPr lang="zh-TW" altLang="en-US" sz="1400" dirty="0">
-              <a:solidFill>
-                <a:schemeClr val="bg1"/>
-              </a:solidFill>
-              <a:latin typeface="Adobe 繁黑體 Std B" panose="020B0700000000000000" pitchFamily="34" charset="-120"/>
-              <a:ea typeface="Adobe 繁黑體 Std B" panose="020B0700000000000000" pitchFamily="34" charset="-120"/>
-            </a:endParaRPr>
           </a:p>
         </p:txBody>
       </p:sp>
@@ -16240,7 +16148,7 @@
           <a:lstStyle/>
           <a:p>
             <a:r>
-              <a:rPr lang="zh-TW" altLang="en-US" sz="1400" dirty="0" smtClean="0">
+              <a:rPr lang="zh-TW" altLang="en-US" sz="1400" dirty="0">
                 <a:solidFill>
                   <a:schemeClr val="bg1"/>
                 </a:solidFill>
@@ -16250,7 +16158,7 @@
               <a:t>最後面不加</a:t>
             </a:r>
             <a:r>
-              <a:rPr lang="en-US" altLang="zh-TW" sz="1400" dirty="0" smtClean="0">
+              <a:rPr lang="en-US" altLang="zh-TW" sz="1400" dirty="0">
                 <a:solidFill>
                   <a:schemeClr val="bg1"/>
                 </a:solidFill>
@@ -16260,7 +16168,7 @@
               <a:t>g</a:t>
             </a:r>
             <a:r>
-              <a:rPr lang="zh-TW" altLang="en-US" sz="1400" dirty="0" smtClean="0">
+              <a:rPr lang="zh-TW" altLang="en-US" sz="1400" dirty="0">
                 <a:solidFill>
                   <a:schemeClr val="bg1"/>
                 </a:solidFill>
@@ -16270,7 +16178,7 @@
               <a:t>的話</a:t>
             </a:r>
             <a:r>
-              <a:rPr lang="en-US" altLang="zh-TW" sz="1400" dirty="0" smtClean="0">
+              <a:rPr lang="en-US" altLang="zh-TW" sz="1400" dirty="0">
                 <a:solidFill>
                   <a:schemeClr val="bg1"/>
                 </a:solidFill>
@@ -16280,7 +16188,7 @@
               <a:t>replace</a:t>
             </a:r>
             <a:r>
-              <a:rPr lang="zh-TW" altLang="en-US" sz="1400" dirty="0" smtClean="0">
+              <a:rPr lang="zh-TW" altLang="en-US" sz="1400" dirty="0">
                 <a:solidFill>
                   <a:schemeClr val="bg1"/>
                 </a:solidFill>
@@ -16290,7 +16198,7 @@
               <a:t>只會比對第一個字串一樣就停止了，</a:t>
             </a:r>
             <a:r>
-              <a:rPr lang="en-US" altLang="zh-TW" sz="1400" dirty="0" smtClean="0">
+              <a:rPr lang="en-US" altLang="zh-TW" sz="1400" dirty="0">
                 <a:solidFill>
                   <a:schemeClr val="bg1"/>
                 </a:solidFill>
@@ -16300,7 +16208,7 @@
               <a:t>g </a:t>
             </a:r>
             <a:r>
-              <a:rPr lang="zh-TW" altLang="en-US" sz="1400" dirty="0" smtClean="0">
+              <a:rPr lang="zh-TW" altLang="en-US" sz="1400" dirty="0">
                 <a:solidFill>
                   <a:schemeClr val="bg1"/>
                 </a:solidFill>
@@ -16310,7 +16218,7 @@
               <a:t>是全域的意思 </a:t>
             </a:r>
             <a:r>
-              <a:rPr lang="en-US" altLang="zh-TW" sz="1400" dirty="0" smtClean="0">
+              <a:rPr lang="en-US" altLang="zh-TW" sz="1400" dirty="0">
                 <a:solidFill>
                   <a:schemeClr val="bg1"/>
                 </a:solidFill>
@@ -16435,7 +16343,7 @@
           <a:lstStyle/>
           <a:p>
             <a:r>
-              <a:rPr lang="zh-TW" altLang="en-US" sz="1600" dirty="0" smtClean="0">
+              <a:rPr lang="zh-TW" altLang="en-US" sz="1600" dirty="0">
                 <a:solidFill>
                   <a:srgbClr val="323230"/>
                 </a:solidFill>
@@ -16444,13 +16352,6 @@
               </a:rPr>
               <a:t>線上預覽工具</a:t>
             </a:r>
-            <a:endParaRPr lang="zh-TW" altLang="en-US" sz="1600" dirty="0">
-              <a:solidFill>
-                <a:srgbClr val="323230"/>
-              </a:solidFill>
-              <a:latin typeface="Adobe 繁黑體 Std B" panose="020B0700000000000000" pitchFamily="34" charset="-120"/>
-              <a:ea typeface="Adobe 繁黑體 Std B" panose="020B0700000000000000" pitchFamily="34" charset="-120"/>
-            </a:endParaRPr>
           </a:p>
         </p:txBody>
       </p:sp>
@@ -16511,7 +16412,7 @@
         </p:spPr>
         <p:txBody>
           <a:bodyPr vert="horz" lIns="91440" tIns="45720" rIns="91440" bIns="45720" rtlCol="0" anchor="ctr">
-            <a:normAutofit fontScale="92500" lnSpcReduction="10000"/>
+            <a:normAutofit lnSpcReduction="10000"/>
           </a:bodyPr>
           <a:lstStyle>
             <a:lvl1pPr algn="l" defTabSz="914400" rtl="0" eaLnBrk="1" latinLnBrk="0" hangingPunct="1">
@@ -16539,7 +16440,7 @@
               </a:lnSpc>
             </a:pPr>
             <a:r>
-              <a:rPr lang="en-US" altLang="zh-TW" sz="1800" dirty="0" err="1" smtClean="0">
+              <a:rPr lang="en-US" altLang="zh-TW" sz="1800" dirty="0" err="1">
                 <a:solidFill>
                   <a:schemeClr val="bg1"/>
                 </a:solidFill>
@@ -16549,7 +16450,7 @@
               <a:t>String.match</a:t>
             </a:r>
             <a:r>
-              <a:rPr lang="en-US" altLang="zh-TW" sz="1800" dirty="0" smtClean="0">
+              <a:rPr lang="en-US" altLang="zh-TW" sz="1800" dirty="0">
                 <a:solidFill>
                   <a:schemeClr val="bg1"/>
                 </a:solidFill>
@@ -16559,7 +16460,7 @@
               <a:t>(</a:t>
             </a:r>
             <a:r>
-              <a:rPr lang="en-US" altLang="zh-TW" sz="1800" dirty="0" err="1" smtClean="0">
+              <a:rPr lang="en-US" altLang="zh-TW" sz="1800" dirty="0" err="1">
                 <a:solidFill>
                   <a:schemeClr val="bg1"/>
                 </a:solidFill>
@@ -16595,29 +16496,8 @@
                 <a:latin typeface="Adobe 繁黑體 Std B" panose="020B0700000000000000" pitchFamily="34" charset="-120"/>
                 <a:ea typeface="Adobe 繁黑體 Std B" panose="020B0700000000000000" pitchFamily="34" charset="-120"/>
               </a:rPr>
-              <a:t>在字串方法內使用正則表達式來找到一個或是多個匹配的</a:t>
-            </a:r>
-            <a:r>
-              <a:rPr lang="zh-TW" altLang="en-US" sz="1600" dirty="0" smtClean="0">
-                <a:solidFill>
-                  <a:schemeClr val="bg1">
-                    <a:lumMod val="50000"/>
-                  </a:schemeClr>
-                </a:solidFill>
-                <a:latin typeface="Adobe 繁黑體 Std B" panose="020B0700000000000000" pitchFamily="34" charset="-120"/>
-                <a:ea typeface="Adobe 繁黑體 Std B" panose="020B0700000000000000" pitchFamily="34" charset="-120"/>
-              </a:rPr>
-              <a:t>結果</a:t>
-            </a:r>
-            <a:endParaRPr lang="zh-TW" altLang="en-US" sz="1600" dirty="0">
-              <a:solidFill>
-                <a:schemeClr val="bg1">
-                  <a:lumMod val="50000"/>
-                </a:schemeClr>
-              </a:solidFill>
-              <a:latin typeface="Adobe 繁黑體 Std B" panose="020B0700000000000000" pitchFamily="34" charset="-120"/>
-              <a:ea typeface="Adobe 繁黑體 Std B" panose="020B0700000000000000" pitchFamily="34" charset="-120"/>
-            </a:endParaRPr>
+              <a:t>在字串方法內使用正則表達式來找到一個或是多個匹配的結果</a:t>
+            </a:r>
           </a:p>
         </p:txBody>
       </p:sp>
@@ -16771,7 +16651,7 @@
           <a:p>
             <a:pPr algn="ctr"/>
             <a:r>
-              <a:rPr lang="zh-TW" altLang="en-US" sz="1400" dirty="0" smtClean="0">
+              <a:rPr lang="zh-TW" altLang="en-US" sz="1400" dirty="0">
                 <a:solidFill>
                   <a:schemeClr val="bg1"/>
                 </a:solidFill>
@@ -16780,13 +16660,6 @@
               </a:rPr>
               <a:t>所有的英文字母包括大小寫</a:t>
             </a:r>
-            <a:endParaRPr lang="zh-TW" altLang="en-US" sz="1400" dirty="0">
-              <a:solidFill>
-                <a:schemeClr val="bg1"/>
-              </a:solidFill>
-              <a:latin typeface="Adobe 繁黑體 Std B" panose="020B0700000000000000" pitchFamily="34" charset="-120"/>
-              <a:ea typeface="Adobe 繁黑體 Std B" panose="020B0700000000000000" pitchFamily="34" charset="-120"/>
-            </a:endParaRPr>
           </a:p>
         </p:txBody>
       </p:sp>
@@ -16886,25 +16759,8 @@
                 <a:latin typeface="Adobe 繁黑體 Std B" panose="020B0700000000000000" pitchFamily="34" charset="-120"/>
                 <a:ea typeface="Adobe 繁黑體 Std B" panose="020B0700000000000000" pitchFamily="34" charset="-120"/>
               </a:rPr>
-              <a:t>匹配前一</a:t>
-            </a:r>
-            <a:r>
-              <a:rPr lang="zh-TW" altLang="en-US" sz="1400" dirty="0" smtClean="0">
-                <a:solidFill>
-                  <a:schemeClr val="bg1"/>
-                </a:solidFill>
-                <a:latin typeface="Adobe 繁黑體 Std B" panose="020B0700000000000000" pitchFamily="34" charset="-120"/>
-                <a:ea typeface="Adobe 繁黑體 Std B" panose="020B0700000000000000" pitchFamily="34" charset="-120"/>
-              </a:rPr>
-              <a:t>字元多次</a:t>
-            </a:r>
-            <a:endParaRPr lang="zh-TW" altLang="en-US" sz="1400" dirty="0">
-              <a:solidFill>
-                <a:schemeClr val="bg1"/>
-              </a:solidFill>
-              <a:latin typeface="Adobe 繁黑體 Std B" panose="020B0700000000000000" pitchFamily="34" charset="-120"/>
-              <a:ea typeface="Adobe 繁黑體 Std B" panose="020B0700000000000000" pitchFamily="34" charset="-120"/>
-            </a:endParaRPr>
+              <a:t>匹配前一字元多次</a:t>
+            </a:r>
           </a:p>
         </p:txBody>
       </p:sp>
@@ -16988,7 +16844,7 @@
               </a:lnSpc>
             </a:pPr>
             <a:r>
-              <a:rPr lang="zh-TW" altLang="en-US" sz="1400" b="1" dirty="0" smtClean="0">
+              <a:rPr lang="zh-TW" altLang="en-US" sz="1400" b="1" dirty="0">
                 <a:solidFill>
                   <a:schemeClr val="bg1"/>
                 </a:solidFill>
@@ -17037,37 +16893,7 @@
                 <a:latin typeface="Adobe 繁黑體 Std B" panose="020B0700000000000000" pitchFamily="34" charset="-120"/>
                 <a:ea typeface="Adobe 繁黑體 Std B" panose="020B0700000000000000" pitchFamily="34" charset="-120"/>
               </a:rPr>
-              <a:t>用於查</a:t>
-            </a:r>
-            <a:r>
-              <a:rPr lang="zh-TW" altLang="en-US" sz="1400" b="1" dirty="0" smtClean="0">
-                <a:solidFill>
-                  <a:schemeClr val="bg1"/>
-                </a:solidFill>
-                <a:latin typeface="Adobe 繁黑體 Std B" panose="020B0700000000000000" pitchFamily="34" charset="-120"/>
-                <a:ea typeface="Adobe 繁黑體 Std B" panose="020B0700000000000000" pitchFamily="34" charset="-120"/>
-              </a:rPr>
-              <a:t>找範圍</a:t>
-            </a:r>
-            <a:r>
-              <a:rPr lang="zh-TW" altLang="en-US" sz="1400" b="1" dirty="0">
-                <a:solidFill>
-                  <a:schemeClr val="bg1"/>
-                </a:solidFill>
-                <a:latin typeface="Adobe 繁黑體 Std B" panose="020B0700000000000000" pitchFamily="34" charset="-120"/>
-                <a:ea typeface="Adobe 繁黑體 Std B" panose="020B0700000000000000" pitchFamily="34" charset="-120"/>
-              </a:rPr>
-              <a:t>內的</a:t>
-            </a:r>
-            <a:r>
-              <a:rPr lang="zh-TW" altLang="en-US" sz="1400" b="1" dirty="0" smtClean="0">
-                <a:solidFill>
-                  <a:schemeClr val="bg1"/>
-                </a:solidFill>
-                <a:latin typeface="Adobe 繁黑體 Std B" panose="020B0700000000000000" pitchFamily="34" charset="-120"/>
-                <a:ea typeface="Adobe 繁黑體 Std B" panose="020B0700000000000000" pitchFamily="34" charset="-120"/>
-              </a:rPr>
-              <a:t>字串</a:t>
+              <a:t>用於查找範圍內的字串</a:t>
             </a:r>
             <a:endParaRPr lang="en-US" altLang="zh-TW" sz="1400" b="1" dirty="0">
               <a:solidFill>
@@ -17167,7 +16993,7 @@
           <a:lstStyle/>
           <a:p>
             <a:r>
-              <a:rPr lang="zh-TW" altLang="en-US" sz="1400" dirty="0" smtClean="0">
+              <a:rPr lang="zh-TW" altLang="en-US" sz="1400" dirty="0">
                 <a:solidFill>
                   <a:schemeClr val="bg1"/>
                 </a:solidFill>
@@ -17176,13 +17002,6 @@
               </a:rPr>
               <a:t>全部的內容比對</a:t>
             </a:r>
-            <a:endParaRPr lang="zh-TW" altLang="en-US" sz="1400" dirty="0">
-              <a:solidFill>
-                <a:schemeClr val="bg1"/>
-              </a:solidFill>
-              <a:latin typeface="Adobe 繁黑體 Std B" panose="020B0700000000000000" pitchFamily="34" charset="-120"/>
-              <a:ea typeface="Adobe 繁黑體 Std B" panose="020B0700000000000000" pitchFamily="34" charset="-120"/>
-            </a:endParaRPr>
           </a:p>
         </p:txBody>
       </p:sp>
@@ -17570,7 +17389,7 @@
               <a:t> </a:t>
             </a:r>
             <a:r>
-              <a:rPr lang="en-US" altLang="zh-TW" dirty="0" smtClean="0">
+              <a:rPr lang="en-US" altLang="zh-TW" dirty="0">
                 <a:solidFill>
                   <a:schemeClr val="bg1">
                     <a:lumMod val="75000"/>
@@ -17582,7 +17401,7 @@
               <a:t>---------&gt; </a:t>
             </a:r>
             <a:r>
-              <a:rPr lang="en-US" altLang="zh-TW" dirty="0" smtClean="0">
+              <a:rPr lang="en-US" altLang="zh-TW" dirty="0">
                 <a:solidFill>
                   <a:schemeClr val="bg1">
                     <a:lumMod val="75000"/>
@@ -17595,7 +17414,7 @@
               <a:t> </a:t>
             </a:r>
             <a:r>
-              <a:rPr lang="zh-TW" altLang="en-US" dirty="0" smtClean="0">
+              <a:rPr lang="zh-TW" altLang="en-US" dirty="0">
                 <a:solidFill>
                   <a:schemeClr val="bg1">
                     <a:lumMod val="75000"/>
@@ -17604,19 +17423,7 @@
                 <a:latin typeface="Adobe 繁黑體 Std B" panose="020B0700000000000000" pitchFamily="34" charset="-120"/>
                 <a:ea typeface="Adobe 繁黑體 Std B" panose="020B0700000000000000" pitchFamily="34" charset="-120"/>
               </a:rPr>
-              <a:t>["</a:t>
-            </a:r>
-            <a:r>
-              <a:rPr lang="zh-TW" altLang="en-US" dirty="0">
-                <a:solidFill>
-                  <a:schemeClr val="bg1">
-                    <a:lumMod val="75000"/>
-                  </a:schemeClr>
-                </a:solidFill>
-                <a:latin typeface="Adobe 繁黑體 Std B" panose="020B0700000000000000" pitchFamily="34" charset="-120"/>
-                <a:ea typeface="Adobe 繁黑體 Std B" panose="020B0700000000000000" pitchFamily="34" charset="-120"/>
-              </a:rPr>
-              <a:t>ECMAScript", "ecmascripT", "Ecmascript"]</a:t>
+              <a:t>["ECMAScript", "ecmascripT", "Ecmascript"]</a:t>
             </a:r>
           </a:p>
         </p:txBody>
@@ -17643,7 +17450,7 @@
           <a:lstStyle/>
           <a:p>
             <a:r>
-              <a:rPr lang="en-US" altLang="zh-TW" sz="1600" dirty="0" err="1" smtClean="0">
+              <a:rPr lang="en-US" altLang="zh-TW" sz="1600" dirty="0" err="1">
                 <a:solidFill>
                   <a:schemeClr val="accent2">
                     <a:lumMod val="60000"/>
@@ -17656,7 +17463,7 @@
               <a:t>i</a:t>
             </a:r>
             <a:r>
-              <a:rPr lang="en-US" altLang="zh-TW" sz="1600" dirty="0" smtClean="0">
+              <a:rPr lang="en-US" altLang="zh-TW" sz="1600" dirty="0">
                 <a:solidFill>
                   <a:schemeClr val="accent2">
                     <a:lumMod val="60000"/>
@@ -17669,7 +17476,7 @@
               <a:t> </a:t>
             </a:r>
             <a:r>
-              <a:rPr lang="zh-TW" altLang="en-US" sz="1600" dirty="0" smtClean="0">
+              <a:rPr lang="zh-TW" altLang="en-US" sz="1600" dirty="0">
                 <a:solidFill>
                   <a:schemeClr val="accent2">
                     <a:lumMod val="60000"/>
@@ -17681,16 +17488,6 @@
               </a:rPr>
               <a:t>可以比對的時候不管大小寫</a:t>
             </a:r>
-            <a:endParaRPr lang="zh-TW" altLang="en-US" sz="1600" dirty="0">
-              <a:solidFill>
-                <a:schemeClr val="accent2">
-                  <a:lumMod val="60000"/>
-                  <a:lumOff val="40000"/>
-                </a:schemeClr>
-              </a:solidFill>
-              <a:latin typeface="Adobe 繁黑體 Std B" panose="020B0700000000000000" pitchFamily="34" charset="-120"/>
-              <a:ea typeface="Adobe 繁黑體 Std B" panose="020B0700000000000000" pitchFamily="34" charset="-120"/>
-            </a:endParaRPr>
           </a:p>
         </p:txBody>
       </p:sp>
@@ -18022,55 +17819,28 @@
                 <a:latin typeface="Adobe 繁黑體 Std B" panose="020B0700000000000000" pitchFamily="34" charset="-120"/>
                 <a:ea typeface="Adobe 繁黑體 Std B" panose="020B0700000000000000" pitchFamily="34" charset="-120"/>
               </a:rPr>
-              <a:t>匹配任何開頭</a:t>
-            </a:r>
-            <a:r>
-              <a:rPr lang="zh-TW" altLang="en-US" sz="1400" dirty="0" smtClean="0">
+              <a:t>匹配任何開頭為</a:t>
+            </a:r>
+            <a:r>
+              <a:rPr lang="en-US" altLang="zh-TW" sz="1400" dirty="0">
                 <a:solidFill>
                   <a:schemeClr val="bg1"/>
                 </a:solidFill>
                 <a:latin typeface="Adobe 繁黑體 Std B" panose="020B0700000000000000" pitchFamily="34" charset="-120"/>
                 <a:ea typeface="Adobe 繁黑體 Std B" panose="020B0700000000000000" pitchFamily="34" charset="-120"/>
               </a:rPr>
-              <a:t>為</a:t>
-            </a:r>
-            <a:r>
-              <a:rPr lang="en-US" altLang="zh-TW" sz="1400" dirty="0" smtClean="0">
+              <a:t>air </a:t>
+            </a:r>
+            <a:r>
+              <a:rPr lang="zh-TW" altLang="en-US" sz="1400" dirty="0">
                 <a:solidFill>
                   <a:schemeClr val="bg1"/>
                 </a:solidFill>
                 <a:latin typeface="Adobe 繁黑體 Std B" panose="020B0700000000000000" pitchFamily="34" charset="-120"/>
                 <a:ea typeface="Adobe 繁黑體 Std B" panose="020B0700000000000000" pitchFamily="34" charset="-120"/>
               </a:rPr>
-              <a:t>air </a:t>
-            </a:r>
-            <a:r>
-              <a:rPr lang="zh-TW" altLang="en-US" sz="1400" dirty="0">
-                <a:solidFill>
-                  <a:schemeClr val="bg1"/>
-                </a:solidFill>
-                <a:latin typeface="Adobe 繁黑體 Std B" panose="020B0700000000000000" pitchFamily="34" charset="-120"/>
-                <a:ea typeface="Adobe 繁黑體 Std B" panose="020B0700000000000000" pitchFamily="34" charset="-120"/>
-              </a:rPr>
-              <a:t>的</a:t>
-            </a:r>
-            <a:r>
-              <a:rPr lang="zh-TW" altLang="en-US" sz="1400" dirty="0" smtClean="0">
-                <a:solidFill>
-                  <a:schemeClr val="bg1"/>
-                </a:solidFill>
-                <a:latin typeface="Adobe 繁黑體 Std B" panose="020B0700000000000000" pitchFamily="34" charset="-120"/>
-                <a:ea typeface="Adobe 繁黑體 Std B" panose="020B0700000000000000" pitchFamily="34" charset="-120"/>
-              </a:rPr>
-              <a:t>字串。</a:t>
-            </a:r>
-            <a:endParaRPr lang="zh-TW" altLang="en-US" sz="1400" dirty="0">
-              <a:solidFill>
-                <a:schemeClr val="bg1"/>
-              </a:solidFill>
-              <a:latin typeface="Adobe 繁黑體 Std B" panose="020B0700000000000000" pitchFamily="34" charset="-120"/>
-              <a:ea typeface="Adobe 繁黑體 Std B" panose="020B0700000000000000" pitchFamily="34" charset="-120"/>
-            </a:endParaRPr>
+              <a:t>的字串。</a:t>
+            </a:r>
           </a:p>
         </p:txBody>
       </p:sp>
@@ -18103,85 +17873,38 @@
                 <a:latin typeface="Adobe 繁黑體 Std B" panose="020B0700000000000000" pitchFamily="34" charset="-120"/>
                 <a:ea typeface="Adobe 繁黑體 Std B" panose="020B0700000000000000" pitchFamily="34" charset="-120"/>
               </a:rPr>
-              <a:t>匹配</a:t>
-            </a:r>
-            <a:r>
-              <a:rPr lang="zh-TW" altLang="en-US" sz="1400" dirty="0" smtClean="0">
+              <a:t>匹配任何結尾為</a:t>
+            </a:r>
+            <a:r>
+              <a:rPr lang="en-US" altLang="zh-TW" sz="1400" dirty="0" err="1">
                 <a:solidFill>
                   <a:schemeClr val="bg1"/>
                 </a:solidFill>
                 <a:latin typeface="Adobe 繁黑體 Std B" panose="020B0700000000000000" pitchFamily="34" charset="-120"/>
                 <a:ea typeface="Adobe 繁黑體 Std B" panose="020B0700000000000000" pitchFamily="34" charset="-120"/>
               </a:rPr>
-              <a:t>任何結</a:t>
-            </a:r>
-            <a:r>
-              <a:rPr lang="zh-TW" altLang="en-US" sz="1400" dirty="0">
+              <a:t>er</a:t>
+            </a:r>
+            <a:r>
+              <a:rPr lang="en-US" altLang="zh-TW" sz="1400" dirty="0">
                 <a:solidFill>
                   <a:schemeClr val="bg1"/>
                 </a:solidFill>
                 <a:latin typeface="Adobe 繁黑體 Std B" panose="020B0700000000000000" pitchFamily="34" charset="-120"/>
                 <a:ea typeface="Adobe 繁黑體 Std B" panose="020B0700000000000000" pitchFamily="34" charset="-120"/>
               </a:rPr>
-              <a:t>尾</a:t>
-            </a:r>
-            <a:r>
-              <a:rPr lang="zh-TW" altLang="en-US" sz="1400" dirty="0" smtClean="0">
+              <a:t> </a:t>
+            </a:r>
+            <a:r>
+              <a:rPr lang="zh-TW" altLang="en-US" sz="1400" dirty="0">
                 <a:solidFill>
                   <a:schemeClr val="bg1"/>
                 </a:solidFill>
                 <a:latin typeface="Adobe 繁黑體 Std B" panose="020B0700000000000000" pitchFamily="34" charset="-120"/>
                 <a:ea typeface="Adobe 繁黑體 Std B" panose="020B0700000000000000" pitchFamily="34" charset="-120"/>
               </a:rPr>
-              <a:t>為</a:t>
-            </a:r>
-            <a:r>
-              <a:rPr lang="en-US" altLang="zh-TW" sz="1400" dirty="0" err="1" smtClean="0">
-                <a:solidFill>
-                  <a:schemeClr val="bg1"/>
-                </a:solidFill>
-                <a:latin typeface="Adobe 繁黑體 Std B" panose="020B0700000000000000" pitchFamily="34" charset="-120"/>
-                <a:ea typeface="Adobe 繁黑體 Std B" panose="020B0700000000000000" pitchFamily="34" charset="-120"/>
-              </a:rPr>
-              <a:t>er</a:t>
-            </a:r>
-            <a:r>
-              <a:rPr lang="en-US" altLang="zh-TW" sz="1400" dirty="0" smtClean="0">
-                <a:solidFill>
-                  <a:schemeClr val="bg1"/>
-                </a:solidFill>
-                <a:latin typeface="Adobe 繁黑體 Std B" panose="020B0700000000000000" pitchFamily="34" charset="-120"/>
-                <a:ea typeface="Adobe 繁黑體 Std B" panose="020B0700000000000000" pitchFamily="34" charset="-120"/>
-              </a:rPr>
-              <a:t> </a:t>
-            </a:r>
-            <a:r>
-              <a:rPr lang="zh-TW" altLang="en-US" sz="1400" dirty="0">
-                <a:solidFill>
-                  <a:schemeClr val="bg1"/>
-                </a:solidFill>
-                <a:latin typeface="Adobe 繁黑體 Std B" panose="020B0700000000000000" pitchFamily="34" charset="-120"/>
-                <a:ea typeface="Adobe 繁黑體 Std B" panose="020B0700000000000000" pitchFamily="34" charset="-120"/>
-              </a:rPr>
-              <a:t>的</a:t>
-            </a:r>
-            <a:r>
-              <a:rPr lang="zh-TW" altLang="en-US" sz="1400" dirty="0" smtClean="0">
-                <a:solidFill>
-                  <a:schemeClr val="bg1"/>
-                </a:solidFill>
-                <a:latin typeface="Adobe 繁黑體 Std B" panose="020B0700000000000000" pitchFamily="34" charset="-120"/>
-                <a:ea typeface="Adobe 繁黑體 Std B" panose="020B0700000000000000" pitchFamily="34" charset="-120"/>
-              </a:rPr>
-              <a:t>字串。</a:t>
-            </a:r>
-            <a:endParaRPr lang="zh-TW" altLang="en-US" sz="1400" dirty="0">
-              <a:solidFill>
-                <a:schemeClr val="bg1"/>
-              </a:solidFill>
-              <a:latin typeface="Adobe 繁黑體 Std B" panose="020B0700000000000000" pitchFamily="34" charset="-120"/>
-              <a:ea typeface="Adobe 繁黑體 Std B" panose="020B0700000000000000" pitchFamily="34" charset="-120"/>
-            </a:endParaRPr>
+              <a:t>的字串。</a:t>
+            </a:r>
           </a:p>
         </p:txBody>
       </p:sp>
@@ -18268,17 +17991,7 @@
                 <a:latin typeface="Adobe 繁黑體 Std B" panose="020B0700000000000000" pitchFamily="34" charset="-120"/>
                 <a:ea typeface="Adobe 繁黑體 Std B" panose="020B0700000000000000" pitchFamily="34" charset="-120"/>
               </a:rPr>
-              <a:t>查找單個字</a:t>
-            </a:r>
-            <a:r>
-              <a:rPr lang="zh-TW" altLang="en-US" sz="1400" dirty="0" smtClean="0">
-                <a:solidFill>
-                  <a:schemeClr val="bg1"/>
-                </a:solidFill>
-                <a:latin typeface="Adobe 繁黑體 Std B" panose="020B0700000000000000" pitchFamily="34" charset="-120"/>
-                <a:ea typeface="Adobe 繁黑體 Std B" panose="020B0700000000000000" pitchFamily="34" charset="-120"/>
-              </a:rPr>
-              <a:t>符</a:t>
+              <a:t>查找單個字符</a:t>
             </a:r>
             <a:endParaRPr lang="zh-TW" altLang="en-US" sz="1400" dirty="0">
               <a:solidFill>
@@ -18383,65 +18096,48 @@
                 <a:latin typeface="Adobe 繁黑體 Std B" panose="020B0700000000000000" pitchFamily="34" charset="-120"/>
                 <a:ea typeface="Adobe 繁黑體 Std B" panose="020B0700000000000000" pitchFamily="34" charset="-120"/>
               </a:rPr>
-              <a:t>匹配</a:t>
-            </a:r>
-            <a:r>
-              <a:rPr lang="zh-TW" altLang="en-US" sz="1400" dirty="0" smtClean="0">
+              <a:t>匹配任何開頭是</a:t>
+            </a:r>
+            <a:r>
+              <a:rPr lang="en-US" altLang="zh-TW" sz="1400" dirty="0">
                 <a:solidFill>
                   <a:schemeClr val="bg1"/>
                 </a:solidFill>
                 <a:latin typeface="Adobe 繁黑體 Std B" panose="020B0700000000000000" pitchFamily="34" charset="-120"/>
                 <a:ea typeface="Adobe 繁黑體 Std B" panose="020B0700000000000000" pitchFamily="34" charset="-120"/>
               </a:rPr>
-              <a:t>任何開頭是</a:t>
-            </a:r>
-            <a:r>
-              <a:rPr lang="en-US" altLang="zh-TW" sz="1400" dirty="0" smtClean="0">
+              <a:t>a</a:t>
+            </a:r>
+            <a:r>
+              <a:rPr lang="zh-TW" altLang="en-US" sz="1400" dirty="0">
                 <a:solidFill>
                   <a:schemeClr val="bg1"/>
                 </a:solidFill>
                 <a:latin typeface="Adobe 繁黑體 Std B" panose="020B0700000000000000" pitchFamily="34" charset="-120"/>
                 <a:ea typeface="Adobe 繁黑體 Std B" panose="020B0700000000000000" pitchFamily="34" charset="-120"/>
               </a:rPr>
-              <a:t>a</a:t>
-            </a:r>
-            <a:r>
-              <a:rPr lang="zh-TW" altLang="en-US" sz="1400" dirty="0" smtClean="0">
+              <a:t>結尾是</a:t>
+            </a:r>
+            <a:r>
+              <a:rPr lang="en-US" altLang="zh-TW" sz="1400" dirty="0">
                 <a:solidFill>
                   <a:schemeClr val="bg1"/>
                 </a:solidFill>
                 <a:latin typeface="Adobe 繁黑體 Std B" panose="020B0700000000000000" pitchFamily="34" charset="-120"/>
                 <a:ea typeface="Adobe 繁黑體 Std B" panose="020B0700000000000000" pitchFamily="34" charset="-120"/>
               </a:rPr>
-              <a:t>結尾是</a:t>
-            </a:r>
-            <a:r>
-              <a:rPr lang="en-US" altLang="zh-TW" sz="1400" dirty="0" smtClean="0">
+              <a:t>e</a:t>
+            </a:r>
+            <a:r>
+              <a:rPr lang="zh-TW" altLang="en-US" sz="1400" dirty="0">
                 <a:solidFill>
                   <a:schemeClr val="bg1"/>
                 </a:solidFill>
                 <a:latin typeface="Adobe 繁黑體 Std B" panose="020B0700000000000000" pitchFamily="34" charset="-120"/>
                 <a:ea typeface="Adobe 繁黑體 Std B" panose="020B0700000000000000" pitchFamily="34" charset="-120"/>
               </a:rPr>
-              <a:t>e</a:t>
-            </a:r>
-            <a:r>
-              <a:rPr lang="zh-TW" altLang="en-US" sz="1400" dirty="0" smtClean="0">
-                <a:solidFill>
-                  <a:schemeClr val="bg1"/>
-                </a:solidFill>
-                <a:latin typeface="Adobe 繁黑體 Std B" panose="020B0700000000000000" pitchFamily="34" charset="-120"/>
-                <a:ea typeface="Adobe 繁黑體 Std B" panose="020B0700000000000000" pitchFamily="34" charset="-120"/>
-              </a:rPr>
               <a:t>然後中間不管是英文或是數字的字串</a:t>
             </a:r>
-            <a:endParaRPr lang="zh-TW" altLang="en-US" sz="1400" dirty="0">
-              <a:solidFill>
-                <a:schemeClr val="bg1"/>
-              </a:solidFill>
-              <a:latin typeface="Adobe 繁黑體 Std B" panose="020B0700000000000000" pitchFamily="34" charset="-120"/>
-              <a:ea typeface="Adobe 繁黑體 Std B" panose="020B0700000000000000" pitchFamily="34" charset="-120"/>
-            </a:endParaRPr>
           </a:p>
         </p:txBody>
       </p:sp>
@@ -18500,8 +18196,20 @@
                 <a:tableStyleId>{5C22544A-7EE6-4342-B048-85BDC9FD1C3A}</a:tableStyleId>
               </a:tblPr>
               <a:tblGrid>
-                <a:gridCol w="941287"/>
-                <a:gridCol w="4494313"/>
+                <a:gridCol w="941287">
+                  <a:extLst>
+                    <a:ext uri="{9D8B030D-6E8A-4147-A177-3AD203B41FA5}">
+                      <a16:colId xmlns:a16="http://schemas.microsoft.com/office/drawing/2014/main" val="20000"/>
+                    </a:ext>
+                  </a:extLst>
+                </a:gridCol>
+                <a:gridCol w="4494313">
+                  <a:extLst>
+                    <a:ext uri="{9D8B030D-6E8A-4147-A177-3AD203B41FA5}">
+                      <a16:colId xmlns:a16="http://schemas.microsoft.com/office/drawing/2014/main" val="20001"/>
+                    </a:ext>
+                  </a:extLst>
+                </a:gridCol>
               </a:tblGrid>
               <a:tr h="316219">
                 <a:tc>
@@ -18510,7 +18218,7 @@
                     <a:lstStyle/>
                     <a:p>
                       <a:r>
-                        <a:rPr lang="zh-TW" altLang="en-US" sz="1500" b="1" i="0" kern="1200" dirty="0" smtClean="0">
+                        <a:rPr lang="zh-TW" altLang="en-US" sz="1500" b="1" i="0" kern="1200" dirty="0">
                           <a:solidFill>
                             <a:schemeClr val="lt1"/>
                           </a:solidFill>
@@ -18552,7 +18260,7 @@
                         <a:defRPr/>
                       </a:pPr>
                       <a:r>
-                        <a:rPr lang="zh-TW" altLang="en-US" sz="1500" dirty="0" smtClean="0">
+                        <a:rPr lang="zh-TW" altLang="en-US" sz="1500" dirty="0">
                           <a:latin typeface="Adobe 繁黑體 Std B" panose="020B0700000000000000" pitchFamily="34" charset="-120"/>
                           <a:ea typeface="Adobe 繁黑體 Std B" panose="020B0700000000000000" pitchFamily="34" charset="-120"/>
                         </a:rPr>
@@ -18562,6 +18270,11 @@
                   </a:txBody>
                   <a:tcPr marL="79309" marR="79309" marT="39655" marB="39655"/>
                 </a:tc>
+                <a:extLst>
+                  <a:ext uri="{0D108BD9-81ED-4DB2-BD59-A6C34878D82A}">
+                    <a16:rowId xmlns:a16="http://schemas.microsoft.com/office/drawing/2014/main" val="10000"/>
+                  </a:ext>
+                </a:extLst>
               </a:tr>
               <a:tr h="431928">
                 <a:tc>
@@ -18571,7 +18284,7 @@
                     <a:p>
                       <a:pPr algn="ctr"/>
                       <a:r>
-                        <a:rPr lang="en-US" altLang="zh-TW" sz="1600" b="0" dirty="0" smtClean="0">
+                        <a:rPr lang="en-US" altLang="zh-TW" sz="1600" b="0" dirty="0">
                           <a:latin typeface="Adobe 繁黑體 Std B" panose="020B0700000000000000" pitchFamily="34" charset="-120"/>
                           <a:ea typeface="Adobe 繁黑體 Std B" panose="020B0700000000000000" pitchFamily="34" charset="-120"/>
                         </a:rPr>
@@ -18592,34 +18305,35 @@
                     <a:p>
                       <a:pPr algn="l"/>
                       <a:r>
-                        <a:rPr lang="zh-TW" altLang="en-US" sz="1600" b="0" dirty="0" smtClean="0">
+                        <a:rPr lang="zh-TW" altLang="en-US" sz="1600" b="0" dirty="0">
                           <a:latin typeface="Adobe 繁黑體 Std B" panose="020B0700000000000000" pitchFamily="34" charset="-120"/>
                           <a:ea typeface="Adobe 繁黑體 Std B" panose="020B0700000000000000" pitchFamily="34" charset="-120"/>
                         </a:rPr>
                         <a:t>匹配任何包含至少一個</a:t>
                       </a:r>
                       <a:r>
-                        <a:rPr lang="en-US" altLang="zh-TW" sz="1600" b="0" dirty="0" smtClean="0">
+                        <a:rPr lang="en-US" altLang="zh-TW" sz="1600" b="0" dirty="0">
                           <a:latin typeface="Adobe 繁黑體 Std B" panose="020B0700000000000000" pitchFamily="34" charset="-120"/>
                           <a:ea typeface="Adobe 繁黑體 Std B" panose="020B0700000000000000" pitchFamily="34" charset="-120"/>
                         </a:rPr>
                         <a:t>n </a:t>
                       </a:r>
                       <a:r>
-                        <a:rPr lang="zh-TW" altLang="en-US" sz="1600" b="0" dirty="0" smtClean="0">
+                        <a:rPr lang="zh-TW" altLang="en-US" sz="1600" b="0" dirty="0">
                           <a:latin typeface="Adobe 繁黑體 Std B" panose="020B0700000000000000" pitchFamily="34" charset="-120"/>
                           <a:ea typeface="Adobe 繁黑體 Std B" panose="020B0700000000000000" pitchFamily="34" charset="-120"/>
                         </a:rPr>
                         <a:t>的字符串。</a:t>
                       </a:r>
-                      <a:endParaRPr lang="zh-TW" altLang="en-US" sz="1600" b="0" dirty="0">
-                        <a:latin typeface="Adobe 繁黑體 Std B" panose="020B0700000000000000" pitchFamily="34" charset="-120"/>
-                        <a:ea typeface="Adobe 繁黑體 Std B" panose="020B0700000000000000" pitchFamily="34" charset="-120"/>
-                      </a:endParaRPr>
                     </a:p>
                   </a:txBody>
                   <a:tcPr marL="79309" marR="79309" marT="39655" marB="39655"/>
                 </a:tc>
+                <a:extLst>
+                  <a:ext uri="{0D108BD9-81ED-4DB2-BD59-A6C34878D82A}">
+                    <a16:rowId xmlns:a16="http://schemas.microsoft.com/office/drawing/2014/main" val="10001"/>
+                  </a:ext>
+                </a:extLst>
               </a:tr>
               <a:tr h="431928">
                 <a:tc>
@@ -18629,7 +18343,7 @@
                     <a:p>
                       <a:pPr algn="ctr"/>
                       <a:r>
-                        <a:rPr lang="en-US" altLang="zh-TW" sz="1600" b="0" dirty="0" smtClean="0">
+                        <a:rPr lang="en-US" altLang="zh-TW" sz="1600" b="0" dirty="0">
                           <a:latin typeface="Adobe 繁黑體 Std B" panose="020B0700000000000000" pitchFamily="34" charset="-120"/>
                           <a:ea typeface="Adobe 繁黑體 Std B" panose="020B0700000000000000" pitchFamily="34" charset="-120"/>
                         </a:rPr>
@@ -18650,34 +18364,35 @@
                     <a:p>
                       <a:pPr algn="l"/>
                       <a:r>
-                        <a:rPr lang="zh-TW" altLang="en-US" sz="1600" b="0" dirty="0" smtClean="0">
+                        <a:rPr lang="zh-TW" altLang="en-US" sz="1600" b="0" dirty="0">
                           <a:latin typeface="Adobe 繁黑體 Std B" panose="020B0700000000000000" pitchFamily="34" charset="-120"/>
                           <a:ea typeface="Adobe 繁黑體 Std B" panose="020B0700000000000000" pitchFamily="34" charset="-120"/>
                         </a:rPr>
                         <a:t>匹配任何包含零個或多個</a:t>
                       </a:r>
                       <a:r>
-                        <a:rPr lang="en-US" altLang="zh-TW" sz="1600" b="0" dirty="0" smtClean="0">
+                        <a:rPr lang="en-US" altLang="zh-TW" sz="1600" b="0" dirty="0">
                           <a:latin typeface="Adobe 繁黑體 Std B" panose="020B0700000000000000" pitchFamily="34" charset="-120"/>
                           <a:ea typeface="Adobe 繁黑體 Std B" panose="020B0700000000000000" pitchFamily="34" charset="-120"/>
                         </a:rPr>
                         <a:t>n </a:t>
                       </a:r>
                       <a:r>
-                        <a:rPr lang="zh-TW" altLang="en-US" sz="1600" b="0" dirty="0" smtClean="0">
+                        <a:rPr lang="zh-TW" altLang="en-US" sz="1600" b="0" dirty="0">
                           <a:latin typeface="Adobe 繁黑體 Std B" panose="020B0700000000000000" pitchFamily="34" charset="-120"/>
                           <a:ea typeface="Adobe 繁黑體 Std B" panose="020B0700000000000000" pitchFamily="34" charset="-120"/>
                         </a:rPr>
                         <a:t>的字符串。</a:t>
                       </a:r>
-                      <a:endParaRPr lang="zh-TW" altLang="en-US" sz="1600" b="0" dirty="0">
-                        <a:latin typeface="Adobe 繁黑體 Std B" panose="020B0700000000000000" pitchFamily="34" charset="-120"/>
-                        <a:ea typeface="Adobe 繁黑體 Std B" panose="020B0700000000000000" pitchFamily="34" charset="-120"/>
-                      </a:endParaRPr>
                     </a:p>
                   </a:txBody>
                   <a:tcPr marL="79309" marR="79309" marT="39655" marB="39655"/>
                 </a:tc>
+                <a:extLst>
+                  <a:ext uri="{0D108BD9-81ED-4DB2-BD59-A6C34878D82A}">
+                    <a16:rowId xmlns:a16="http://schemas.microsoft.com/office/drawing/2014/main" val="10002"/>
+                  </a:ext>
+                </a:extLst>
               </a:tr>
               <a:tr h="431928">
                 <a:tc>
@@ -18687,7 +18402,7 @@
                     <a:p>
                       <a:pPr algn="ctr"/>
                       <a:r>
-                        <a:rPr lang="en-US" altLang="zh-TW" sz="1600" b="0" dirty="0" smtClean="0">
+                        <a:rPr lang="en-US" altLang="zh-TW" sz="1600" b="0" dirty="0">
                           <a:latin typeface="Adobe 繁黑體 Std B" panose="020B0700000000000000" pitchFamily="34" charset="-120"/>
                           <a:ea typeface="Adobe 繁黑體 Std B" panose="020B0700000000000000" pitchFamily="34" charset="-120"/>
                         </a:rPr>
@@ -18708,34 +18423,35 @@
                     <a:p>
                       <a:pPr algn="l"/>
                       <a:r>
-                        <a:rPr lang="zh-TW" altLang="en-US" sz="1600" b="0" dirty="0" smtClean="0">
+                        <a:rPr lang="zh-TW" altLang="en-US" sz="1600" b="0" dirty="0">
                           <a:latin typeface="Adobe 繁黑體 Std B" panose="020B0700000000000000" pitchFamily="34" charset="-120"/>
                           <a:ea typeface="Adobe 繁黑體 Std B" panose="020B0700000000000000" pitchFamily="34" charset="-120"/>
                         </a:rPr>
                         <a:t>匹配任何包含零個或一個</a:t>
                       </a:r>
                       <a:r>
-                        <a:rPr lang="en-US" altLang="zh-TW" sz="1600" b="0" dirty="0" smtClean="0">
+                        <a:rPr lang="en-US" altLang="zh-TW" sz="1600" b="0" dirty="0">
                           <a:latin typeface="Adobe 繁黑體 Std B" panose="020B0700000000000000" pitchFamily="34" charset="-120"/>
                           <a:ea typeface="Adobe 繁黑體 Std B" panose="020B0700000000000000" pitchFamily="34" charset="-120"/>
                         </a:rPr>
                         <a:t>n </a:t>
                       </a:r>
                       <a:r>
-                        <a:rPr lang="zh-TW" altLang="en-US" sz="1600" b="0" dirty="0" smtClean="0">
+                        <a:rPr lang="zh-TW" altLang="en-US" sz="1600" b="0" dirty="0">
                           <a:latin typeface="Adobe 繁黑體 Std B" panose="020B0700000000000000" pitchFamily="34" charset="-120"/>
                           <a:ea typeface="Adobe 繁黑體 Std B" panose="020B0700000000000000" pitchFamily="34" charset="-120"/>
                         </a:rPr>
                         <a:t>的字符串。</a:t>
                       </a:r>
-                      <a:endParaRPr lang="zh-TW" altLang="en-US" sz="1600" b="0" dirty="0">
-                        <a:latin typeface="Adobe 繁黑體 Std B" panose="020B0700000000000000" pitchFamily="34" charset="-120"/>
-                        <a:ea typeface="Adobe 繁黑體 Std B" panose="020B0700000000000000" pitchFamily="34" charset="-120"/>
-                      </a:endParaRPr>
                     </a:p>
                   </a:txBody>
                   <a:tcPr marL="79309" marR="79309" marT="39655" marB="39655"/>
                 </a:tc>
+                <a:extLst>
+                  <a:ext uri="{0D108BD9-81ED-4DB2-BD59-A6C34878D82A}">
+                    <a16:rowId xmlns:a16="http://schemas.microsoft.com/office/drawing/2014/main" val="10003"/>
+                  </a:ext>
+                </a:extLst>
               </a:tr>
               <a:tr h="431928">
                 <a:tc>
@@ -18745,7 +18461,7 @@
                     <a:p>
                       <a:pPr algn="ctr"/>
                       <a:r>
-                        <a:rPr lang="en-US" altLang="zh-TW" sz="1600" b="0" dirty="0" smtClean="0">
+                        <a:rPr lang="en-US" altLang="zh-TW" sz="1600" b="0" dirty="0">
                           <a:latin typeface="Adobe 繁黑體 Std B" panose="020B0700000000000000" pitchFamily="34" charset="-120"/>
                           <a:ea typeface="Adobe 繁黑體 Std B" panose="020B0700000000000000" pitchFamily="34" charset="-120"/>
                         </a:rPr>
@@ -18766,48 +18482,49 @@
                     <a:p>
                       <a:pPr algn="l"/>
                       <a:r>
-                        <a:rPr lang="zh-TW" altLang="en-US" sz="1600" b="0" dirty="0" smtClean="0">
+                        <a:rPr lang="zh-TW" altLang="en-US" sz="1600" b="0" dirty="0">
                           <a:latin typeface="Adobe 繁黑體 Std B" panose="020B0700000000000000" pitchFamily="34" charset="-120"/>
                           <a:ea typeface="Adobe 繁黑體 Std B" panose="020B0700000000000000" pitchFamily="34" charset="-120"/>
                         </a:rPr>
                         <a:t>匹配包含 </a:t>
                       </a:r>
                       <a:r>
-                        <a:rPr lang="en-US" altLang="zh-TW" sz="1600" b="0" dirty="0" smtClean="0">
+                        <a:rPr lang="en-US" altLang="zh-TW" sz="1600" b="0" dirty="0">
                           <a:latin typeface="Adobe 繁黑體 Std B" panose="020B0700000000000000" pitchFamily="34" charset="-120"/>
                           <a:ea typeface="Adobe 繁黑體 Std B" panose="020B0700000000000000" pitchFamily="34" charset="-120"/>
                         </a:rPr>
                         <a:t>X</a:t>
                       </a:r>
                       <a:r>
-                        <a:rPr lang="zh-TW" altLang="en-US" sz="1600" b="0" dirty="0" smtClean="0">
+                        <a:rPr lang="zh-TW" altLang="en-US" sz="1600" b="0" dirty="0">
                           <a:latin typeface="Adobe 繁黑體 Std B" panose="020B0700000000000000" pitchFamily="34" charset="-120"/>
                           <a:ea typeface="Adobe 繁黑體 Std B" panose="020B0700000000000000" pitchFamily="34" charset="-120"/>
                         </a:rPr>
                         <a:t>個</a:t>
                       </a:r>
                       <a:r>
-                        <a:rPr lang="en-US" altLang="zh-TW" sz="1600" b="0" dirty="0" smtClean="0">
+                        <a:rPr lang="en-US" altLang="zh-TW" sz="1600" b="0" dirty="0">
                           <a:latin typeface="Adobe 繁黑體 Std B" panose="020B0700000000000000" pitchFamily="34" charset="-120"/>
                           <a:ea typeface="Adobe 繁黑體 Std B" panose="020B0700000000000000" pitchFamily="34" charset="-120"/>
                         </a:rPr>
                         <a:t>n </a:t>
                       </a:r>
                       <a:r>
-                        <a:rPr lang="zh-TW" altLang="en-US" sz="1600" b="0" dirty="0" smtClean="0">
+                        <a:rPr lang="zh-TW" altLang="en-US" sz="1600" b="0" dirty="0">
                           <a:latin typeface="Adobe 繁黑體 Std B" panose="020B0700000000000000" pitchFamily="34" charset="-120"/>
                           <a:ea typeface="Adobe 繁黑體 Std B" panose="020B0700000000000000" pitchFamily="34" charset="-120"/>
                         </a:rPr>
                         <a:t>的序列的字符串。</a:t>
                       </a:r>
-                      <a:endParaRPr lang="zh-TW" altLang="en-US" sz="1600" b="0" dirty="0">
-                        <a:latin typeface="Adobe 繁黑體 Std B" panose="020B0700000000000000" pitchFamily="34" charset="-120"/>
-                        <a:ea typeface="Adobe 繁黑體 Std B" panose="020B0700000000000000" pitchFamily="34" charset="-120"/>
-                      </a:endParaRPr>
                     </a:p>
                   </a:txBody>
                   <a:tcPr marL="79309" marR="79309" marT="39655" marB="39655"/>
                 </a:tc>
+                <a:extLst>
+                  <a:ext uri="{0D108BD9-81ED-4DB2-BD59-A6C34878D82A}">
+                    <a16:rowId xmlns:a16="http://schemas.microsoft.com/office/drawing/2014/main" val="10004"/>
+                  </a:ext>
+                </a:extLst>
               </a:tr>
               <a:tr h="431928">
                 <a:tc>
@@ -18817,7 +18534,7 @@
                     <a:p>
                       <a:pPr algn="ctr"/>
                       <a:r>
-                        <a:rPr lang="en-US" altLang="zh-TW" sz="1600" b="0" dirty="0" smtClean="0">
+                        <a:rPr lang="en-US" altLang="zh-TW" sz="1600" b="0" dirty="0">
                           <a:latin typeface="Adobe 繁黑體 Std B" panose="020B0700000000000000" pitchFamily="34" charset="-120"/>
                           <a:ea typeface="Adobe 繁黑體 Std B" panose="020B0700000000000000" pitchFamily="34" charset="-120"/>
                         </a:rPr>
@@ -18837,20 +18554,21 @@
                     <a:lstStyle/>
                     <a:p>
                       <a:r>
-                        <a:rPr lang="zh-TW" altLang="en-US" sz="1600" dirty="0" smtClean="0">
+                        <a:rPr lang="zh-TW" altLang="en-US" sz="1600" dirty="0">
                           <a:latin typeface="Adobe 繁黑體 Std B" panose="020B0700000000000000" pitchFamily="34" charset="-120"/>
                           <a:ea typeface="Adobe 繁黑體 Std B" panose="020B0700000000000000" pitchFamily="34" charset="-120"/>
                         </a:rPr>
                         <a:t>查找單個字符，除了換行和行結束符。</a:t>
                       </a:r>
-                      <a:endParaRPr lang="zh-TW" altLang="en-US" sz="1600" dirty="0">
-                        <a:latin typeface="Adobe 繁黑體 Std B" panose="020B0700000000000000" pitchFamily="34" charset="-120"/>
-                        <a:ea typeface="Adobe 繁黑體 Std B" panose="020B0700000000000000" pitchFamily="34" charset="-120"/>
-                      </a:endParaRPr>
                     </a:p>
                   </a:txBody>
                   <a:tcPr marL="79309" marR="79309" marT="39655" marB="39655"/>
                 </a:tc>
+                <a:extLst>
+                  <a:ext uri="{0D108BD9-81ED-4DB2-BD59-A6C34878D82A}">
+                    <a16:rowId xmlns:a16="http://schemas.microsoft.com/office/drawing/2014/main" val="10005"/>
+                  </a:ext>
+                </a:extLst>
               </a:tr>
               <a:tr h="431928">
                 <a:tc>
@@ -18860,7 +18578,7 @@
                     <a:p>
                       <a:pPr algn="ctr"/>
                       <a:r>
-                        <a:rPr lang="en-US" altLang="zh-TW" sz="1600" b="0" dirty="0" smtClean="0">
+                        <a:rPr lang="en-US" altLang="zh-TW" sz="1600" b="0" dirty="0">
                           <a:latin typeface="Adobe 繁黑體 Std B" panose="020B0700000000000000" pitchFamily="34" charset="-120"/>
                           <a:ea typeface="Adobe 繁黑體 Std B" panose="020B0700000000000000" pitchFamily="34" charset="-120"/>
                         </a:rPr>
@@ -18881,34 +18599,35 @@
                     <a:p>
                       <a:pPr algn="l"/>
                       <a:r>
-                        <a:rPr lang="zh-TW" altLang="en-US" sz="1600" b="0" dirty="0" smtClean="0">
+                        <a:rPr lang="zh-TW" altLang="en-US" sz="1600" b="0" dirty="0">
                           <a:latin typeface="Adobe 繁黑體 Std B" panose="020B0700000000000000" pitchFamily="34" charset="-120"/>
                           <a:ea typeface="Adobe 繁黑體 Std B" panose="020B0700000000000000" pitchFamily="34" charset="-120"/>
                         </a:rPr>
                         <a:t>匹配任何結尾為 </a:t>
                       </a:r>
                       <a:r>
-                        <a:rPr lang="en-US" altLang="zh-TW" sz="1600" b="0" dirty="0" smtClean="0">
+                        <a:rPr lang="en-US" altLang="zh-TW" sz="1600" b="0" dirty="0">
                           <a:latin typeface="Adobe 繁黑體 Std B" panose="020B0700000000000000" pitchFamily="34" charset="-120"/>
                           <a:ea typeface="Adobe 繁黑體 Std B" panose="020B0700000000000000" pitchFamily="34" charset="-120"/>
                         </a:rPr>
                         <a:t>n </a:t>
                       </a:r>
                       <a:r>
-                        <a:rPr lang="zh-TW" altLang="en-US" sz="1600" b="0" dirty="0" smtClean="0">
+                        <a:rPr lang="zh-TW" altLang="en-US" sz="1600" b="0" dirty="0">
                           <a:latin typeface="Adobe 繁黑體 Std B" panose="020B0700000000000000" pitchFamily="34" charset="-120"/>
                           <a:ea typeface="Adobe 繁黑體 Std B" panose="020B0700000000000000" pitchFamily="34" charset="-120"/>
                         </a:rPr>
                         <a:t>的字符串。</a:t>
                       </a:r>
-                      <a:endParaRPr lang="zh-TW" altLang="en-US" sz="1600" b="0" dirty="0">
-                        <a:latin typeface="Adobe 繁黑體 Std B" panose="020B0700000000000000" pitchFamily="34" charset="-120"/>
-                        <a:ea typeface="Adobe 繁黑體 Std B" panose="020B0700000000000000" pitchFamily="34" charset="-120"/>
-                      </a:endParaRPr>
                     </a:p>
                   </a:txBody>
                   <a:tcPr marL="79309" marR="79309" marT="39655" marB="39655"/>
                 </a:tc>
+                <a:extLst>
+                  <a:ext uri="{0D108BD9-81ED-4DB2-BD59-A6C34878D82A}">
+                    <a16:rowId xmlns:a16="http://schemas.microsoft.com/office/drawing/2014/main" val="10006"/>
+                  </a:ext>
+                </a:extLst>
               </a:tr>
               <a:tr h="431928">
                 <a:tc>
@@ -18918,7 +18637,7 @@
                     <a:p>
                       <a:pPr algn="ctr"/>
                       <a:r>
-                        <a:rPr lang="en-US" altLang="zh-TW" sz="1600" b="0" dirty="0" smtClean="0">
+                        <a:rPr lang="en-US" altLang="zh-TW" sz="1600" b="0" dirty="0">
                           <a:latin typeface="Adobe 繁黑體 Std B" panose="020B0700000000000000" pitchFamily="34" charset="-120"/>
                           <a:ea typeface="Adobe 繁黑體 Std B" panose="020B0700000000000000" pitchFamily="34" charset="-120"/>
                         </a:rPr>
@@ -18939,34 +18658,35 @@
                     <a:p>
                       <a:pPr algn="l"/>
                       <a:r>
-                        <a:rPr lang="zh-TW" altLang="en-US" sz="1600" b="0" dirty="0" smtClean="0">
+                        <a:rPr lang="zh-TW" altLang="en-US" sz="1600" b="0" dirty="0">
                           <a:latin typeface="Adobe 繁黑體 Std B" panose="020B0700000000000000" pitchFamily="34" charset="-120"/>
                           <a:ea typeface="Adobe 繁黑體 Std B" panose="020B0700000000000000" pitchFamily="34" charset="-120"/>
                         </a:rPr>
                         <a:t>匹配任何開頭為</a:t>
                       </a:r>
                       <a:r>
-                        <a:rPr lang="en-US" altLang="zh-TW" sz="1600" b="0" dirty="0" smtClean="0">
+                        <a:rPr lang="en-US" altLang="zh-TW" sz="1600" b="0" dirty="0">
                           <a:latin typeface="Adobe 繁黑體 Std B" panose="020B0700000000000000" pitchFamily="34" charset="-120"/>
                           <a:ea typeface="Adobe 繁黑體 Std B" panose="020B0700000000000000" pitchFamily="34" charset="-120"/>
                         </a:rPr>
                         <a:t>n </a:t>
                       </a:r>
                       <a:r>
-                        <a:rPr lang="zh-TW" altLang="en-US" sz="1600" b="0" dirty="0" smtClean="0">
+                        <a:rPr lang="zh-TW" altLang="en-US" sz="1600" b="0" dirty="0">
                           <a:latin typeface="Adobe 繁黑體 Std B" panose="020B0700000000000000" pitchFamily="34" charset="-120"/>
                           <a:ea typeface="Adobe 繁黑體 Std B" panose="020B0700000000000000" pitchFamily="34" charset="-120"/>
                         </a:rPr>
                         <a:t>的字符串。</a:t>
                       </a:r>
-                      <a:endParaRPr lang="zh-TW" altLang="en-US" sz="1600" b="0" dirty="0">
-                        <a:latin typeface="Adobe 繁黑體 Std B" panose="020B0700000000000000" pitchFamily="34" charset="-120"/>
-                        <a:ea typeface="Adobe 繁黑體 Std B" panose="020B0700000000000000" pitchFamily="34" charset="-120"/>
-                      </a:endParaRPr>
                     </a:p>
                   </a:txBody>
                   <a:tcPr marL="79309" marR="79309" marT="39655" marB="39655"/>
                 </a:tc>
+                <a:extLst>
+                  <a:ext uri="{0D108BD9-81ED-4DB2-BD59-A6C34878D82A}">
+                    <a16:rowId xmlns:a16="http://schemas.microsoft.com/office/drawing/2014/main" val="10007"/>
+                  </a:ext>
+                </a:extLst>
               </a:tr>
             </a:tbl>
           </a:graphicData>
@@ -19510,7 +19230,7 @@
           <a:p>
             <a:pPr algn="ctr"/>
             <a:r>
-              <a:rPr lang="zh-TW" altLang="en-US" sz="1400" dirty="0" smtClean="0">
+              <a:rPr lang="zh-TW" altLang="en-US" sz="1400" dirty="0">
                 <a:solidFill>
                   <a:schemeClr val="bg1"/>
                 </a:solidFill>
@@ -19520,7 +19240,7 @@
               <a:t>我可以透過這個正規把所有的</a:t>
             </a:r>
             <a:r>
-              <a:rPr lang="en-US" altLang="zh-TW" sz="1400" dirty="0" err="1" smtClean="0">
+              <a:rPr lang="en-US" altLang="zh-TW" sz="1400" dirty="0" err="1">
                 <a:solidFill>
                   <a:schemeClr val="bg1"/>
                 </a:solidFill>
@@ -19530,7 +19250,7 @@
               <a:t>gmail</a:t>
             </a:r>
             <a:r>
-              <a:rPr lang="zh-TW" altLang="en-US" sz="1400" dirty="0" smtClean="0">
+              <a:rPr lang="zh-TW" altLang="en-US" sz="1400" dirty="0">
                 <a:solidFill>
                   <a:schemeClr val="bg1"/>
                 </a:solidFill>
@@ -19539,13 +19259,6 @@
               </a:rPr>
               <a:t>的信箱給撈出來</a:t>
             </a:r>
-            <a:endParaRPr lang="zh-TW" altLang="en-US" sz="1400" dirty="0">
-              <a:solidFill>
-                <a:schemeClr val="bg1"/>
-              </a:solidFill>
-              <a:latin typeface="Adobe 繁黑體 Std B" panose="020B0700000000000000" pitchFamily="34" charset="-120"/>
-              <a:ea typeface="Adobe 繁黑體 Std B" panose="020B0700000000000000" pitchFamily="34" charset="-120"/>
-            </a:endParaRPr>
           </a:p>
         </p:txBody>
       </p:sp>
@@ -19572,7 +19285,7 @@
           <a:p>
             <a:pPr algn="ctr"/>
             <a:r>
-              <a:rPr lang="zh-TW" altLang="en-US" sz="1400" dirty="0" smtClean="0">
+              <a:rPr lang="zh-TW" altLang="en-US" sz="1400" dirty="0">
                 <a:solidFill>
                   <a:schemeClr val="accent2">
                     <a:lumMod val="60000"/>
@@ -19585,7 +19298,7 @@
               <a:t>因為 </a:t>
             </a:r>
             <a:r>
-              <a:rPr lang="en-US" altLang="zh-TW" sz="1400" dirty="0" smtClean="0">
+              <a:rPr lang="en-US" altLang="zh-TW" sz="1400" dirty="0">
                 <a:solidFill>
                   <a:schemeClr val="accent2">
                     <a:lumMod val="60000"/>
@@ -19598,7 +19311,7 @@
               <a:t>.</a:t>
             </a:r>
             <a:r>
-              <a:rPr lang="zh-TW" altLang="en-US" sz="1400" dirty="0" smtClean="0">
+              <a:rPr lang="zh-TW" altLang="en-US" sz="1400" dirty="0">
                 <a:solidFill>
                   <a:schemeClr val="accent2">
                     <a:lumMod val="60000"/>
@@ -19611,7 +19324,7 @@
               <a:t> 再正規表示法有其他意思，所以如果要把 </a:t>
             </a:r>
             <a:r>
-              <a:rPr lang="en-US" altLang="zh-TW" sz="1400" dirty="0" smtClean="0">
+              <a:rPr lang="en-US" altLang="zh-TW" sz="1400" dirty="0">
                 <a:solidFill>
                   <a:schemeClr val="accent2">
                     <a:lumMod val="60000"/>
@@ -19624,7 +19337,7 @@
               <a:t>.</a:t>
             </a:r>
             <a:r>
-              <a:rPr lang="zh-TW" altLang="en-US" sz="1400" dirty="0" smtClean="0">
+              <a:rPr lang="zh-TW" altLang="en-US" sz="1400" dirty="0">
                 <a:solidFill>
                   <a:schemeClr val="accent2">
                     <a:lumMod val="60000"/>
@@ -19637,7 +19350,7 @@
               <a:t> 或是其他符號當成字串來比對的話，需要前面加個 </a:t>
             </a:r>
             <a:r>
-              <a:rPr lang="en-US" altLang="zh-TW" sz="1400" dirty="0" smtClean="0">
+              <a:rPr lang="en-US" altLang="zh-TW" sz="1400" dirty="0">
                 <a:solidFill>
                   <a:schemeClr val="accent2">
                     <a:lumMod val="60000"/>
@@ -20103,7 +19816,7 @@
           <a:p>
             <a:pPr algn="ctr"/>
             <a:r>
-              <a:rPr lang="zh-TW" altLang="en-US" sz="1400" dirty="0" smtClean="0">
+              <a:rPr lang="zh-TW" altLang="en-US" sz="1400" dirty="0">
                 <a:solidFill>
                   <a:schemeClr val="bg1"/>
                 </a:solidFill>
@@ -20112,13 +19825,6 @@
               </a:rPr>
               <a:t>可以透過這個正規把所有正確的日期格式給篩選出來</a:t>
             </a:r>
-            <a:endParaRPr lang="zh-TW" altLang="en-US" sz="1400" dirty="0">
-              <a:solidFill>
-                <a:schemeClr val="bg1"/>
-              </a:solidFill>
-              <a:latin typeface="Adobe 繁黑體 Std B" panose="020B0700000000000000" pitchFamily="34" charset="-120"/>
-              <a:ea typeface="Adobe 繁黑體 Std B" panose="020B0700000000000000" pitchFamily="34" charset="-120"/>
-            </a:endParaRPr>
           </a:p>
         </p:txBody>
       </p:sp>
@@ -20145,7 +19851,7 @@
           <a:p>
             <a:pPr algn="ctr"/>
             <a:r>
-              <a:rPr lang="zh-TW" altLang="en-US" sz="1200" dirty="0" smtClean="0">
+              <a:rPr lang="zh-TW" altLang="en-US" sz="1200" dirty="0">
                 <a:solidFill>
                   <a:schemeClr val="bg1"/>
                 </a:solidFill>
@@ -20155,7 +19861,7 @@
               <a:t>要找匹配 </a:t>
             </a:r>
             <a:r>
-              <a:rPr lang="en-US" altLang="zh-TW" sz="1200" dirty="0" smtClean="0">
+              <a:rPr lang="en-US" altLang="zh-TW" sz="1200" dirty="0">
                 <a:solidFill>
                   <a:schemeClr val="bg1"/>
                 </a:solidFill>
@@ -20165,7 +19871,7 @@
               <a:t>4</a:t>
             </a:r>
             <a:r>
-              <a:rPr lang="zh-TW" altLang="en-US" sz="1200" dirty="0" smtClean="0">
+              <a:rPr lang="zh-TW" altLang="en-US" sz="1200" dirty="0">
                 <a:solidFill>
                   <a:schemeClr val="bg1"/>
                 </a:solidFill>
@@ -20175,7 +19881,7 @@
               <a:t> 個數字是 </a:t>
             </a:r>
             <a:r>
-              <a:rPr lang="en-US" altLang="zh-TW" sz="1200" dirty="0" smtClean="0">
+              <a:rPr lang="en-US" altLang="zh-TW" sz="1200" dirty="0">
                 <a:solidFill>
                   <a:schemeClr val="bg1"/>
                 </a:solidFill>
@@ -20290,40 +19996,30 @@
                 <a:latin typeface="Adobe 繁黑體 Std B" panose="020B0700000000000000" pitchFamily="34" charset="-120"/>
                 <a:ea typeface="Adobe 繁黑體 Std B" panose="020B0700000000000000" pitchFamily="34" charset="-120"/>
               </a:rPr>
-              <a:t>要找</a:t>
-            </a:r>
-            <a:r>
-              <a:rPr lang="zh-TW" altLang="en-US" sz="1200" dirty="0" smtClean="0">
+              <a:t>要找匹配 </a:t>
+            </a:r>
+            <a:r>
+              <a:rPr lang="en-US" altLang="zh-TW" sz="1200" dirty="0">
                 <a:solidFill>
                   <a:schemeClr val="bg1"/>
                 </a:solidFill>
                 <a:latin typeface="Adobe 繁黑體 Std B" panose="020B0700000000000000" pitchFamily="34" charset="-120"/>
                 <a:ea typeface="Adobe 繁黑體 Std B" panose="020B0700000000000000" pitchFamily="34" charset="-120"/>
               </a:rPr>
-              <a:t>匹配 </a:t>
-            </a:r>
-            <a:r>
-              <a:rPr lang="en-US" altLang="zh-TW" sz="1200" dirty="0" smtClean="0">
+              <a:t>2</a:t>
+            </a:r>
+            <a:r>
+              <a:rPr lang="zh-TW" altLang="en-US" sz="1200" dirty="0">
                 <a:solidFill>
                   <a:schemeClr val="bg1"/>
                 </a:solidFill>
                 <a:latin typeface="Adobe 繁黑體 Std B" panose="020B0700000000000000" pitchFamily="34" charset="-120"/>
                 <a:ea typeface="Adobe 繁黑體 Std B" panose="020B0700000000000000" pitchFamily="34" charset="-120"/>
               </a:rPr>
-              <a:t>2</a:t>
-            </a:r>
-            <a:r>
-              <a:rPr lang="zh-TW" altLang="en-US" sz="1200" dirty="0" smtClean="0">
-                <a:solidFill>
-                  <a:schemeClr val="bg1"/>
-                </a:solidFill>
-                <a:latin typeface="Adobe 繁黑體 Std B" panose="020B0700000000000000" pitchFamily="34" charset="-120"/>
-                <a:ea typeface="Adobe 繁黑體 Std B" panose="020B0700000000000000" pitchFamily="34" charset="-120"/>
-              </a:rPr>
               <a:t> 個數字是 </a:t>
             </a:r>
             <a:r>
-              <a:rPr lang="en-US" altLang="zh-TW" sz="1200" dirty="0" smtClean="0">
+              <a:rPr lang="en-US" altLang="zh-TW" sz="1200" dirty="0">
                 <a:solidFill>
                   <a:schemeClr val="bg1"/>
                 </a:solidFill>
@@ -20375,7 +20071,7 @@
               <a:t>要找匹配</a:t>
             </a:r>
             <a:r>
-              <a:rPr lang="en-US" altLang="zh-TW" sz="1200" dirty="0" smtClean="0">
+              <a:rPr lang="en-US" altLang="zh-TW" sz="1200" dirty="0">
                 <a:solidFill>
                   <a:schemeClr val="bg1"/>
                 </a:solidFill>
@@ -20385,7 +20081,7 @@
               <a:t>2</a:t>
             </a:r>
             <a:r>
-              <a:rPr lang="zh-TW" altLang="en-US" sz="1200" dirty="0" smtClean="0">
+              <a:rPr lang="zh-TW" altLang="en-US" sz="1200" dirty="0">
                 <a:solidFill>
                   <a:schemeClr val="bg1"/>
                 </a:solidFill>
@@ -20395,7 +20091,7 @@
               <a:t> 個數字是 </a:t>
             </a:r>
             <a:r>
-              <a:rPr lang="en-US" altLang="zh-TW" sz="1200" dirty="0" smtClean="0">
+              <a:rPr lang="en-US" altLang="zh-TW" sz="1200" dirty="0">
                 <a:solidFill>
                   <a:schemeClr val="bg1"/>
                 </a:solidFill>
@@ -20532,7 +20228,7 @@
               </a:lnSpc>
             </a:pPr>
             <a:r>
-              <a:rPr lang="en-US" altLang="zh-TW" sz="1800" dirty="0" err="1" smtClean="0">
+              <a:rPr lang="en-US" altLang="zh-TW" sz="1800" dirty="0" err="1">
                 <a:solidFill>
                   <a:schemeClr val="bg1"/>
                 </a:solidFill>
@@ -20542,7 +20238,7 @@
               <a:t>RegExp.test</a:t>
             </a:r>
             <a:r>
-              <a:rPr lang="en-US" altLang="zh-TW" sz="1800" dirty="0" smtClean="0">
+              <a:rPr lang="en-US" altLang="zh-TW" sz="1800" dirty="0">
                 <a:solidFill>
                   <a:schemeClr val="bg1"/>
                 </a:solidFill>
@@ -20552,7 +20248,7 @@
               <a:t>(</a:t>
             </a:r>
             <a:r>
-              <a:rPr lang="en-US" altLang="zh-TW" sz="1800" dirty="0" err="1" smtClean="0">
+              <a:rPr lang="en-US" altLang="zh-TW" sz="1800" dirty="0" err="1">
                 <a:solidFill>
                   <a:schemeClr val="bg1"/>
                 </a:solidFill>
@@ -20562,7 +20258,7 @@
               <a:t>str</a:t>
             </a:r>
             <a:r>
-              <a:rPr lang="en-US" altLang="zh-TW" sz="1800" dirty="0" smtClean="0">
+              <a:rPr lang="en-US" altLang="zh-TW" sz="1800" dirty="0">
                 <a:solidFill>
                   <a:schemeClr val="bg1"/>
                 </a:solidFill>
@@ -20572,7 +20268,7 @@
               <a:t>);</a:t>
             </a:r>
             <a:br>
-              <a:rPr lang="en-US" altLang="zh-TW" sz="1800" dirty="0" smtClean="0">
+              <a:rPr lang="en-US" altLang="zh-TW" sz="1800" dirty="0">
                 <a:solidFill>
                   <a:schemeClr val="bg1"/>
                 </a:solidFill>
@@ -20581,7 +20277,7 @@
               </a:rPr>
             </a:br>
             <a:r>
-              <a:rPr lang="zh-TW" altLang="en-US" sz="1600" dirty="0" smtClean="0">
+              <a:rPr lang="zh-TW" altLang="en-US" sz="1600" dirty="0">
                 <a:solidFill>
                   <a:schemeClr val="bg1">
                     <a:lumMod val="50000"/>
@@ -20593,7 +20289,7 @@
               <a:t>字串是否符合正則表達式規則，如果符合回傳</a:t>
             </a:r>
             <a:r>
-              <a:rPr lang="en-US" altLang="zh-TW" sz="1600" dirty="0" smtClean="0">
+              <a:rPr lang="en-US" altLang="zh-TW" sz="1600" dirty="0">
                 <a:solidFill>
                   <a:schemeClr val="bg1">
                     <a:lumMod val="50000"/>
@@ -20605,7 +20301,7 @@
               <a:t>true </a:t>
             </a:r>
             <a:r>
-              <a:rPr lang="zh-TW" altLang="en-US" sz="1600" dirty="0" smtClean="0">
+              <a:rPr lang="zh-TW" altLang="en-US" sz="1600" dirty="0">
                 <a:solidFill>
                   <a:schemeClr val="bg1">
                     <a:lumMod val="50000"/>
@@ -20617,7 +20313,7 @@
               <a:t>沒符合</a:t>
             </a:r>
             <a:r>
-              <a:rPr lang="en-US" altLang="zh-TW" sz="1600" dirty="0" smtClean="0">
+              <a:rPr lang="en-US" altLang="zh-TW" sz="1600" dirty="0">
                 <a:solidFill>
                   <a:schemeClr val="bg1">
                     <a:lumMod val="50000"/>
@@ -20687,7 +20383,7 @@
               </a:lnSpc>
             </a:pPr>
             <a:r>
-              <a:rPr lang="en-US" altLang="zh-TW" sz="1800" dirty="0" err="1" smtClean="0">
+              <a:rPr lang="en-US" altLang="zh-TW" sz="1800" dirty="0" err="1">
                 <a:solidFill>
                   <a:schemeClr val="bg1"/>
                 </a:solidFill>
@@ -20697,7 +20393,7 @@
               <a:t>RegExp.exec</a:t>
             </a:r>
             <a:r>
-              <a:rPr lang="en-US" altLang="zh-TW" sz="1800" dirty="0" smtClean="0">
+              <a:rPr lang="en-US" altLang="zh-TW" sz="1800" dirty="0">
                 <a:solidFill>
                   <a:schemeClr val="bg1"/>
                 </a:solidFill>
@@ -20707,7 +20403,7 @@
               <a:t>(</a:t>
             </a:r>
             <a:r>
-              <a:rPr lang="en-US" altLang="zh-TW" sz="1800" dirty="0" err="1" smtClean="0">
+              <a:rPr lang="en-US" altLang="zh-TW" sz="1800" dirty="0" err="1">
                 <a:solidFill>
                   <a:schemeClr val="bg1"/>
                 </a:solidFill>
@@ -20842,7 +20538,7 @@
               </a:lnSpc>
             </a:pPr>
             <a:r>
-              <a:rPr lang="en-US" altLang="zh-TW" sz="1800" dirty="0" smtClean="0">
+              <a:rPr lang="en-US" altLang="zh-TW" sz="1800" dirty="0">
                 <a:solidFill>
                   <a:schemeClr val="bg1"/>
                 </a:solidFill>
@@ -20852,7 +20548,7 @@
               <a:t>String. replace(</a:t>
             </a:r>
             <a:r>
-              <a:rPr lang="en-US" altLang="zh-TW" sz="1800" dirty="0" err="1" smtClean="0">
+              <a:rPr lang="en-US" altLang="zh-TW" sz="1800" dirty="0" err="1">
                 <a:solidFill>
                   <a:schemeClr val="bg1"/>
                 </a:solidFill>
@@ -20862,7 +20558,7 @@
               <a:t>reg</a:t>
             </a:r>
             <a:r>
-              <a:rPr lang="en-US" altLang="zh-TW" sz="1800" dirty="0" smtClean="0">
+              <a:rPr lang="en-US" altLang="zh-TW" sz="1800" dirty="0">
                 <a:solidFill>
                   <a:schemeClr val="bg1"/>
                 </a:solidFill>
@@ -20879,37 +20575,17 @@
                 <a:latin typeface="Adobe 繁黑體 Std B" panose="020B0700000000000000" pitchFamily="34" charset="-120"/>
                 <a:ea typeface="Adobe 繁黑體 Std B" panose="020B0700000000000000" pitchFamily="34" charset="-120"/>
               </a:rPr>
-              <a:t>s</a:t>
-            </a:r>
-            <a:r>
-              <a:rPr lang="en-US" altLang="zh-TW" sz="1800" dirty="0" err="1" smtClean="0">
+              <a:t>str</a:t>
+            </a:r>
+            <a:r>
+              <a:rPr lang="en-US" altLang="zh-TW" sz="1800" dirty="0">
                 <a:solidFill>
                   <a:schemeClr val="bg1"/>
                 </a:solidFill>
                 <a:latin typeface="Adobe 繁黑體 Std B" panose="020B0700000000000000" pitchFamily="34" charset="-120"/>
                 <a:ea typeface="Adobe 繁黑體 Std B" panose="020B0700000000000000" pitchFamily="34" charset="-120"/>
               </a:rPr>
-              <a:t>tr</a:t>
-            </a:r>
-            <a:r>
-              <a:rPr lang="en-US" altLang="zh-TW" sz="1800" dirty="0" smtClean="0">
-                <a:solidFill>
-                  <a:schemeClr val="bg1"/>
-                </a:solidFill>
-                <a:latin typeface="Adobe 繁黑體 Std B" panose="020B0700000000000000" pitchFamily="34" charset="-120"/>
-                <a:ea typeface="Adobe 繁黑體 Std B" panose="020B0700000000000000" pitchFamily="34" charset="-120"/>
-              </a:rPr>
               <a:t>);</a:t>
-            </a:r>
-            <a:r>
-              <a:rPr lang="en-US" altLang="zh-TW" sz="1800" dirty="0">
-                <a:solidFill>
-                  <a:schemeClr val="bg1"/>
-                </a:solidFill>
-                <a:latin typeface="Adobe 繁黑體 Std B" panose="020B0700000000000000" pitchFamily="34" charset="-120"/>
-                <a:ea typeface="Adobe 繁黑體 Std B" panose="020B0700000000000000" pitchFamily="34" charset="-120"/>
-              </a:rPr>
-              <a:t/>
             </a:r>
             <a:br>
               <a:rPr lang="en-US" altLang="zh-TW" sz="1800" dirty="0">
@@ -20954,7 +20630,7 @@
         </p:spPr>
         <p:txBody>
           <a:bodyPr vert="horz" lIns="91440" tIns="45720" rIns="91440" bIns="45720" rtlCol="0" anchor="ctr">
-            <a:normAutofit fontScale="92500" lnSpcReduction="10000"/>
+            <a:normAutofit lnSpcReduction="10000"/>
           </a:bodyPr>
           <a:lstStyle>
             <a:lvl1pPr algn="l" defTabSz="914400" rtl="0" eaLnBrk="1" latinLnBrk="0" hangingPunct="1">
@@ -20982,7 +20658,7 @@
               </a:lnSpc>
             </a:pPr>
             <a:r>
-              <a:rPr lang="en-US" altLang="zh-TW" sz="1800" dirty="0" err="1" smtClean="0">
+              <a:rPr lang="en-US" altLang="zh-TW" sz="1800" dirty="0" err="1">
                 <a:solidFill>
                   <a:schemeClr val="bg1"/>
                 </a:solidFill>
@@ -20992,7 +20668,7 @@
               <a:t>String.match</a:t>
             </a:r>
             <a:r>
-              <a:rPr lang="en-US" altLang="zh-TW" sz="1800" dirty="0" smtClean="0">
+              <a:rPr lang="en-US" altLang="zh-TW" sz="1800" dirty="0">
                 <a:solidFill>
                   <a:schemeClr val="bg1"/>
                 </a:solidFill>
@@ -21002,7 +20678,7 @@
               <a:t>(</a:t>
             </a:r>
             <a:r>
-              <a:rPr lang="en-US" altLang="zh-TW" sz="1800" dirty="0" err="1" smtClean="0">
+              <a:rPr lang="en-US" altLang="zh-TW" sz="1800" dirty="0" err="1">
                 <a:solidFill>
                   <a:schemeClr val="bg1"/>
                 </a:solidFill>
@@ -21038,29 +20714,8 @@
                 <a:latin typeface="Adobe 繁黑體 Std B" panose="020B0700000000000000" pitchFamily="34" charset="-120"/>
                 <a:ea typeface="Adobe 繁黑體 Std B" panose="020B0700000000000000" pitchFamily="34" charset="-120"/>
               </a:rPr>
-              <a:t>在字串方法內使用正則表達式來找到一個或是多個匹配的</a:t>
-            </a:r>
-            <a:r>
-              <a:rPr lang="zh-TW" altLang="en-US" sz="1600" dirty="0" smtClean="0">
-                <a:solidFill>
-                  <a:schemeClr val="bg1">
-                    <a:lumMod val="50000"/>
-                  </a:schemeClr>
-                </a:solidFill>
-                <a:latin typeface="Adobe 繁黑體 Std B" panose="020B0700000000000000" pitchFamily="34" charset="-120"/>
-                <a:ea typeface="Adobe 繁黑體 Std B" panose="020B0700000000000000" pitchFamily="34" charset="-120"/>
-              </a:rPr>
-              <a:t>結果</a:t>
-            </a:r>
-            <a:endParaRPr lang="zh-TW" altLang="en-US" sz="1600" dirty="0">
-              <a:solidFill>
-                <a:schemeClr val="bg1">
-                  <a:lumMod val="50000"/>
-                </a:schemeClr>
-              </a:solidFill>
-              <a:latin typeface="Adobe 繁黑體 Std B" panose="020B0700000000000000" pitchFamily="34" charset="-120"/>
-              <a:ea typeface="Adobe 繁黑體 Std B" panose="020B0700000000000000" pitchFamily="34" charset="-120"/>
-            </a:endParaRPr>
+              <a:t>在字串方法內使用正則表達式來找到一個或是多個匹配的結果</a:t>
+            </a:r>
           </a:p>
         </p:txBody>
       </p:sp>
@@ -21111,7 +20766,7 @@
               </a:lnSpc>
             </a:pPr>
             <a:r>
-              <a:rPr lang="en-US" altLang="zh-TW" sz="1800" dirty="0" err="1" smtClean="0">
+              <a:rPr lang="en-US" altLang="zh-TW" sz="1800" dirty="0" err="1">
                 <a:solidFill>
                   <a:schemeClr val="bg1"/>
                 </a:solidFill>
@@ -21121,7 +20776,7 @@
               <a:t>String.split</a:t>
             </a:r>
             <a:r>
-              <a:rPr lang="en-US" altLang="zh-TW" sz="1800" dirty="0" smtClean="0">
+              <a:rPr lang="en-US" altLang="zh-TW" sz="1800" dirty="0">
                 <a:solidFill>
                   <a:schemeClr val="bg1"/>
                 </a:solidFill>
@@ -21131,7 +20786,7 @@
               <a:t>(</a:t>
             </a:r>
             <a:r>
-              <a:rPr lang="en-US" altLang="zh-TW" sz="1800" dirty="0" err="1" smtClean="0">
+              <a:rPr lang="en-US" altLang="zh-TW" sz="1800" dirty="0" err="1">
                 <a:solidFill>
                   <a:schemeClr val="bg1"/>
                 </a:solidFill>
@@ -21179,10 +20834,10 @@
                 <a:latin typeface="Adobe 繁黑體 Std B" panose="020B0700000000000000" pitchFamily="34" charset="-120"/>
                 <a:ea typeface="Adobe 繁黑體 Std B" panose="020B0700000000000000" pitchFamily="34" charset="-120"/>
               </a:rPr>
-              <a:t>split</a:t>
-            </a:r>
-            <a:r>
-              <a:rPr lang="en-US" altLang="zh-TW" sz="1600" dirty="0" smtClean="0">
+              <a:t>split(“”)</a:t>
+            </a:r>
+            <a:r>
+              <a:rPr lang="zh-TW" altLang="en-US" sz="1600" dirty="0">
                 <a:solidFill>
                   <a:schemeClr val="bg1">
                     <a:lumMod val="50000"/>
@@ -21191,43 +20846,7 @@
                 <a:latin typeface="Adobe 繁黑體 Std B" panose="020B0700000000000000" pitchFamily="34" charset="-120"/>
                 <a:ea typeface="Adobe 繁黑體 Std B" panose="020B0700000000000000" pitchFamily="34" charset="-120"/>
               </a:rPr>
-              <a:t>(“”)</a:t>
-            </a:r>
-            <a:r>
-              <a:rPr lang="zh-TW" altLang="en-US" sz="1600" dirty="0">
-                <a:solidFill>
-                  <a:schemeClr val="bg1">
-                    <a:lumMod val="50000"/>
-                  </a:schemeClr>
-                </a:solidFill>
-                <a:latin typeface="Adobe 繁黑體 Std B" panose="020B0700000000000000" pitchFamily="34" charset="-120"/>
-                <a:ea typeface="Adobe 繁黑體 Std B" panose="020B0700000000000000" pitchFamily="34" charset="-120"/>
-              </a:rPr>
-              <a:t>把字串分割成</a:t>
-            </a:r>
-            <a:r>
-              <a:rPr lang="zh-TW" altLang="en-US" sz="1600" dirty="0" smtClean="0">
-                <a:solidFill>
-                  <a:schemeClr val="bg1">
-                    <a:lumMod val="50000"/>
-                  </a:schemeClr>
-                </a:solidFill>
-                <a:latin typeface="Adobe 繁黑體 Std B" panose="020B0700000000000000" pitchFamily="34" charset="-120"/>
-                <a:ea typeface="Adobe 繁黑體 Std B" panose="020B0700000000000000" pitchFamily="34" charset="-120"/>
-              </a:rPr>
-              <a:t>陣列，複雜</a:t>
-            </a:r>
-            <a:r>
-              <a:rPr lang="zh-TW" altLang="en-US" sz="1600" dirty="0">
-                <a:solidFill>
-                  <a:schemeClr val="bg1">
-                    <a:lumMod val="50000"/>
-                  </a:schemeClr>
-                </a:solidFill>
-                <a:latin typeface="Adobe 繁黑體 Std B" panose="020B0700000000000000" pitchFamily="34" charset="-120"/>
-                <a:ea typeface="Adobe 繁黑體 Std B" panose="020B0700000000000000" pitchFamily="34" charset="-120"/>
-              </a:rPr>
-              <a:t>的分割也可以使用正則表達式來解決</a:t>
+              <a:t>把字串分割成陣列，複雜的分割也可以使用正則表達式來解決</a:t>
             </a:r>
           </a:p>
         </p:txBody>
@@ -21279,7 +20898,7 @@
               </a:lnSpc>
             </a:pPr>
             <a:r>
-              <a:rPr lang="en-US" altLang="zh-TW" sz="1800" dirty="0" err="1" smtClean="0">
+              <a:rPr lang="en-US" altLang="zh-TW" sz="1800" dirty="0" err="1">
                 <a:solidFill>
                   <a:schemeClr val="bg1"/>
                 </a:solidFill>
@@ -21289,7 +20908,7 @@
               <a:t>String.search</a:t>
             </a:r>
             <a:r>
-              <a:rPr lang="en-US" altLang="zh-TW" sz="1800" dirty="0" smtClean="0">
+              <a:rPr lang="en-US" altLang="zh-TW" sz="1800" dirty="0">
                 <a:solidFill>
                   <a:schemeClr val="bg1"/>
                 </a:solidFill>
@@ -21299,7 +20918,7 @@
               <a:t>(</a:t>
             </a:r>
             <a:r>
-              <a:rPr lang="en-US" altLang="zh-TW" sz="1800" dirty="0" err="1" smtClean="0">
+              <a:rPr lang="en-US" altLang="zh-TW" sz="1800" dirty="0" err="1">
                 <a:solidFill>
                   <a:schemeClr val="bg1"/>
                 </a:solidFill>
@@ -21309,7 +20928,7 @@
               <a:t>reg</a:t>
             </a:r>
             <a:r>
-              <a:rPr lang="en-US" altLang="zh-TW" sz="1800" dirty="0" smtClean="0">
+              <a:rPr lang="en-US" altLang="zh-TW" sz="1800" dirty="0">
                 <a:solidFill>
                   <a:schemeClr val="bg1"/>
                 </a:solidFill>
@@ -21319,7 +20938,7 @@
               <a:t>);</a:t>
             </a:r>
             <a:br>
-              <a:rPr lang="en-US" altLang="zh-TW" sz="1800" dirty="0" smtClean="0">
+              <a:rPr lang="en-US" altLang="zh-TW" sz="1800" dirty="0">
                 <a:solidFill>
                   <a:schemeClr val="bg1"/>
                 </a:solidFill>
@@ -21328,7 +20947,7 @@
               </a:rPr>
             </a:br>
             <a:r>
-              <a:rPr lang="zh-TW" altLang="en-US" sz="1600" dirty="0" smtClean="0">
+              <a:rPr lang="zh-TW" altLang="en-US" sz="1600" dirty="0">
                 <a:solidFill>
                   <a:schemeClr val="bg1">
                     <a:lumMod val="50000"/>
@@ -21340,7 +20959,7 @@
               <a:t>在字串方法內使用正則表達式來匹配字串，不符合回傳</a:t>
             </a:r>
             <a:r>
-              <a:rPr lang="en-US" altLang="zh-TW" sz="1600" dirty="0" smtClean="0">
+              <a:rPr lang="en-US" altLang="zh-TW" sz="1600" dirty="0">
                 <a:solidFill>
                   <a:schemeClr val="bg1">
                     <a:lumMod val="50000"/>
@@ -21352,7 +20971,7 @@
               <a:t>-1</a:t>
             </a:r>
             <a:r>
-              <a:rPr lang="zh-TW" altLang="en-US" sz="1600" dirty="0" smtClean="0">
+              <a:rPr lang="zh-TW" altLang="en-US" sz="1600" dirty="0">
                 <a:solidFill>
                   <a:schemeClr val="bg1">
                     <a:lumMod val="50000"/>
@@ -21364,7 +20983,7 @@
               <a:t>，符合回傳第一個索引，不支援</a:t>
             </a:r>
             <a:r>
-              <a:rPr lang="en-US" altLang="zh-TW" sz="1600" dirty="0" smtClean="0">
+              <a:rPr lang="en-US" altLang="zh-TW" sz="1600" dirty="0">
                 <a:solidFill>
                   <a:schemeClr val="bg1">
                     <a:lumMod val="50000"/>
@@ -21376,7 +20995,7 @@
               <a:t>g</a:t>
             </a:r>
             <a:r>
-              <a:rPr lang="zh-TW" altLang="en-US" sz="1600" dirty="0" smtClean="0">
+              <a:rPr lang="zh-TW" altLang="en-US" sz="1600" dirty="0">
                 <a:solidFill>
                   <a:schemeClr val="bg1">
                     <a:lumMod val="50000"/>
@@ -21387,15 +21006,6 @@
               </a:rPr>
               <a:t>，不支援全局使用</a:t>
             </a:r>
-            <a:endParaRPr lang="zh-TW" altLang="en-US" sz="1600" dirty="0">
-              <a:solidFill>
-                <a:schemeClr val="bg1">
-                  <a:lumMod val="50000"/>
-                </a:schemeClr>
-              </a:solidFill>
-              <a:latin typeface="Adobe 繁黑體 Std B" panose="020B0700000000000000" pitchFamily="34" charset="-120"/>
-              <a:ea typeface="Adobe 繁黑體 Std B" panose="020B0700000000000000" pitchFamily="34" charset="-120"/>
-            </a:endParaRPr>
           </a:p>
         </p:txBody>
       </p:sp>
@@ -21451,7 +21061,7 @@
           <a:lstStyle/>
           <a:p>
             <a:r>
-              <a:rPr lang="en-US" altLang="zh-TW" sz="3600" dirty="0" smtClean="0">
+              <a:rPr lang="en-US" altLang="zh-TW" sz="3600" dirty="0">
                 <a:solidFill>
                   <a:srgbClr val="323230"/>
                 </a:solidFill>
@@ -21461,7 +21071,7 @@
               <a:t>Let</a:t>
             </a:r>
             <a:r>
-              <a:rPr lang="zh-TW" altLang="en-US" sz="3600" dirty="0" smtClean="0">
+              <a:rPr lang="zh-TW" altLang="en-US" sz="3600" dirty="0">
                 <a:solidFill>
                   <a:srgbClr val="323230"/>
                 </a:solidFill>
@@ -21471,7 +21081,7 @@
               <a:t> 與 </a:t>
             </a:r>
             <a:r>
-              <a:rPr lang="en-US" altLang="zh-TW" sz="3600" dirty="0" err="1" smtClean="0">
+              <a:rPr lang="en-US" altLang="zh-TW" sz="3600" dirty="0" err="1">
                 <a:solidFill>
                   <a:srgbClr val="323230"/>
                 </a:solidFill>
@@ -21512,7 +21122,7 @@
           <a:lstStyle/>
           <a:p>
             <a:r>
-              <a:rPr lang="en-US" altLang="zh-TW" sz="1600" dirty="0" smtClean="0">
+              <a:rPr lang="en-US" altLang="zh-TW" sz="1600" dirty="0">
                 <a:solidFill>
                   <a:srgbClr val="323230"/>
                 </a:solidFill>
@@ -21522,7 +21132,7 @@
               <a:t>let  </a:t>
             </a:r>
             <a:r>
-              <a:rPr lang="zh-TW" altLang="en-US" sz="1600" dirty="0" smtClean="0">
+              <a:rPr lang="zh-TW" altLang="en-US" sz="1600" dirty="0">
                 <a:solidFill>
                   <a:srgbClr val="323230"/>
                 </a:solidFill>
@@ -21532,7 +21142,7 @@
               <a:t>的作用域範圍是再大括號內 </a:t>
             </a:r>
             <a:r>
-              <a:rPr lang="en-US" altLang="zh-TW" sz="1600" dirty="0" smtClean="0">
+              <a:rPr lang="en-US" altLang="zh-TW" sz="1600" dirty="0">
                 <a:solidFill>
                   <a:srgbClr val="323230"/>
                 </a:solidFill>
@@ -21542,7 +21152,7 @@
               <a:t>{</a:t>
             </a:r>
             <a:r>
-              <a:rPr lang="zh-TW" altLang="en-US" sz="1600" dirty="0" smtClean="0">
+              <a:rPr lang="zh-TW" altLang="en-US" sz="1600" dirty="0">
                 <a:solidFill>
                   <a:srgbClr val="323230"/>
                 </a:solidFill>
@@ -21552,7 +21162,7 @@
               <a:t> </a:t>
             </a:r>
             <a:r>
-              <a:rPr lang="en-US" altLang="zh-TW" sz="1600" dirty="0" smtClean="0">
+              <a:rPr lang="en-US" altLang="zh-TW" sz="1600" dirty="0">
                 <a:solidFill>
                   <a:srgbClr val="323230"/>
                 </a:solidFill>
@@ -21593,7 +21203,7 @@
           <a:lstStyle/>
           <a:p>
             <a:r>
-              <a:rPr lang="en-US" altLang="zh-TW" sz="1600" dirty="0" err="1" smtClean="0">
+              <a:rPr lang="en-US" altLang="zh-TW" sz="1600" dirty="0" err="1">
                 <a:solidFill>
                   <a:srgbClr val="323230"/>
                 </a:solidFill>
@@ -21603,7 +21213,7 @@
               <a:t>const</a:t>
             </a:r>
             <a:r>
-              <a:rPr lang="en-US" altLang="zh-TW" sz="1600" dirty="0" smtClean="0">
+              <a:rPr lang="en-US" altLang="zh-TW" sz="1600" dirty="0">
                 <a:solidFill>
                   <a:srgbClr val="323230"/>
                 </a:solidFill>
@@ -21613,7 +21223,7 @@
               <a:t> </a:t>
             </a:r>
             <a:r>
-              <a:rPr lang="zh-TW" altLang="en-US" sz="1600" dirty="0" smtClean="0">
+              <a:rPr lang="zh-TW" altLang="en-US" sz="1600" dirty="0">
                 <a:solidFill>
                   <a:srgbClr val="323230"/>
                 </a:solidFill>
@@ -21622,13 +21232,6 @@
               </a:rPr>
               <a:t>則是常數，是不可以再被修改的變數</a:t>
             </a:r>
-            <a:endParaRPr lang="zh-TW" altLang="en-US" sz="1600" dirty="0">
-              <a:solidFill>
-                <a:srgbClr val="323230"/>
-              </a:solidFill>
-              <a:latin typeface="Adobe 繁黑體 Std B" panose="020B0700000000000000" pitchFamily="34" charset="-120"/>
-              <a:ea typeface="Adobe 繁黑體 Std B" panose="020B0700000000000000" pitchFamily="34" charset="-120"/>
-            </a:endParaRPr>
           </a:p>
         </p:txBody>
       </p:sp>
@@ -21684,14 +21287,13 @@
           <a:lstStyle/>
           <a:p>
             <a:r>
-              <a:rPr lang="en-US" altLang="zh-TW" sz="4400" b="1" dirty="0" smtClean="0"/>
+              <a:rPr lang="en-US" altLang="zh-TW" sz="4400" b="1" dirty="0"/>
               <a:t># JavaScript </a:t>
             </a:r>
             <a:r>
-              <a:rPr lang="zh-TW" altLang="en-US" sz="4400" b="1" dirty="0" smtClean="0"/>
+              <a:rPr lang="zh-TW" altLang="en-US" sz="4400" b="1" dirty="0"/>
               <a:t>模組化入門</a:t>
             </a:r>
-            <a:endParaRPr lang="zh-TW" altLang="en-US" sz="4400" b="1" dirty="0"/>
           </a:p>
         </p:txBody>
       </p:sp>
@@ -21972,7 +21574,7 @@
           </a:lstStyle>
           <a:p>
             <a:r>
-              <a:rPr lang="zh-TW" altLang="en-US" b="1" dirty="0" smtClean="0">
+              <a:rPr lang="zh-TW" altLang="en-US" b="1" dirty="0">
                 <a:solidFill>
                   <a:srgbClr val="323230"/>
                 </a:solidFill>
@@ -21982,7 +21584,7 @@
               <a:t>先來安裝個</a:t>
             </a:r>
             <a:r>
-              <a:rPr lang="en-US" altLang="zh-TW" b="1" dirty="0" err="1" smtClean="0">
+              <a:rPr lang="en-US" altLang="zh-TW" b="1" dirty="0" err="1">
                 <a:solidFill>
                   <a:srgbClr val="323230"/>
                 </a:solidFill>
@@ -21992,7 +21594,7 @@
               <a:t>nvm</a:t>
             </a:r>
             <a:r>
-              <a:rPr lang="zh-TW" altLang="en-US" b="1" dirty="0" smtClean="0">
+              <a:rPr lang="zh-TW" altLang="en-US" b="1" dirty="0">
                 <a:solidFill>
                   <a:srgbClr val="323230"/>
                 </a:solidFill>
@@ -22002,7 +21604,7 @@
               <a:t>吧</a:t>
             </a:r>
             <a:r>
-              <a:rPr lang="en-US" altLang="zh-TW" b="1" dirty="0" smtClean="0">
+              <a:rPr lang="en-US" altLang="zh-TW" b="1" dirty="0">
                 <a:solidFill>
                   <a:srgbClr val="323230"/>
                 </a:solidFill>
@@ -22011,13 +21613,6 @@
               </a:rPr>
               <a:t>!</a:t>
             </a:r>
-            <a:endParaRPr lang="en-US" altLang="zh-TW" b="1" dirty="0">
-              <a:solidFill>
-                <a:srgbClr val="323230"/>
-              </a:solidFill>
-              <a:latin typeface="微軟正黑體" panose="020B0604030504040204" pitchFamily="34" charset="-120"/>
-              <a:ea typeface="微軟正黑體" panose="020B0604030504040204" pitchFamily="34" charset="-120"/>
-            </a:endParaRPr>
           </a:p>
         </p:txBody>
       </p:sp>
@@ -22265,27 +21860,27 @@
                 <a:latin typeface="微軟正黑體" panose="020B0604030504040204" pitchFamily="34" charset="-120"/>
                 <a:ea typeface="微軟正黑體" panose="020B0604030504040204" pitchFamily="34" charset="-120"/>
               </a:rPr>
-              <a:t> install </a:t>
-            </a:r>
-            <a:r>
-              <a:rPr lang="en-US" altLang="zh-TW" sz="1800" b="1" dirty="0" smtClean="0">
+              <a:t> install v10.16.0</a:t>
+            </a:r>
+            <a:r>
+              <a:rPr lang="zh-TW" altLang="en-US" sz="1800" b="1" dirty="0">
                 <a:solidFill>
                   <a:srgbClr val="323230"/>
                 </a:solidFill>
                 <a:latin typeface="微軟正黑體" panose="020B0604030504040204" pitchFamily="34" charset="-120"/>
                 <a:ea typeface="微軟正黑體" panose="020B0604030504040204" pitchFamily="34" charset="-120"/>
               </a:rPr>
-              <a:t>v10.16.0</a:t>
-            </a:r>
-            <a:r>
-              <a:rPr lang="zh-TW" altLang="en-US" sz="1800" b="1" dirty="0" smtClean="0">
+              <a:t>：安裝指定的 </a:t>
+            </a:r>
+            <a:r>
+              <a:rPr lang="en-US" altLang="zh-TW" sz="1800" b="1" dirty="0">
                 <a:solidFill>
                   <a:srgbClr val="323230"/>
                 </a:solidFill>
                 <a:latin typeface="微軟正黑體" panose="020B0604030504040204" pitchFamily="34" charset="-120"/>
                 <a:ea typeface="微軟正黑體" panose="020B0604030504040204" pitchFamily="34" charset="-120"/>
               </a:rPr>
-              <a:t>：</a:t>
+              <a:t>Node </a:t>
             </a:r>
             <a:r>
               <a:rPr lang="zh-TW" altLang="en-US" sz="1800" b="1" dirty="0">
@@ -22295,86 +21890,46 @@
                 <a:latin typeface="微軟正黑體" panose="020B0604030504040204" pitchFamily="34" charset="-120"/>
                 <a:ea typeface="微軟正黑體" panose="020B0604030504040204" pitchFamily="34" charset="-120"/>
               </a:rPr>
-              <a:t>安裝指定的 </a:t>
-            </a:r>
-            <a:r>
-              <a:rPr lang="en-US" altLang="zh-TW" sz="1800" b="1" dirty="0">
+              <a:t>版本</a:t>
+            </a:r>
+            <a:br>
+              <a:rPr lang="zh-TW" altLang="en-US" sz="1800" b="1" dirty="0">
                 <a:solidFill>
                   <a:srgbClr val="323230"/>
                 </a:solidFill>
                 <a:latin typeface="微軟正黑體" panose="020B0604030504040204" pitchFamily="34" charset="-120"/>
                 <a:ea typeface="微軟正黑體" panose="020B0604030504040204" pitchFamily="34" charset="-120"/>
               </a:rPr>
-              <a:t>Node </a:t>
-            </a:r>
-            <a:r>
-              <a:rPr lang="zh-TW" altLang="en-US" sz="1800" b="1" dirty="0">
+            </a:br>
+            <a:r>
+              <a:rPr lang="en-US" altLang="zh-TW" sz="1800" b="1" dirty="0" err="1">
                 <a:solidFill>
                   <a:srgbClr val="323230"/>
                 </a:solidFill>
                 <a:latin typeface="微軟正黑體" panose="020B0604030504040204" pitchFamily="34" charset="-120"/>
                 <a:ea typeface="微軟正黑體" panose="020B0604030504040204" pitchFamily="34" charset="-120"/>
               </a:rPr>
-              <a:t>版本</a:t>
-            </a:r>
-            <a:br>
-              <a:rPr lang="zh-TW" altLang="en-US" sz="1800" b="1" dirty="0">
+              <a:t>nvm</a:t>
+            </a:r>
+            <a:r>
+              <a:rPr lang="en-US" altLang="zh-TW" sz="1800" b="1" dirty="0">
                 <a:solidFill>
                   <a:srgbClr val="323230"/>
                 </a:solidFill>
                 <a:latin typeface="微軟正黑體" panose="020B0604030504040204" pitchFamily="34" charset="-120"/>
                 <a:ea typeface="微軟正黑體" panose="020B0604030504040204" pitchFamily="34" charset="-120"/>
               </a:rPr>
-            </a:br>
-            <a:r>
-              <a:rPr lang="en-US" altLang="zh-TW" sz="1800" b="1" dirty="0" err="1">
+              <a:t> use v10.16.0</a:t>
+            </a:r>
+            <a:r>
+              <a:rPr lang="zh-TW" altLang="en-US" sz="1800" b="1" dirty="0">
                 <a:solidFill>
                   <a:srgbClr val="323230"/>
                 </a:solidFill>
                 <a:latin typeface="微軟正黑體" panose="020B0604030504040204" pitchFamily="34" charset="-120"/>
                 <a:ea typeface="微軟正黑體" panose="020B0604030504040204" pitchFamily="34" charset="-120"/>
               </a:rPr>
-              <a:t>nvm</a:t>
-            </a:r>
-            <a:r>
-              <a:rPr lang="en-US" altLang="zh-TW" sz="1800" b="1" dirty="0">
-                <a:solidFill>
-                  <a:srgbClr val="323230"/>
-                </a:solidFill>
-                <a:latin typeface="微軟正黑體" panose="020B0604030504040204" pitchFamily="34" charset="-120"/>
-                <a:ea typeface="微軟正黑體" panose="020B0604030504040204" pitchFamily="34" charset="-120"/>
-              </a:rPr>
-              <a:t> use </a:t>
-            </a:r>
-            <a:r>
-              <a:rPr lang="en-US" altLang="zh-TW" sz="1800" b="1" dirty="0" smtClean="0">
-                <a:solidFill>
-                  <a:srgbClr val="323230"/>
-                </a:solidFill>
-                <a:latin typeface="微軟正黑體" panose="020B0604030504040204" pitchFamily="34" charset="-120"/>
-                <a:ea typeface="微軟正黑體" panose="020B0604030504040204" pitchFamily="34" charset="-120"/>
-              </a:rPr>
-              <a:t>v10.16.0</a:t>
-            </a:r>
-            <a:r>
-              <a:rPr lang="zh-TW" altLang="en-US" sz="1800" b="1" dirty="0" smtClean="0">
-                <a:solidFill>
-                  <a:srgbClr val="323230"/>
-                </a:solidFill>
-                <a:latin typeface="微軟正黑體" panose="020B0604030504040204" pitchFamily="34" charset="-120"/>
-                <a:ea typeface="微軟正黑體" panose="020B0604030504040204" pitchFamily="34" charset="-120"/>
-              </a:rPr>
-              <a:t>：</a:t>
-            </a:r>
-            <a:r>
-              <a:rPr lang="zh-TW" altLang="en-US" sz="1800" b="1" dirty="0">
-                <a:solidFill>
-                  <a:srgbClr val="323230"/>
-                </a:solidFill>
-                <a:latin typeface="微軟正黑體" panose="020B0604030504040204" pitchFamily="34" charset="-120"/>
-                <a:ea typeface="微軟正黑體" panose="020B0604030504040204" pitchFamily="34" charset="-120"/>
-              </a:rPr>
-              <a:t>指定 </a:t>
+              <a:t>：指定 </a:t>
             </a:r>
             <a:r>
               <a:rPr lang="en-US" altLang="zh-TW" sz="1800" b="1" dirty="0">
@@ -22633,7 +22188,7 @@
           <a:p>
             <a:pPr algn="l"/>
             <a:r>
-              <a:rPr lang="en-US" altLang="zh-TW" b="1" u="sng" dirty="0" smtClean="0">
+              <a:rPr lang="en-US" altLang="zh-TW" b="1" u="sng" dirty="0">
                 <a:solidFill>
                   <a:srgbClr val="323230"/>
                 </a:solidFill>
@@ -22643,7 +22198,7 @@
               <a:t>#</a:t>
             </a:r>
             <a:r>
-              <a:rPr lang="zh-TW" altLang="en-US" b="1" u="sng" dirty="0" smtClean="0">
+              <a:rPr lang="zh-TW" altLang="en-US" b="1" u="sng" dirty="0">
                 <a:solidFill>
                   <a:srgbClr val="323230"/>
                 </a:solidFill>
@@ -22653,7 +22208,7 @@
               <a:t> </a:t>
             </a:r>
             <a:r>
-              <a:rPr lang="en-US" altLang="zh-TW" b="1" u="sng" dirty="0" err="1" smtClean="0">
+              <a:rPr lang="en-US" altLang="zh-TW" b="1" u="sng" dirty="0" err="1">
                 <a:solidFill>
                   <a:srgbClr val="323230"/>
                 </a:solidFill>
@@ -22663,7 +22218,7 @@
               <a:t>parceljs</a:t>
             </a:r>
             <a:r>
-              <a:rPr lang="en-US" altLang="zh-TW" b="1" u="sng" dirty="0" smtClean="0">
+              <a:rPr lang="en-US" altLang="zh-TW" b="1" u="sng" dirty="0">
                 <a:solidFill>
                   <a:srgbClr val="323230"/>
                 </a:solidFill>
@@ -22673,7 +22228,7 @@
               <a:t> - </a:t>
             </a:r>
             <a:r>
-              <a:rPr lang="zh-TW" altLang="en-US" b="1" u="sng" dirty="0" smtClean="0">
+              <a:rPr lang="zh-TW" altLang="en-US" b="1" u="sng" dirty="0">
                 <a:solidFill>
                   <a:srgbClr val="323230"/>
                 </a:solidFill>
@@ -22683,7 +22238,7 @@
               <a:t>高版本 </a:t>
             </a:r>
             <a:r>
-              <a:rPr lang="en-US" altLang="zh-TW" b="1" u="sng" dirty="0" err="1" smtClean="0">
+              <a:rPr lang="en-US" altLang="zh-TW" b="1" u="sng" dirty="0" err="1">
                 <a:solidFill>
                   <a:srgbClr val="323230"/>
                 </a:solidFill>
@@ -22693,7 +22248,7 @@
               <a:t>js</a:t>
             </a:r>
             <a:r>
-              <a:rPr lang="zh-TW" altLang="en-US" b="1" u="sng" dirty="0" smtClean="0">
+              <a:rPr lang="zh-TW" altLang="en-US" b="1" u="sng" dirty="0">
                 <a:solidFill>
                   <a:srgbClr val="323230"/>
                 </a:solidFill>
@@ -22855,13 +22410,8 @@
           <a:p>
             <a:r>
               <a:rPr lang="zh-TW" altLang="en-US" dirty="0"/>
-              <a:t>npm </a:t>
-            </a:r>
-            <a:r>
-              <a:rPr lang="zh-TW" altLang="en-US" dirty="0" smtClean="0"/>
-              <a:t>install</a:t>
-            </a:r>
-            <a:endParaRPr lang="zh-TW" altLang="en-US" dirty="0"/>
+              <a:t>npm install</a:t>
+            </a:r>
           </a:p>
         </p:txBody>
       </p:sp>
@@ -22887,51 +22437,19 @@
           <a:lstStyle/>
           <a:p>
             <a:r>
-              <a:rPr lang="en-US" altLang="zh-TW" u="sng" dirty="0" smtClean="0">
+              <a:rPr lang="en-US" altLang="zh-TW" u="sng" dirty="0">
                 <a:latin typeface="Adobe 繁黑體 Std B" panose="020B0700000000000000" pitchFamily="34" charset="-120"/>
                 <a:ea typeface="Adobe 繁黑體 Std B" panose="020B0700000000000000" pitchFamily="34" charset="-120"/>
               </a:rPr>
               <a:t>1.</a:t>
-            </a:r>
-            <a:r>
-              <a:rPr lang="zh-TW" altLang="en-US" u="sng" dirty="0" smtClean="0">
-                <a:latin typeface="Adobe 繁黑體 Std B" panose="020B0700000000000000" pitchFamily="34" charset="-120"/>
-                <a:ea typeface="Adobe 繁黑體 Std B" panose="020B0700000000000000" pitchFamily="34" charset="-120"/>
-              </a:rPr>
-              <a:t> 先執行安裝</a:t>
             </a:r>
             <a:r>
               <a:rPr lang="zh-TW" altLang="en-US" u="sng" dirty="0">
                 <a:latin typeface="Adobe 繁黑體 Std B" panose="020B0700000000000000" pitchFamily="34" charset="-120"/>
                 <a:ea typeface="Adobe 繁黑體 Std B" panose="020B0700000000000000" pitchFamily="34" charset="-120"/>
               </a:rPr>
-              <a:t>parcel-bundle</a:t>
-            </a:r>
-            <a:r>
-              <a:rPr lang="zh-TW" altLang="en-US" u="sng" dirty="0" smtClean="0">
-                <a:latin typeface="Adobe 繁黑體 Std B" panose="020B0700000000000000" pitchFamily="34" charset="-120"/>
-                <a:ea typeface="Adobe 繁黑體 Std B" panose="020B0700000000000000" pitchFamily="34" charset="-120"/>
-              </a:rPr>
-              <a:t>r到</a:t>
-            </a:r>
-            <a:r>
-              <a:rPr lang="zh-TW" altLang="en-US" u="sng" dirty="0">
-                <a:latin typeface="Adobe 繁黑體 Std B" panose="020B0700000000000000" pitchFamily="34" charset="-120"/>
-                <a:ea typeface="Adobe 繁黑體 Std B" panose="020B0700000000000000" pitchFamily="34" charset="-120"/>
-              </a:rPr>
-              <a:t>電腦</a:t>
-            </a:r>
-            <a:r>
-              <a:rPr lang="zh-TW" altLang="en-US" u="sng" dirty="0" smtClean="0">
-                <a:latin typeface="Adobe 繁黑體 Std B" panose="020B0700000000000000" pitchFamily="34" charset="-120"/>
-                <a:ea typeface="Adobe 繁黑體 Std B" panose="020B0700000000000000" pitchFamily="34" charset="-120"/>
-              </a:rPr>
-              <a:t>全域</a:t>
-            </a:r>
-            <a:endParaRPr lang="zh-TW" altLang="en-US" u="sng" dirty="0">
-              <a:latin typeface="Adobe 繁黑體 Std B" panose="020B0700000000000000" pitchFamily="34" charset="-120"/>
-              <a:ea typeface="Adobe 繁黑體 Std B" panose="020B0700000000000000" pitchFamily="34" charset="-120"/>
-            </a:endParaRPr>
+              <a:t> 先執行安裝parcel-bundler到電腦全域</a:t>
+            </a:r>
           </a:p>
         </p:txBody>
       </p:sp>
@@ -22957,23 +22475,19 @@
           <a:lstStyle/>
           <a:p>
             <a:r>
-              <a:rPr lang="en-US" altLang="zh-TW" u="sng" dirty="0" smtClean="0">
+              <a:rPr lang="en-US" altLang="zh-TW" u="sng" dirty="0">
                 <a:latin typeface="Adobe 繁黑體 Std B" panose="020B0700000000000000" pitchFamily="34" charset="-120"/>
                 <a:ea typeface="Adobe 繁黑體 Std B" panose="020B0700000000000000" pitchFamily="34" charset="-120"/>
               </a:rPr>
               <a:t>2.</a:t>
             </a:r>
             <a:r>
-              <a:rPr lang="zh-TW" altLang="en-US" u="sng" dirty="0" smtClean="0">
+              <a:rPr lang="zh-TW" altLang="en-US" u="sng" dirty="0">
                 <a:latin typeface="Adobe 繁黑體 Std B" panose="020B0700000000000000" pitchFamily="34" charset="-120"/>
                 <a:ea typeface="Adobe 繁黑體 Std B" panose="020B0700000000000000" pitchFamily="34" charset="-120"/>
               </a:rPr>
               <a:t> 將命令提式視窗路徑指向專案資料夾</a:t>
             </a:r>
-            <a:endParaRPr lang="zh-TW" altLang="en-US" u="sng" dirty="0">
-              <a:latin typeface="Adobe 繁黑體 Std B" panose="020B0700000000000000" pitchFamily="34" charset="-120"/>
-              <a:ea typeface="Adobe 繁黑體 Std B" panose="020B0700000000000000" pitchFamily="34" charset="-120"/>
-            </a:endParaRPr>
           </a:p>
         </p:txBody>
       </p:sp>
@@ -23877,7 +23391,7 @@
           <a:lstStyle/>
           <a:p>
             <a:r>
-              <a:rPr lang="en-US" altLang="zh-TW" sz="2800" dirty="0" smtClean="0">
+              <a:rPr lang="en-US" altLang="zh-TW" sz="2800" dirty="0">
                 <a:solidFill>
                   <a:srgbClr val="323230"/>
                 </a:solidFill>
@@ -23887,7 +23401,7 @@
               <a:t>#</a:t>
             </a:r>
             <a:r>
-              <a:rPr lang="zh-TW" altLang="en-US" sz="2800" dirty="0" smtClean="0">
+              <a:rPr lang="zh-TW" altLang="en-US" sz="2800" dirty="0">
                 <a:solidFill>
                   <a:srgbClr val="323230"/>
                 </a:solidFill>
@@ -23897,7 +23411,7 @@
               <a:t> </a:t>
             </a:r>
             <a:r>
-              <a:rPr lang="en-US" altLang="zh-TW" sz="2800" dirty="0" smtClean="0">
+              <a:rPr lang="en-US" altLang="zh-TW" sz="2800" dirty="0">
                 <a:solidFill>
                   <a:srgbClr val="323230"/>
                 </a:solidFill>
@@ -23907,7 +23421,7 @@
               <a:t>Import</a:t>
             </a:r>
             <a:r>
-              <a:rPr lang="zh-TW" altLang="en-US" sz="2800" dirty="0" smtClean="0">
+              <a:rPr lang="zh-TW" altLang="en-US" sz="2800" dirty="0">
                 <a:solidFill>
                   <a:srgbClr val="323230"/>
                 </a:solidFill>
@@ -23917,7 +23431,7 @@
               <a:t> </a:t>
             </a:r>
             <a:r>
-              <a:rPr lang="en-US" altLang="zh-TW" sz="2800" dirty="0" smtClean="0">
+              <a:rPr lang="en-US" altLang="zh-TW" sz="2800" dirty="0">
                 <a:solidFill>
                   <a:srgbClr val="323230"/>
                 </a:solidFill>
@@ -23978,29 +23492,7 @@
                 <a:ea typeface="Adobe 繁黑體 Std B" panose="020B0700000000000000" pitchFamily="34" charset="-120"/>
                 <a:cs typeface="Arial" panose="020B0604020202020204" pitchFamily="34" charset="0"/>
               </a:rPr>
-              <a:t>應用由</a:t>
-            </a:r>
-            <a:r>
-              <a:rPr lang="zh-TW" altLang="zh-TW" sz="2400" kern="100" dirty="0" smtClean="0">
-                <a:solidFill>
-                  <a:srgbClr val="323230"/>
-                </a:solidFill>
-                <a:latin typeface="Adobe 繁黑體 Std B" panose="020B0700000000000000" pitchFamily="34" charset="-120"/>
-                <a:ea typeface="Adobe 繁黑體 Std B" panose="020B0700000000000000" pitchFamily="34" charset="-120"/>
-                <a:cs typeface="Arial" panose="020B0604020202020204" pitchFamily="34" charset="0"/>
-              </a:rPr>
-              <a:t>模塊組成</a:t>
-            </a:r>
-            <a:r>
-              <a:rPr lang="zh-TW" altLang="zh-TW" sz="2400" kern="100" dirty="0">
-                <a:solidFill>
-                  <a:srgbClr val="323230"/>
-                </a:solidFill>
-                <a:latin typeface="Adobe 繁黑體 Std B" panose="020B0700000000000000" pitchFamily="34" charset="-120"/>
-                <a:ea typeface="Adobe 繁黑體 Std B" panose="020B0700000000000000" pitchFamily="34" charset="-120"/>
-                <a:cs typeface="Arial" panose="020B0604020202020204" pitchFamily="34" charset="0"/>
-              </a:rPr>
-              <a:t>，採用</a:t>
+              <a:t>應用由模塊組成，採用</a:t>
             </a:r>
             <a:r>
               <a:rPr lang="en-US" altLang="zh-TW" sz="2400" kern="100" dirty="0">
@@ -24158,8 +23650,20 @@
                 <a:tableStyleId>{5C22544A-7EE6-4342-B048-85BDC9FD1C3A}</a:tableStyleId>
               </a:tblPr>
               <a:tblGrid>
-                <a:gridCol w="2928418"/>
-                <a:gridCol w="3600956"/>
+                <a:gridCol w="2928418">
+                  <a:extLst>
+                    <a:ext uri="{9D8B030D-6E8A-4147-A177-3AD203B41FA5}">
+                      <a16:colId xmlns:a16="http://schemas.microsoft.com/office/drawing/2014/main" val="20000"/>
+                    </a:ext>
+                  </a:extLst>
+                </a:gridCol>
+                <a:gridCol w="3600956">
+                  <a:extLst>
+                    <a:ext uri="{9D8B030D-6E8A-4147-A177-3AD203B41FA5}">
+                      <a16:colId xmlns:a16="http://schemas.microsoft.com/office/drawing/2014/main" val="20001"/>
+                    </a:ext>
+                  </a:extLst>
+                </a:gridCol>
               </a:tblGrid>
               <a:tr h="370840">
                 <a:tc>
@@ -24168,7 +23672,7 @@
                     <a:lstStyle/>
                     <a:p>
                       <a:r>
-                        <a:rPr lang="zh-TW" altLang="en-US" dirty="0" smtClean="0">
+                        <a:rPr lang="zh-TW" altLang="en-US" dirty="0">
                           <a:solidFill>
                             <a:schemeClr val="tx1"/>
                           </a:solidFill>
@@ -24177,13 +23681,6 @@
                         </a:rPr>
                         <a:t>輸出</a:t>
                       </a:r>
-                      <a:endParaRPr lang="zh-TW" altLang="en-US" dirty="0">
-                        <a:solidFill>
-                          <a:schemeClr val="tx1"/>
-                        </a:solidFill>
-                        <a:latin typeface="Adobe 繁黑體 Std B" panose="020B0700000000000000" pitchFamily="34" charset="-120"/>
-                        <a:ea typeface="Adobe 繁黑體 Std B" panose="020B0700000000000000" pitchFamily="34" charset="-120"/>
-                      </a:endParaRPr>
                     </a:p>
                   </a:txBody>
                   <a:tcPr/>
@@ -24194,7 +23691,7 @@
                     <a:lstStyle/>
                     <a:p>
                       <a:r>
-                        <a:rPr lang="zh-TW" altLang="en-US" dirty="0" smtClean="0">
+                        <a:rPr lang="zh-TW" altLang="en-US" dirty="0">
                           <a:solidFill>
                             <a:schemeClr val="tx1"/>
                           </a:solidFill>
@@ -24203,17 +23700,15 @@
                         </a:rPr>
                         <a:t>引入</a:t>
                       </a:r>
-                      <a:endParaRPr lang="zh-TW" altLang="en-US" dirty="0">
-                        <a:solidFill>
-                          <a:schemeClr val="tx1"/>
-                        </a:solidFill>
-                        <a:latin typeface="Adobe 繁黑體 Std B" panose="020B0700000000000000" pitchFamily="34" charset="-120"/>
-                        <a:ea typeface="Adobe 繁黑體 Std B" panose="020B0700000000000000" pitchFamily="34" charset="-120"/>
-                      </a:endParaRPr>
                     </a:p>
                   </a:txBody>
                   <a:tcPr/>
                 </a:tc>
+                <a:extLst>
+                  <a:ext uri="{0D108BD9-81ED-4DB2-BD59-A6C34878D82A}">
+                    <a16:rowId xmlns:a16="http://schemas.microsoft.com/office/drawing/2014/main" val="10000"/>
+                  </a:ext>
+                </a:extLst>
               </a:tr>
               <a:tr h="370840">
                 <a:tc>
@@ -24222,7 +23717,7 @@
                     <a:lstStyle/>
                     <a:p>
                       <a:r>
-                        <a:rPr lang="en-US" altLang="zh-TW" sz="1800" kern="1200" dirty="0" err="1" smtClean="0">
+                        <a:rPr lang="en-US" altLang="zh-TW" sz="1800" kern="1200" dirty="0" err="1">
                           <a:solidFill>
                             <a:schemeClr val="tx1"/>
                           </a:solidFill>
@@ -24234,7 +23729,7 @@
                         <a:t>module.exports</a:t>
                       </a:r>
                       <a:r>
-                        <a:rPr lang="en-US" altLang="zh-TW" sz="1800" kern="1200" dirty="0" smtClean="0">
+                        <a:rPr lang="en-US" altLang="zh-TW" sz="1800" kern="1200" dirty="0">
                           <a:solidFill>
                             <a:schemeClr val="tx1"/>
                           </a:solidFill>
@@ -24246,7 +23741,7 @@
                         <a:t> = </a:t>
                       </a:r>
                       <a:r>
-                        <a:rPr lang="zh-TW" altLang="zh-TW" sz="1800" kern="1200" dirty="0" smtClean="0">
+                        <a:rPr lang="zh-TW" altLang="zh-TW" sz="1800" kern="1200" dirty="0">
                           <a:solidFill>
                             <a:schemeClr val="tx1"/>
                           </a:solidFill>
@@ -24274,7 +23769,7 @@
                     <a:lstStyle/>
                     <a:p>
                       <a:r>
-                        <a:rPr lang="en-US" altLang="zh-TW" sz="1800" kern="1200" dirty="0" err="1" smtClean="0">
+                        <a:rPr lang="en-US" altLang="zh-TW" sz="1800" kern="1200" dirty="0" err="1">
                           <a:solidFill>
                             <a:schemeClr val="tx1"/>
                           </a:solidFill>
@@ -24286,7 +23781,7 @@
                         <a:t>var</a:t>
                       </a:r>
                       <a:r>
-                        <a:rPr lang="zh-TW" altLang="en-US" sz="1800" kern="1200" dirty="0" smtClean="0">
+                        <a:rPr lang="zh-TW" altLang="en-US" sz="1800" kern="1200" dirty="0">
                           <a:solidFill>
                             <a:schemeClr val="tx1"/>
                           </a:solidFill>
@@ -24298,7 +23793,7 @@
                         <a:t> </a:t>
                       </a:r>
                       <a:r>
-                        <a:rPr lang="zh-TW" altLang="zh-TW" sz="1800" kern="1200" dirty="0" smtClean="0">
+                        <a:rPr lang="zh-TW" altLang="zh-TW" sz="1800" kern="1200" dirty="0">
                           <a:solidFill>
                             <a:schemeClr val="tx1"/>
                           </a:solidFill>
@@ -24310,7 +23805,7 @@
                         <a:t>名稱</a:t>
                       </a:r>
                       <a:r>
-                        <a:rPr lang="en-US" altLang="zh-TW" sz="1800" kern="1200" dirty="0" smtClean="0">
+                        <a:rPr lang="en-US" altLang="zh-TW" sz="1800" kern="1200" dirty="0">
                           <a:solidFill>
                             <a:schemeClr val="tx1"/>
                           </a:solidFill>
@@ -24322,7 +23817,7 @@
                         <a:t> = require(“</a:t>
                       </a:r>
                       <a:r>
-                        <a:rPr lang="zh-TW" altLang="zh-TW" sz="1800" kern="1200" dirty="0" smtClean="0">
+                        <a:rPr lang="zh-TW" altLang="zh-TW" sz="1800" kern="1200" dirty="0">
                           <a:solidFill>
                             <a:schemeClr val="tx1"/>
                           </a:solidFill>
@@ -24334,7 +23829,7 @@
                         <a:t>模塊擋名</a:t>
                       </a:r>
                       <a:r>
-                        <a:rPr lang="en-US" altLang="zh-TW" sz="1800" kern="1200" dirty="0" smtClean="0">
+                        <a:rPr lang="en-US" altLang="zh-TW" sz="1800" kern="1200" dirty="0">
                           <a:solidFill>
                             <a:schemeClr val="tx1"/>
                           </a:solidFill>
@@ -24356,6 +23851,11 @@
                   </a:txBody>
                   <a:tcPr/>
                 </a:tc>
+                <a:extLst>
+                  <a:ext uri="{0D108BD9-81ED-4DB2-BD59-A6C34878D82A}">
+                    <a16:rowId xmlns:a16="http://schemas.microsoft.com/office/drawing/2014/main" val="10001"/>
+                  </a:ext>
+                </a:extLst>
               </a:tr>
               <a:tr h="370840">
                 <a:tc>
@@ -24364,7 +23864,7 @@
                     <a:lstStyle/>
                     <a:p>
                       <a:r>
-                        <a:rPr lang="en-US" altLang="zh-TW" sz="1800" kern="1200" dirty="0" smtClean="0">
+                        <a:rPr lang="en-US" altLang="zh-TW" sz="1800" kern="1200" dirty="0">
                           <a:solidFill>
                             <a:schemeClr val="tx1"/>
                           </a:solidFill>
@@ -24376,7 +23876,7 @@
                         <a:t>export  default</a:t>
                       </a:r>
                       <a:r>
-                        <a:rPr lang="zh-TW" altLang="en-US" sz="1800" kern="1200" dirty="0" smtClean="0">
+                        <a:rPr lang="zh-TW" altLang="en-US" sz="1800" kern="1200" dirty="0">
                           <a:solidFill>
                             <a:schemeClr val="tx1"/>
                           </a:solidFill>
@@ -24388,7 +23888,7 @@
                         <a:t>  </a:t>
                       </a:r>
                       <a:r>
-                        <a:rPr lang="zh-TW" altLang="zh-TW" sz="1800" kern="1200" dirty="0" smtClean="0">
+                        <a:rPr lang="zh-TW" altLang="zh-TW" sz="1800" kern="1200" dirty="0">
                           <a:solidFill>
                             <a:schemeClr val="tx1"/>
                           </a:solidFill>
@@ -24400,7 +23900,7 @@
                         <a:t>模塊</a:t>
                       </a:r>
                       <a:r>
-                        <a:rPr lang="en-US" altLang="zh-TW" sz="1800" kern="1200" dirty="0" smtClean="0">
+                        <a:rPr lang="en-US" altLang="zh-TW" sz="1800" kern="1200" dirty="0">
                           <a:solidFill>
                             <a:schemeClr val="tx1"/>
                           </a:solidFill>
@@ -24428,7 +23928,7 @@
                     <a:lstStyle/>
                     <a:p>
                       <a:r>
-                        <a:rPr lang="en-US" altLang="zh-TW" sz="1800" kern="1200" dirty="0" smtClean="0">
+                        <a:rPr lang="en-US" altLang="zh-TW" sz="1800" kern="1200" dirty="0">
                           <a:solidFill>
                             <a:schemeClr val="tx1"/>
                           </a:solidFill>
@@ -24440,7 +23940,7 @@
                         <a:t>Import  </a:t>
                       </a:r>
                       <a:r>
-                        <a:rPr lang="zh-TW" altLang="zh-TW" sz="1800" kern="1200" dirty="0" smtClean="0">
+                        <a:rPr lang="zh-TW" altLang="zh-TW" sz="1800" kern="1200" dirty="0">
                           <a:solidFill>
                             <a:schemeClr val="tx1"/>
                           </a:solidFill>
@@ -24452,7 +23952,7 @@
                         <a:t>名稱</a:t>
                       </a:r>
                       <a:r>
-                        <a:rPr lang="en-US" altLang="zh-TW" sz="1800" kern="1200" dirty="0" smtClean="0">
+                        <a:rPr lang="en-US" altLang="zh-TW" sz="1800" kern="1200" dirty="0">
                           <a:solidFill>
                             <a:schemeClr val="tx1"/>
                           </a:solidFill>
@@ -24464,7 +23964,7 @@
                         <a:t> </a:t>
                       </a:r>
                       <a:r>
-                        <a:rPr lang="zh-TW" altLang="zh-TW" sz="1800" kern="1200" dirty="0" smtClean="0">
+                        <a:rPr lang="zh-TW" altLang="zh-TW" sz="1800" kern="1200" dirty="0">
                           <a:solidFill>
                             <a:schemeClr val="tx1"/>
                           </a:solidFill>
@@ -24476,7 +23976,7 @@
                         <a:t> </a:t>
                       </a:r>
                       <a:r>
-                        <a:rPr lang="en-US" altLang="zh-TW" sz="1800" kern="1200" dirty="0" smtClean="0">
+                        <a:rPr lang="en-US" altLang="zh-TW" sz="1800" kern="1200" dirty="0">
                           <a:solidFill>
                             <a:schemeClr val="tx1"/>
                           </a:solidFill>
@@ -24488,7 +23988,7 @@
                         <a:t>from“</a:t>
                       </a:r>
                       <a:r>
-                        <a:rPr lang="zh-TW" altLang="zh-TW" sz="1800" kern="1200" dirty="0" smtClean="0">
+                        <a:rPr lang="zh-TW" altLang="zh-TW" sz="1800" kern="1200" dirty="0">
                           <a:solidFill>
                             <a:schemeClr val="tx1"/>
                           </a:solidFill>
@@ -24500,7 +24000,7 @@
                         <a:t>模塊擋名</a:t>
                       </a:r>
                       <a:r>
-                        <a:rPr lang="en-US" altLang="zh-TW" sz="1800" kern="1200" dirty="0" smtClean="0">
+                        <a:rPr lang="en-US" altLang="zh-TW" sz="1800" kern="1200" dirty="0">
                           <a:solidFill>
                             <a:schemeClr val="tx1"/>
                           </a:solidFill>
@@ -24522,6 +24022,11 @@
                   </a:txBody>
                   <a:tcPr/>
                 </a:tc>
+                <a:extLst>
+                  <a:ext uri="{0D108BD9-81ED-4DB2-BD59-A6C34878D82A}">
+                    <a16:rowId xmlns:a16="http://schemas.microsoft.com/office/drawing/2014/main" val="10002"/>
+                  </a:ext>
+                </a:extLst>
               </a:tr>
             </a:tbl>
           </a:graphicData>
@@ -24616,10 +24121,21 @@
                 <a:ea typeface="Adobe 繁黑體 Std B" panose="020B0700000000000000" pitchFamily="34" charset="-120"/>
                 <a:cs typeface="Times New Roman" panose="02020603050405020304" pitchFamily="18" charset="0"/>
               </a:rPr>
-              <a:t>require </a:t>
-            </a:r>
-            <a:r>
-              <a:rPr lang="en-US" altLang="zh-TW" kern="100" dirty="0" smtClean="0">
+              <a:t>require  =&gt; </a:t>
+            </a:r>
+            <a:r>
+              <a:rPr lang="zh-TW" altLang="zh-TW" kern="100" dirty="0">
+                <a:solidFill>
+                  <a:srgbClr val="323230"/>
+                </a:solidFill>
+                <a:latin typeface="Adobe 繁黑體 Std B" panose="020B0700000000000000" pitchFamily="34" charset="-120"/>
+                <a:ea typeface="Adobe 繁黑體 Std B" panose="020B0700000000000000" pitchFamily="34" charset="-120"/>
+                <a:cs typeface="Consolas" panose="020B0609020204030204" pitchFamily="49" charset="0"/>
+              </a:rPr>
+              <a:t>是在</a:t>
+            </a:r>
+            <a:r>
+              <a:rPr lang="en-US" altLang="zh-TW" kern="100" dirty="0">
                 <a:solidFill>
                   <a:srgbClr val="323230"/>
                 </a:solidFill>
@@ -24627,10 +24143,10 @@
                 <a:ea typeface="Adobe 繁黑體 Std B" panose="020B0700000000000000" pitchFamily="34" charset="-120"/>
                 <a:cs typeface="Times New Roman" panose="02020603050405020304" pitchFamily="18" charset="0"/>
               </a:rPr>
-              <a:t> =&gt; </a:t>
-            </a:r>
-            <a:r>
-              <a:rPr lang="zh-TW" altLang="zh-TW" kern="100" dirty="0" smtClean="0">
+              <a:t>es6</a:t>
+            </a:r>
+            <a:r>
+              <a:rPr lang="zh-TW" altLang="zh-TW" kern="100" dirty="0">
                 <a:solidFill>
                   <a:srgbClr val="323230"/>
                 </a:solidFill>
@@ -24638,10 +24154,10 @@
                 <a:ea typeface="Adobe 繁黑體 Std B" panose="020B0700000000000000" pitchFamily="34" charset="-120"/>
                 <a:cs typeface="Consolas" panose="020B0609020204030204" pitchFamily="49" charset="0"/>
               </a:rPr>
-              <a:t>是</a:t>
-            </a:r>
-            <a:r>
-              <a:rPr lang="zh-TW" altLang="zh-TW" kern="100" dirty="0">
+              <a:t>出現前的模</a:t>
+            </a:r>
+            <a:r>
+              <a:rPr lang="zh-TW" altLang="en-US" kern="100" dirty="0">
                 <a:solidFill>
                   <a:srgbClr val="323230"/>
                 </a:solidFill>
@@ -24649,18 +24165,7 @@
                 <a:ea typeface="Adobe 繁黑體 Std B" panose="020B0700000000000000" pitchFamily="34" charset="-120"/>
                 <a:cs typeface="Consolas" panose="020B0609020204030204" pitchFamily="49" charset="0"/>
               </a:rPr>
-              <a:t>在</a:t>
-            </a:r>
-            <a:r>
-              <a:rPr lang="en-US" altLang="zh-TW" kern="100" dirty="0">
-                <a:solidFill>
-                  <a:srgbClr val="323230"/>
-                </a:solidFill>
-                <a:latin typeface="Adobe 繁黑體 Std B" panose="020B0700000000000000" pitchFamily="34" charset="-120"/>
-                <a:ea typeface="Adobe 繁黑體 Std B" panose="020B0700000000000000" pitchFamily="34" charset="-120"/>
-                <a:cs typeface="Times New Roman" panose="02020603050405020304" pitchFamily="18" charset="0"/>
-              </a:rPr>
-              <a:t>es6</a:t>
+              <a:t>組</a:t>
             </a:r>
             <a:r>
               <a:rPr lang="zh-TW" altLang="zh-TW" kern="100" dirty="0">
@@ -24671,51 +24176,7 @@
                 <a:ea typeface="Adobe 繁黑體 Std B" panose="020B0700000000000000" pitchFamily="34" charset="-120"/>
                 <a:cs typeface="Consolas" panose="020B0609020204030204" pitchFamily="49" charset="0"/>
               </a:rPr>
-              <a:t>出現前的</a:t>
-            </a:r>
-            <a:r>
-              <a:rPr lang="zh-TW" altLang="zh-TW" kern="100" dirty="0" smtClean="0">
-                <a:solidFill>
-                  <a:srgbClr val="323230"/>
-                </a:solidFill>
-                <a:latin typeface="Adobe 繁黑體 Std B" panose="020B0700000000000000" pitchFamily="34" charset="-120"/>
-                <a:ea typeface="Adobe 繁黑體 Std B" panose="020B0700000000000000" pitchFamily="34" charset="-120"/>
-                <a:cs typeface="Consolas" panose="020B0609020204030204" pitchFamily="49" charset="0"/>
-              </a:rPr>
-              <a:t>模</a:t>
-            </a:r>
-            <a:r>
-              <a:rPr lang="zh-TW" altLang="en-US" kern="100" dirty="0" smtClean="0">
-                <a:solidFill>
-                  <a:srgbClr val="323230"/>
-                </a:solidFill>
-                <a:latin typeface="Adobe 繁黑體 Std B" panose="020B0700000000000000" pitchFamily="34" charset="-120"/>
-                <a:ea typeface="Adobe 繁黑體 Std B" panose="020B0700000000000000" pitchFamily="34" charset="-120"/>
-                <a:cs typeface="Consolas" panose="020B0609020204030204" pitchFamily="49" charset="0"/>
-              </a:rPr>
-              <a:t>組</a:t>
-            </a:r>
-            <a:r>
-              <a:rPr lang="zh-TW" altLang="zh-TW" kern="100" dirty="0" smtClean="0">
-                <a:solidFill>
-                  <a:srgbClr val="323230"/>
-                </a:solidFill>
-                <a:latin typeface="Adobe 繁黑體 Std B" panose="020B0700000000000000" pitchFamily="34" charset="-120"/>
-                <a:ea typeface="Adobe 繁黑體 Std B" panose="020B0700000000000000" pitchFamily="34" charset="-120"/>
-                <a:cs typeface="Consolas" panose="020B0609020204030204" pitchFamily="49" charset="0"/>
-              </a:rPr>
-              <a:t>化</a:t>
-            </a:r>
-            <a:r>
-              <a:rPr lang="zh-TW" altLang="zh-TW" kern="100" dirty="0">
-                <a:solidFill>
-                  <a:srgbClr val="323230"/>
-                </a:solidFill>
-                <a:latin typeface="Adobe 繁黑體 Std B" panose="020B0700000000000000" pitchFamily="34" charset="-120"/>
-                <a:ea typeface="Adobe 繁黑體 Std B" panose="020B0700000000000000" pitchFamily="34" charset="-120"/>
-                <a:cs typeface="Consolas" panose="020B0609020204030204" pitchFamily="49" charset="0"/>
-              </a:rPr>
-              <a:t>開發方式</a:t>
+              <a:t>化開發方式</a:t>
             </a:r>
             <a:endParaRPr lang="zh-TW" altLang="zh-TW" kern="100" dirty="0">
               <a:solidFill>
@@ -24744,10 +24205,21 @@
                 <a:ea typeface="Adobe 繁黑體 Std B" panose="020B0700000000000000" pitchFamily="34" charset="-120"/>
                 <a:cs typeface="Times New Roman" panose="02020603050405020304" pitchFamily="18" charset="0"/>
               </a:rPr>
-              <a:t>import </a:t>
-            </a:r>
-            <a:r>
-              <a:rPr lang="en-US" altLang="zh-TW" kern="100" dirty="0" smtClean="0">
+              <a:t>import   =&gt; </a:t>
+            </a:r>
+            <a:r>
+              <a:rPr lang="zh-TW" altLang="zh-TW" kern="100" dirty="0">
+                <a:solidFill>
+                  <a:srgbClr val="323230"/>
+                </a:solidFill>
+                <a:latin typeface="Adobe 繁黑體 Std B" panose="020B0700000000000000" pitchFamily="34" charset="-120"/>
+                <a:ea typeface="Adobe 繁黑體 Std B" panose="020B0700000000000000" pitchFamily="34" charset="-120"/>
+                <a:cs typeface="Consolas" panose="020B0609020204030204" pitchFamily="49" charset="0"/>
+              </a:rPr>
+              <a:t>是</a:t>
+            </a:r>
+            <a:r>
+              <a:rPr lang="en-US" altLang="zh-TW" kern="100" dirty="0">
                 <a:solidFill>
                   <a:srgbClr val="323230"/>
                 </a:solidFill>
@@ -24755,32 +24227,10 @@
                 <a:ea typeface="Adobe 繁黑體 Std B" panose="020B0700000000000000" pitchFamily="34" charset="-120"/>
                 <a:cs typeface="Times New Roman" panose="02020603050405020304" pitchFamily="18" charset="0"/>
               </a:rPr>
-              <a:t> </a:t>
-            </a:r>
-            <a:r>
-              <a:rPr lang="en-US" altLang="zh-TW" kern="100" dirty="0">
-                <a:solidFill>
-                  <a:srgbClr val="323230"/>
-                </a:solidFill>
-                <a:latin typeface="Adobe 繁黑體 Std B" panose="020B0700000000000000" pitchFamily="34" charset="-120"/>
-                <a:ea typeface="Adobe 繁黑體 Std B" panose="020B0700000000000000" pitchFamily="34" charset="-120"/>
-                <a:cs typeface="Times New Roman" panose="02020603050405020304" pitchFamily="18" charset="0"/>
-              </a:rPr>
-              <a:t> </a:t>
-            </a:r>
-            <a:r>
-              <a:rPr lang="en-US" altLang="zh-TW" kern="100" dirty="0" smtClean="0">
-                <a:solidFill>
-                  <a:srgbClr val="323230"/>
-                </a:solidFill>
-                <a:latin typeface="Adobe 繁黑體 Std B" panose="020B0700000000000000" pitchFamily="34" charset="-120"/>
-                <a:ea typeface="Adobe 繁黑體 Std B" panose="020B0700000000000000" pitchFamily="34" charset="-120"/>
-                <a:cs typeface="Times New Roman" panose="02020603050405020304" pitchFamily="18" charset="0"/>
-              </a:rPr>
-              <a:t>=&gt; </a:t>
-            </a:r>
-            <a:r>
-              <a:rPr lang="zh-TW" altLang="zh-TW" kern="100" dirty="0" smtClean="0">
+              <a:t>es6</a:t>
+            </a:r>
+            <a:r>
+              <a:rPr lang="zh-TW" altLang="zh-TW" kern="100" dirty="0">
                 <a:solidFill>
                   <a:srgbClr val="323230"/>
                 </a:solidFill>
@@ -24788,21 +24238,10 @@
                 <a:ea typeface="Adobe 繁黑體 Std B" panose="020B0700000000000000" pitchFamily="34" charset="-120"/>
                 <a:cs typeface="Consolas" panose="020B0609020204030204" pitchFamily="49" charset="0"/>
               </a:rPr>
-              <a:t>是</a:t>
-            </a:r>
-            <a:r>
-              <a:rPr lang="en-US" altLang="zh-TW" kern="100" dirty="0">
-                <a:solidFill>
-                  <a:srgbClr val="323230"/>
-                </a:solidFill>
-                <a:latin typeface="Adobe 繁黑體 Std B" panose="020B0700000000000000" pitchFamily="34" charset="-120"/>
-                <a:ea typeface="Adobe 繁黑體 Std B" panose="020B0700000000000000" pitchFamily="34" charset="-120"/>
-                <a:cs typeface="Times New Roman" panose="02020603050405020304" pitchFamily="18" charset="0"/>
-              </a:rPr>
-              <a:t>es6</a:t>
-            </a:r>
-            <a:r>
-              <a:rPr lang="zh-TW" altLang="zh-TW" kern="100" dirty="0">
+              <a:t>出現後的模</a:t>
+            </a:r>
+            <a:r>
+              <a:rPr lang="zh-TW" altLang="en-US" kern="100" dirty="0">
                 <a:solidFill>
                   <a:srgbClr val="323230"/>
                 </a:solidFill>
@@ -24810,10 +24249,10 @@
                 <a:ea typeface="Adobe 繁黑體 Std B" panose="020B0700000000000000" pitchFamily="34" charset="-120"/>
                 <a:cs typeface="Consolas" panose="020B0609020204030204" pitchFamily="49" charset="0"/>
               </a:rPr>
-              <a:t>出現後的</a:t>
-            </a:r>
-            <a:r>
-              <a:rPr lang="zh-TW" altLang="zh-TW" kern="100" dirty="0" smtClean="0">
+              <a:t>組</a:t>
+            </a:r>
+            <a:r>
+              <a:rPr lang="zh-TW" altLang="zh-TW" kern="100" dirty="0">
                 <a:solidFill>
                   <a:srgbClr val="323230"/>
                 </a:solidFill>
@@ -24821,40 +24260,7 @@
                 <a:ea typeface="Adobe 繁黑體 Std B" panose="020B0700000000000000" pitchFamily="34" charset="-120"/>
                 <a:cs typeface="Consolas" panose="020B0609020204030204" pitchFamily="49" charset="0"/>
               </a:rPr>
-              <a:t>模</a:t>
-            </a:r>
-            <a:r>
-              <a:rPr lang="zh-TW" altLang="en-US" kern="100" dirty="0">
-                <a:solidFill>
-                  <a:srgbClr val="323230"/>
-                </a:solidFill>
-                <a:latin typeface="Adobe 繁黑體 Std B" panose="020B0700000000000000" pitchFamily="34" charset="-120"/>
-                <a:ea typeface="Adobe 繁黑體 Std B" panose="020B0700000000000000" pitchFamily="34" charset="-120"/>
-                <a:cs typeface="Consolas" panose="020B0609020204030204" pitchFamily="49" charset="0"/>
-              </a:rPr>
-              <a:t>組</a:t>
-            </a:r>
-            <a:r>
-              <a:rPr lang="zh-TW" altLang="zh-TW" kern="100" dirty="0" smtClean="0">
-                <a:solidFill>
-                  <a:srgbClr val="323230"/>
-                </a:solidFill>
-                <a:latin typeface="Adobe 繁黑體 Std B" panose="020B0700000000000000" pitchFamily="34" charset="-120"/>
-                <a:ea typeface="Adobe 繁黑體 Std B" panose="020B0700000000000000" pitchFamily="34" charset="-120"/>
-                <a:cs typeface="Consolas" panose="020B0609020204030204" pitchFamily="49" charset="0"/>
-              </a:rPr>
-              <a:t>化</a:t>
-            </a:r>
-            <a:r>
-              <a:rPr lang="zh-TW" altLang="zh-TW" kern="100" dirty="0">
-                <a:solidFill>
-                  <a:srgbClr val="323230"/>
-                </a:solidFill>
-                <a:latin typeface="Adobe 繁黑體 Std B" panose="020B0700000000000000" pitchFamily="34" charset="-120"/>
-                <a:ea typeface="Adobe 繁黑體 Std B" panose="020B0700000000000000" pitchFamily="34" charset="-120"/>
-                <a:cs typeface="Consolas" panose="020B0609020204030204" pitchFamily="49" charset="0"/>
-              </a:rPr>
-              <a:t>開發方式</a:t>
+              <a:t>化開發方式</a:t>
             </a:r>
             <a:endParaRPr lang="zh-TW" altLang="zh-TW" kern="100" dirty="0">
               <a:solidFill>
@@ -24919,22 +24325,13 @@
           <a:lstStyle/>
           <a:p>
             <a:r>
-              <a:rPr lang="en-US" altLang="zh-TW" sz="3200" b="1" dirty="0" smtClean="0">
+              <a:rPr lang="en-US" altLang="zh-TW" sz="3200" b="1" dirty="0">
                 <a:solidFill>
                   <a:srgbClr val="24292E"/>
                 </a:solidFill>
                 <a:latin typeface="-apple-system"/>
               </a:rPr>
-              <a:t># JavaScript </a:t>
-            </a:r>
-            <a:r>
-              <a:rPr lang="en-US" altLang="zh-TW" sz="3200" b="1" dirty="0">
-                <a:solidFill>
-                  <a:srgbClr val="24292E"/>
-                </a:solidFill>
-                <a:latin typeface="-apple-system"/>
-              </a:rPr>
-              <a:t>Style Guide()</a:t>
+              <a:t># JavaScript Style Guide()</a:t>
             </a:r>
             <a:endParaRPr lang="en-US" altLang="zh-TW" sz="3200" b="1" i="0" dirty="0">
               <a:solidFill>
@@ -25028,7 +24425,7 @@
           <a:lstStyle/>
           <a:p>
             <a:r>
-              <a:rPr lang="en-US" altLang="zh-TW" dirty="0" smtClean="0">
+              <a:rPr lang="en-US" altLang="zh-TW" dirty="0">
                 <a:hlinkClick r:id="rId2"/>
               </a:rPr>
               <a:t>https://github.com/airbnb/javascript</a:t>
@@ -25100,7 +24497,7 @@
               <a:t>Airbnb </a:t>
             </a:r>
             <a:r>
-              <a:rPr lang="zh-TW" altLang="en-US" sz="1600" b="1" dirty="0" smtClean="0">
+              <a:rPr lang="zh-TW" altLang="en-US" sz="1600" b="1" dirty="0">
                 <a:solidFill>
                   <a:srgbClr val="24292E"/>
                 </a:solidFill>
@@ -25151,7 +24548,7 @@
               <a:t>Airbnb </a:t>
             </a:r>
             <a:r>
-              <a:rPr lang="zh-TW" altLang="en-US" sz="1600" b="1" dirty="0" smtClean="0">
+              <a:rPr lang="zh-TW" altLang="en-US" sz="1600" b="1" dirty="0">
                 <a:solidFill>
                   <a:srgbClr val="24292E"/>
                 </a:solidFill>
@@ -25160,7 +24557,7 @@
               <a:t> </a:t>
             </a:r>
             <a:r>
-              <a:rPr lang="zh-TW" altLang="en-US" sz="1600" b="1" dirty="0" smtClean="0">
+              <a:rPr lang="zh-TW" altLang="en-US" sz="1600" b="1" dirty="0">
                 <a:solidFill>
                   <a:srgbClr val="24292E"/>
                 </a:solidFill>
@@ -25292,7 +24689,7 @@
           <a:lstStyle/>
           <a:p>
             <a:r>
-              <a:rPr lang="en-US" altLang="zh-TW" sz="2800" dirty="0" smtClean="0">
+              <a:rPr lang="en-US" altLang="zh-TW" sz="2800" dirty="0">
                 <a:solidFill>
                   <a:schemeClr val="tx1">
                     <a:lumMod val="95000"/>
@@ -25305,7 +24702,7 @@
               <a:t>#</a:t>
             </a:r>
             <a:r>
-              <a:rPr lang="zh-TW" altLang="en-US" sz="2800" dirty="0" smtClean="0">
+              <a:rPr lang="zh-TW" altLang="en-US" sz="2800" dirty="0">
                 <a:solidFill>
                   <a:schemeClr val="tx1">
                     <a:lumMod val="95000"/>
@@ -25315,22 +24712,9 @@
                 <a:latin typeface="Adobe 繁黑體 Std B" panose="020B0700000000000000" pitchFamily="34" charset="-120"/>
                 <a:ea typeface="Adobe 繁黑體 Std B" panose="020B0700000000000000" pitchFamily="34" charset="-120"/>
               </a:rPr>
-              <a:t> 如何</a:t>
-            </a:r>
-            <a:r>
-              <a:rPr lang="zh-TW" altLang="en-US" sz="2800" dirty="0">
-                <a:solidFill>
-                  <a:schemeClr val="tx1">
-                    <a:lumMod val="95000"/>
-                    <a:lumOff val="5000"/>
-                  </a:schemeClr>
-                </a:solidFill>
-                <a:latin typeface="Adobe 繁黑體 Std B" panose="020B0700000000000000" pitchFamily="34" charset="-120"/>
-                <a:ea typeface="Adobe 繁黑體 Std B" panose="020B0700000000000000" pitchFamily="34" charset="-120"/>
-              </a:rPr>
-              <a:t>簡單去規劃程式架構</a:t>
-            </a:r>
-            <a:endParaRPr lang="en-US" altLang="zh-TW" sz="2800" dirty="0" smtClean="0">
+              <a:t> 如何簡單去規劃程式架構</a:t>
+            </a:r>
+            <a:endParaRPr lang="en-US" altLang="zh-TW" sz="2800" dirty="0">
               <a:solidFill>
                 <a:schemeClr val="tx1">
                   <a:lumMod val="95000"/>
@@ -25371,7 +24755,7 @@
               <a:buAutoNum type="arabicPeriod"/>
             </a:pPr>
             <a:r>
-              <a:rPr lang="zh-TW" altLang="en-US" dirty="0" smtClean="0">
+              <a:rPr lang="zh-TW" altLang="en-US" dirty="0">
                 <a:solidFill>
                   <a:srgbClr val="323230"/>
                 </a:solidFill>
@@ -25380,7 +24764,7 @@
               </a:rPr>
               <a:t>將重複的邏輯拆開</a:t>
             </a:r>
-            <a:endParaRPr lang="en-US" altLang="zh-TW" dirty="0" smtClean="0">
+            <a:endParaRPr lang="en-US" altLang="zh-TW" dirty="0">
               <a:solidFill>
                 <a:srgbClr val="323230"/>
               </a:solidFill>
@@ -25396,7 +24780,7 @@
               <a:buAutoNum type="arabicPeriod"/>
             </a:pPr>
             <a:r>
-              <a:rPr lang="zh-TW" altLang="en-US" dirty="0" smtClean="0">
+              <a:rPr lang="zh-TW" altLang="en-US" dirty="0">
                 <a:solidFill>
                   <a:srgbClr val="323230"/>
                 </a:solidFill>
@@ -25405,7 +24789,7 @@
               </a:rPr>
               <a:t>盡量將變數變成私有變數，除了全域會用的的以外</a:t>
             </a:r>
-            <a:endParaRPr lang="en-US" altLang="zh-TW" dirty="0" smtClean="0">
+            <a:endParaRPr lang="en-US" altLang="zh-TW" dirty="0">
               <a:solidFill>
                 <a:srgbClr val="323230"/>
               </a:solidFill>
@@ -25421,7 +24805,7 @@
               <a:buAutoNum type="arabicPeriod"/>
             </a:pPr>
             <a:r>
-              <a:rPr lang="zh-TW" altLang="en-US" dirty="0" smtClean="0">
+              <a:rPr lang="zh-TW" altLang="en-US" dirty="0">
                 <a:solidFill>
                   <a:srgbClr val="323230"/>
                 </a:solidFill>
@@ -25430,7 +24814,7 @@
               </a:rPr>
               <a:t>保持進入點，確保程式流程正確</a:t>
             </a:r>
-            <a:endParaRPr lang="en-US" altLang="zh-TW" dirty="0" smtClean="0">
+            <a:endParaRPr lang="en-US" altLang="zh-TW" dirty="0">
               <a:solidFill>
                 <a:srgbClr val="323230"/>
               </a:solidFill>
@@ -25446,7 +24830,7 @@
               <a:buAutoNum type="arabicPeriod"/>
             </a:pPr>
             <a:r>
-              <a:rPr lang="zh-TW" altLang="en-US" dirty="0" smtClean="0">
+              <a:rPr lang="zh-TW" altLang="en-US" dirty="0">
                 <a:solidFill>
                   <a:srgbClr val="323230"/>
                 </a:solidFill>
@@ -25456,7 +24840,7 @@
               <a:t>不要真的沒事</a:t>
             </a:r>
             <a:r>
-              <a:rPr lang="en-US" altLang="zh-TW" dirty="0" smtClean="0">
+              <a:rPr lang="en-US" altLang="zh-TW" dirty="0">
                 <a:solidFill>
                   <a:srgbClr val="323230"/>
                 </a:solidFill>
@@ -25466,7 +24850,7 @@
               <a:t>OOP</a:t>
             </a:r>
             <a:r>
-              <a:rPr lang="zh-TW" altLang="en-US" dirty="0" smtClean="0">
+              <a:rPr lang="zh-TW" altLang="en-US" dirty="0">
                 <a:solidFill>
                   <a:srgbClr val="323230"/>
                 </a:solidFill>
@@ -25476,7 +24860,7 @@
               <a:t>，先把</a:t>
             </a:r>
             <a:r>
-              <a:rPr lang="en-US" altLang="zh-TW" dirty="0" smtClean="0">
+              <a:rPr lang="en-US" altLang="zh-TW" dirty="0">
                 <a:solidFill>
                   <a:srgbClr val="323230"/>
                 </a:solidFill>
@@ -25486,7 +24870,7 @@
               <a:t>function </a:t>
             </a:r>
             <a:r>
-              <a:rPr lang="zh-TW" altLang="en-US" dirty="0" smtClean="0">
+              <a:rPr lang="zh-TW" altLang="en-US" dirty="0">
                 <a:solidFill>
                   <a:srgbClr val="323230"/>
                 </a:solidFill>
@@ -25495,7 +24879,7 @@
               </a:rPr>
               <a:t>結構拆開比較重要</a:t>
             </a:r>
-            <a:endParaRPr lang="en-US" altLang="zh-TW" dirty="0" smtClean="0">
+            <a:endParaRPr lang="en-US" altLang="zh-TW" dirty="0">
               <a:solidFill>
                 <a:srgbClr val="323230"/>
               </a:solidFill>
@@ -25511,7 +24895,7 @@
               <a:buAutoNum type="arabicPeriod"/>
             </a:pPr>
             <a:r>
-              <a:rPr lang="zh-TW" altLang="en-US" dirty="0" smtClean="0">
+              <a:rPr lang="zh-TW" altLang="en-US" dirty="0">
                 <a:solidFill>
                   <a:srgbClr val="323230"/>
                 </a:solidFill>
@@ -25520,7 +24904,7 @@
               </a:rPr>
               <a:t>不要寫多個主程式在頁面載入，會導致流程錯誤</a:t>
             </a:r>
-            <a:endParaRPr lang="en-US" altLang="zh-TW" dirty="0" smtClean="0">
+            <a:endParaRPr lang="en-US" altLang="zh-TW" dirty="0">
               <a:solidFill>
                 <a:srgbClr val="323230"/>
               </a:solidFill>
@@ -25583,7 +24967,7 @@
           <a:p>
             <a:pPr algn="ctr"/>
             <a:r>
-              <a:rPr lang="en-US" altLang="zh-TW" sz="2800" b="1" dirty="0" smtClean="0">
+              <a:rPr lang="en-US" altLang="zh-TW" sz="2800" b="1" dirty="0">
                 <a:latin typeface="Adobe 繁黑體 Std B" panose="020B0700000000000000" pitchFamily="34" charset="-120"/>
                 <a:ea typeface="Adobe 繁黑體 Std B" panose="020B0700000000000000" pitchFamily="34" charset="-120"/>
               </a:rPr>
@@ -25727,23 +25111,19 @@
           <a:lstStyle/>
           <a:p>
             <a:r>
-              <a:rPr lang="en-US" altLang="zh-TW" sz="2800" b="1" dirty="0" smtClean="0">
+              <a:rPr lang="en-US" altLang="zh-TW" sz="2800" b="1" dirty="0">
                 <a:latin typeface="Adobe 繁黑體 Std B" panose="020B0700000000000000" pitchFamily="34" charset="-120"/>
                 <a:ea typeface="Adobe 繁黑體 Std B" panose="020B0700000000000000" pitchFamily="34" charset="-120"/>
               </a:rPr>
               <a:t>#  </a:t>
             </a:r>
             <a:r>
-              <a:rPr lang="zh-TW" altLang="en-US" sz="2800" b="1" dirty="0" smtClean="0">
+              <a:rPr lang="zh-TW" altLang="en-US" sz="2800" b="1" dirty="0">
                 <a:latin typeface="Adobe 繁黑體 Std B" panose="020B0700000000000000" pitchFamily="34" charset="-120"/>
                 <a:ea typeface="Adobe 繁黑體 Std B" panose="020B0700000000000000" pitchFamily="34" charset="-120"/>
               </a:rPr>
               <a:t>最後的最後</a:t>
             </a:r>
-            <a:endParaRPr lang="zh-TW" altLang="en-US" sz="2800" b="1" dirty="0">
-              <a:latin typeface="Adobe 繁黑體 Std B" panose="020B0700000000000000" pitchFamily="34" charset="-120"/>
-              <a:ea typeface="Adobe 繁黑體 Std B" panose="020B0700000000000000" pitchFamily="34" charset="-120"/>
-            </a:endParaRPr>
           </a:p>
         </p:txBody>
       </p:sp>
@@ -25769,21 +25149,21 @@
           <a:lstStyle/>
           <a:p>
             <a:r>
-              <a:rPr lang="en-US" altLang="zh-TW" b="1" dirty="0" smtClean="0">
+              <a:rPr lang="en-US" altLang="zh-TW" b="1" dirty="0">
                 <a:latin typeface="Adobe 繁黑體 Std B" panose="020B0700000000000000" pitchFamily="34" charset="-120"/>
                 <a:ea typeface="Adobe 繁黑體 Std B" panose="020B0700000000000000" pitchFamily="34" charset="-120"/>
               </a:rPr>
               <a:t>3.</a:t>
             </a:r>
             <a:r>
-              <a:rPr lang="zh-TW" altLang="en-US" b="1" dirty="0" smtClean="0">
+              <a:rPr lang="zh-TW" altLang="en-US" b="1" dirty="0">
                 <a:latin typeface="Adobe 繁黑體 Std B" panose="020B0700000000000000" pitchFamily="34" charset="-120"/>
                 <a:ea typeface="Adobe 繁黑體 Std B" panose="020B0700000000000000" pitchFamily="34" charset="-120"/>
               </a:rPr>
               <a:t> 繼續學習</a:t>
             </a:r>
             <a:r>
-              <a:rPr lang="en-US" altLang="zh-TW" b="1" dirty="0" smtClean="0">
+              <a:rPr lang="en-US" altLang="zh-TW" b="1" dirty="0">
                 <a:latin typeface="Adobe 繁黑體 Std B" panose="020B0700000000000000" pitchFamily="34" charset="-120"/>
                 <a:ea typeface="Adobe 繁黑體 Std B" panose="020B0700000000000000" pitchFamily="34" charset="-120"/>
               </a:rPr>
@@ -25818,23 +25198,19 @@
           <a:lstStyle/>
           <a:p>
             <a:r>
-              <a:rPr lang="en-US" altLang="zh-TW" b="1" dirty="0" smtClean="0">
+              <a:rPr lang="en-US" altLang="zh-TW" b="1" dirty="0">
                 <a:latin typeface="Adobe 繁黑體 Std B" panose="020B0700000000000000" pitchFamily="34" charset="-120"/>
                 <a:ea typeface="Adobe 繁黑體 Std B" panose="020B0700000000000000" pitchFamily="34" charset="-120"/>
               </a:rPr>
               <a:t>2.</a:t>
             </a:r>
             <a:r>
-              <a:rPr lang="zh-TW" altLang="en-US" b="1" dirty="0" smtClean="0">
+              <a:rPr lang="zh-TW" altLang="en-US" b="1" dirty="0">
                 <a:latin typeface="Adobe 繁黑體 Std B" panose="020B0700000000000000" pitchFamily="34" charset="-120"/>
                 <a:ea typeface="Adobe 繁黑體 Std B" panose="020B0700000000000000" pitchFamily="34" charset="-120"/>
               </a:rPr>
               <a:t> 找個框架來學，現在前端工作幾乎拖離不了框架</a:t>
             </a:r>
-            <a:endParaRPr lang="zh-TW" altLang="en-US" b="1" dirty="0">
-              <a:latin typeface="Adobe 繁黑體 Std B" panose="020B0700000000000000" pitchFamily="34" charset="-120"/>
-              <a:ea typeface="Adobe 繁黑體 Std B" panose="020B0700000000000000" pitchFamily="34" charset="-120"/>
-            </a:endParaRPr>
           </a:p>
         </p:txBody>
       </p:sp>
@@ -25860,37 +25236,33 @@
           <a:lstStyle/>
           <a:p>
             <a:r>
-              <a:rPr lang="en-US" altLang="zh-TW" b="1" dirty="0" smtClean="0">
+              <a:rPr lang="en-US" altLang="zh-TW" b="1" dirty="0">
                 <a:latin typeface="Adobe 繁黑體 Std B" panose="020B0700000000000000" pitchFamily="34" charset="-120"/>
                 <a:ea typeface="Adobe 繁黑體 Std B" panose="020B0700000000000000" pitchFamily="34" charset="-120"/>
               </a:rPr>
               <a:t>1.</a:t>
             </a:r>
             <a:r>
-              <a:rPr lang="zh-TW" altLang="en-US" b="1" dirty="0" smtClean="0">
+              <a:rPr lang="zh-TW" altLang="en-US" b="1" dirty="0">
                 <a:latin typeface="Adobe 繁黑體 Std B" panose="020B0700000000000000" pitchFamily="34" charset="-120"/>
                 <a:ea typeface="Adobe 繁黑體 Std B" panose="020B0700000000000000" pitchFamily="34" charset="-120"/>
               </a:rPr>
               <a:t> 把</a:t>
             </a:r>
             <a:r>
-              <a:rPr lang="en-US" altLang="zh-TW" b="1" dirty="0" smtClean="0">
+              <a:rPr lang="en-US" altLang="zh-TW" b="1" dirty="0">
                 <a:latin typeface="Adobe 繁黑體 Std B" panose="020B0700000000000000" pitchFamily="34" charset="-120"/>
                 <a:ea typeface="Adobe 繁黑體 Std B" panose="020B0700000000000000" pitchFamily="34" charset="-120"/>
               </a:rPr>
               <a:t>CSS</a:t>
             </a:r>
             <a:r>
-              <a:rPr lang="zh-TW" altLang="en-US" b="1" dirty="0" smtClean="0">
+              <a:rPr lang="zh-TW" altLang="en-US" b="1" dirty="0">
                 <a:latin typeface="Adobe 繁黑體 Std B" panose="020B0700000000000000" pitchFamily="34" charset="-120"/>
                 <a:ea typeface="Adobe 繁黑體 Std B" panose="020B0700000000000000" pitchFamily="34" charset="-120"/>
               </a:rPr>
               <a:t>學好</a:t>
             </a:r>
-            <a:endParaRPr lang="zh-TW" altLang="en-US" b="1" dirty="0">
-              <a:latin typeface="Adobe 繁黑體 Std B" panose="020B0700000000000000" pitchFamily="34" charset="-120"/>
-              <a:ea typeface="Adobe 繁黑體 Std B" panose="020B0700000000000000" pitchFamily="34" charset="-120"/>
-            </a:endParaRPr>
           </a:p>
         </p:txBody>
       </p:sp>
@@ -26046,7 +25418,7 @@
           <a:lstStyle/>
           <a:p>
             <a:r>
-              <a:rPr lang="en-US" altLang="zh-TW" dirty="0" smtClean="0">
+              <a:rPr lang="en-US" altLang="zh-TW" dirty="0">
                 <a:solidFill>
                   <a:srgbClr val="F0DA50"/>
                 </a:solidFill>
@@ -26056,7 +25428,7 @@
               <a:t>Mike</a:t>
             </a:r>
             <a:r>
-              <a:rPr lang="zh-TW" altLang="en-US" dirty="0" smtClean="0">
+              <a:rPr lang="zh-TW" altLang="en-US" dirty="0">
                 <a:solidFill>
                   <a:srgbClr val="F0DA50"/>
                 </a:solidFill>
@@ -26065,13 +25437,6 @@
               </a:rPr>
               <a:t>的前端實驗室</a:t>
             </a:r>
-            <a:endParaRPr lang="zh-TW" altLang="en-US" dirty="0">
-              <a:solidFill>
-                <a:srgbClr val="F0DA50"/>
-              </a:solidFill>
-              <a:latin typeface="Adobe 繁黑體 Std B" panose="020B0700000000000000" pitchFamily="34" charset="-120"/>
-              <a:ea typeface="Adobe 繁黑體 Std B" panose="020B0700000000000000" pitchFamily="34" charset="-120"/>
-            </a:endParaRPr>
           </a:p>
         </p:txBody>
       </p:sp>
@@ -26221,7 +25586,7 @@
           <a:lstStyle/>
           <a:p>
             <a:r>
-              <a:rPr lang="en-US" altLang="zh-TW" b="1" u="sng" dirty="0" smtClean="0">
+              <a:rPr lang="en-US" altLang="zh-TW" b="1" u="sng" dirty="0">
                 <a:solidFill>
                   <a:schemeClr val="tx1">
                     <a:lumMod val="95000"/>
@@ -26234,7 +25599,7 @@
               <a:t>‧</a:t>
             </a:r>
             <a:r>
-              <a:rPr lang="zh-TW" altLang="en-US" b="1" u="sng" dirty="0" smtClean="0">
+              <a:rPr lang="zh-TW" altLang="en-US" b="1" u="sng" dirty="0">
                 <a:solidFill>
                   <a:schemeClr val="tx1">
                     <a:lumMod val="95000"/>
@@ -26244,72 +25609,7 @@
                 <a:latin typeface="Adobe 繁黑體 Std B" panose="020B0700000000000000" pitchFamily="34" charset="-120"/>
                 <a:ea typeface="Adobe 繁黑體 Std B" panose="020B0700000000000000" pitchFamily="34" charset="-120"/>
               </a:rPr>
-              <a:t>當</a:t>
-            </a:r>
-            <a:r>
-              <a:rPr lang="zh-TW" altLang="en-US" b="1" u="sng" dirty="0">
-                <a:solidFill>
-                  <a:schemeClr val="tx1">
-                    <a:lumMod val="95000"/>
-                    <a:lumOff val="5000"/>
-                  </a:schemeClr>
-                </a:solidFill>
-                <a:latin typeface="Adobe 繁黑體 Std B" panose="020B0700000000000000" pitchFamily="34" charset="-120"/>
-                <a:ea typeface="Adobe 繁黑體 Std B" panose="020B0700000000000000" pitchFamily="34" charset="-120"/>
-              </a:rPr>
-              <a:t>變數的值是</a:t>
-            </a:r>
-            <a:r>
-              <a:rPr lang="zh-TW" altLang="en-US" b="1" u="sng" dirty="0" smtClean="0">
-                <a:solidFill>
-                  <a:schemeClr val="tx1">
-                    <a:lumMod val="95000"/>
-                    <a:lumOff val="5000"/>
-                  </a:schemeClr>
-                </a:solidFill>
-                <a:latin typeface="Adobe 繁黑體 Std B" panose="020B0700000000000000" pitchFamily="34" charset="-120"/>
-                <a:ea typeface="Adobe 繁黑體 Std B" panose="020B0700000000000000" pitchFamily="34" charset="-120"/>
-              </a:rPr>
-              <a:t>原始型</a:t>
-            </a:r>
-            <a:r>
-              <a:rPr lang="zh-TW" altLang="en-US" b="1" u="sng" dirty="0">
-                <a:solidFill>
-                  <a:schemeClr val="tx1">
-                    <a:lumMod val="95000"/>
-                    <a:lumOff val="5000"/>
-                  </a:schemeClr>
-                </a:solidFill>
-                <a:latin typeface="Adobe 繁黑體 Std B" panose="020B0700000000000000" pitchFamily="34" charset="-120"/>
-                <a:ea typeface="Adobe 繁黑體 Std B" panose="020B0700000000000000" pitchFamily="34" charset="-120"/>
-              </a:rPr>
-              <a:t>別 </a:t>
-            </a:r>
-            <a:r>
-              <a:rPr lang="zh-TW" altLang="en-US" b="1" u="sng" dirty="0" smtClean="0">
-                <a:solidFill>
-                  <a:schemeClr val="tx1">
-                    <a:lumMod val="95000"/>
-                    <a:lumOff val="5000"/>
-                  </a:schemeClr>
-                </a:solidFill>
-                <a:latin typeface="Adobe 繁黑體 Std B" panose="020B0700000000000000" pitchFamily="34" charset="-120"/>
-                <a:ea typeface="Adobe 繁黑體 Std B" panose="020B0700000000000000" pitchFamily="34" charset="-120"/>
-              </a:rPr>
-              <a:t>時</a:t>
-            </a:r>
-            <a:r>
-              <a:rPr lang="zh-TW" altLang="en-US" b="1" u="sng" dirty="0">
-                <a:solidFill>
-                  <a:schemeClr val="tx1">
-                    <a:lumMod val="95000"/>
-                    <a:lumOff val="5000"/>
-                  </a:schemeClr>
-                </a:solidFill>
-                <a:latin typeface="Adobe 繁黑體 Std B" panose="020B0700000000000000" pitchFamily="34" charset="-120"/>
-                <a:ea typeface="Adobe 繁黑體 Std B" panose="020B0700000000000000" pitchFamily="34" charset="-120"/>
-              </a:rPr>
-              <a:t>，行為是 </a:t>
+              <a:t>當變數的值是原始型別 時，行為是 </a:t>
             </a:r>
             <a:r>
               <a:rPr lang="en-US" altLang="zh-TW" b="1" u="sng" dirty="0">
@@ -26373,7 +25673,7 @@
               <a:t>‧</a:t>
             </a:r>
             <a:r>
-              <a:rPr lang="zh-TW" altLang="en-US" b="1" u="sng" dirty="0" smtClean="0">
+              <a:rPr lang="zh-TW" altLang="en-US" b="1" u="sng" dirty="0">
                 <a:solidFill>
                   <a:schemeClr val="tx1">
                     <a:lumMod val="95000"/>
@@ -26383,72 +25683,7 @@
                 <a:latin typeface="Adobe 繁黑體 Std B" panose="020B0700000000000000" pitchFamily="34" charset="-120"/>
                 <a:ea typeface="Adobe 繁黑體 Std B" panose="020B0700000000000000" pitchFamily="34" charset="-120"/>
               </a:rPr>
-              <a:t>當</a:t>
-            </a:r>
-            <a:r>
-              <a:rPr lang="zh-TW" altLang="en-US" b="1" u="sng" dirty="0">
-                <a:solidFill>
-                  <a:schemeClr val="tx1">
-                    <a:lumMod val="95000"/>
-                    <a:lumOff val="5000"/>
-                  </a:schemeClr>
-                </a:solidFill>
-                <a:latin typeface="Adobe 繁黑體 Std B" panose="020B0700000000000000" pitchFamily="34" charset="-120"/>
-                <a:ea typeface="Adobe 繁黑體 Std B" panose="020B0700000000000000" pitchFamily="34" charset="-120"/>
-              </a:rPr>
-              <a:t>變數的值是物件</a:t>
-            </a:r>
-            <a:r>
-              <a:rPr lang="zh-TW" altLang="en-US" b="1" u="sng" dirty="0" smtClean="0">
-                <a:solidFill>
-                  <a:schemeClr val="tx1">
-                    <a:lumMod val="95000"/>
-                    <a:lumOff val="5000"/>
-                  </a:schemeClr>
-                </a:solidFill>
-                <a:latin typeface="Adobe 繁黑體 Std B" panose="020B0700000000000000" pitchFamily="34" charset="-120"/>
-                <a:ea typeface="Adobe 繁黑體 Std B" panose="020B0700000000000000" pitchFamily="34" charset="-120"/>
-              </a:rPr>
-              <a:t>型</a:t>
-            </a:r>
-            <a:r>
-              <a:rPr lang="zh-TW" altLang="en-US" b="1" u="sng" dirty="0">
-                <a:solidFill>
-                  <a:schemeClr val="tx1">
-                    <a:lumMod val="95000"/>
-                    <a:lumOff val="5000"/>
-                  </a:schemeClr>
-                </a:solidFill>
-                <a:latin typeface="Adobe 繁黑體 Std B" panose="020B0700000000000000" pitchFamily="34" charset="-120"/>
-                <a:ea typeface="Adobe 繁黑體 Std B" panose="020B0700000000000000" pitchFamily="34" charset="-120"/>
-              </a:rPr>
-              <a:t>別</a:t>
-            </a:r>
-            <a:r>
-              <a:rPr lang="zh-TW" altLang="en-US" b="1" u="sng" dirty="0" smtClean="0">
-                <a:solidFill>
-                  <a:schemeClr val="tx1">
-                    <a:lumMod val="95000"/>
-                    <a:lumOff val="5000"/>
-                  </a:schemeClr>
-                </a:solidFill>
-                <a:latin typeface="Adobe 繁黑體 Std B" panose="020B0700000000000000" pitchFamily="34" charset="-120"/>
-                <a:ea typeface="Adobe 繁黑體 Std B" panose="020B0700000000000000" pitchFamily="34" charset="-120"/>
-              </a:rPr>
-              <a:t>時</a:t>
-            </a:r>
-            <a:r>
-              <a:rPr lang="zh-TW" altLang="en-US" b="1" u="sng" dirty="0">
-                <a:solidFill>
-                  <a:schemeClr val="tx1">
-                    <a:lumMod val="95000"/>
-                    <a:lumOff val="5000"/>
-                  </a:schemeClr>
-                </a:solidFill>
-                <a:latin typeface="Adobe 繁黑體 Std B" panose="020B0700000000000000" pitchFamily="34" charset="-120"/>
-                <a:ea typeface="Adobe 繁黑體 Std B" panose="020B0700000000000000" pitchFamily="34" charset="-120"/>
-              </a:rPr>
-              <a:t>，行為是 </a:t>
+              <a:t>當變數的值是物件型別時，行為是 </a:t>
             </a:r>
             <a:r>
               <a:rPr lang="en-US" altLang="zh-TW" b="1" u="sng" dirty="0">
@@ -26495,7 +25730,7 @@
               <a:buChar char="•"/>
             </a:pPr>
             <a:r>
-              <a:rPr lang="zh-TW" altLang="en-US" sz="1200" dirty="0" smtClean="0">
+              <a:rPr lang="zh-TW" altLang="en-US" sz="1200" dirty="0">
                 <a:solidFill>
                   <a:srgbClr val="303233"/>
                 </a:solidFill>
@@ -26505,7 +25740,7 @@
               <a:t> </a:t>
             </a:r>
             <a:r>
-              <a:rPr lang="en-US" altLang="zh-TW" sz="1200" dirty="0" smtClean="0">
+              <a:rPr lang="en-US" altLang="zh-TW" sz="1200" dirty="0">
                 <a:solidFill>
                   <a:srgbClr val="303233"/>
                 </a:solidFill>
@@ -26514,13 +25749,6 @@
               </a:rPr>
               <a:t>String</a:t>
             </a:r>
-            <a:endParaRPr lang="en-US" altLang="zh-TW" sz="1200" dirty="0">
-              <a:solidFill>
-                <a:srgbClr val="303233"/>
-              </a:solidFill>
-              <a:latin typeface="Adobe 繁黑體 Std B" panose="020B0700000000000000" pitchFamily="34" charset="-120"/>
-              <a:ea typeface="Adobe 繁黑體 Std B" panose="020B0700000000000000" pitchFamily="34" charset="-120"/>
-            </a:endParaRPr>
           </a:p>
           <a:p>
             <a:pPr>
@@ -26531,7 +25759,7 @@
               <a:buChar char="•"/>
             </a:pPr>
             <a:r>
-              <a:rPr lang="zh-TW" altLang="en-US" sz="1200" dirty="0" smtClean="0">
+              <a:rPr lang="zh-TW" altLang="en-US" sz="1200" dirty="0">
                 <a:solidFill>
                   <a:srgbClr val="303233"/>
                 </a:solidFill>
@@ -26541,7 +25769,7 @@
               <a:t> </a:t>
             </a:r>
             <a:r>
-              <a:rPr lang="en-US" altLang="zh-TW" sz="1200" dirty="0" smtClean="0">
+              <a:rPr lang="en-US" altLang="zh-TW" sz="1200" dirty="0">
                 <a:solidFill>
                   <a:srgbClr val="303233"/>
                 </a:solidFill>
@@ -26560,7 +25788,7 @@
               <a:buChar char="•"/>
             </a:pPr>
             <a:r>
-              <a:rPr lang="zh-TW" altLang="en-US" sz="1200" dirty="0" smtClean="0">
+              <a:rPr lang="zh-TW" altLang="en-US" sz="1200" dirty="0">
                 <a:solidFill>
                   <a:srgbClr val="303233"/>
                 </a:solidFill>
@@ -26570,7 +25798,7 @@
               <a:t> </a:t>
             </a:r>
             <a:r>
-              <a:rPr lang="en-US" altLang="zh-TW" sz="1200" dirty="0" smtClean="0">
+              <a:rPr lang="en-US" altLang="zh-TW" sz="1200" dirty="0">
                 <a:solidFill>
                   <a:srgbClr val="303233"/>
                 </a:solidFill>
@@ -26589,7 +25817,7 @@
               <a:buChar char="•"/>
             </a:pPr>
             <a:r>
-              <a:rPr lang="zh-TW" altLang="en-US" sz="1200" dirty="0" smtClean="0">
+              <a:rPr lang="zh-TW" altLang="en-US" sz="1200" dirty="0">
                 <a:solidFill>
                   <a:srgbClr val="303233"/>
                 </a:solidFill>
@@ -26599,7 +25827,7 @@
               <a:t> </a:t>
             </a:r>
             <a:r>
-              <a:rPr lang="en-US" altLang="zh-TW" sz="1200" dirty="0" smtClean="0">
+              <a:rPr lang="en-US" altLang="zh-TW" sz="1200" dirty="0">
                 <a:solidFill>
                   <a:srgbClr val="303233"/>
                 </a:solidFill>
@@ -26608,13 +25836,6 @@
               </a:rPr>
               <a:t>Undefined</a:t>
             </a:r>
-            <a:endParaRPr lang="en-US" altLang="zh-TW" sz="1200" dirty="0">
-              <a:solidFill>
-                <a:srgbClr val="303233"/>
-              </a:solidFill>
-              <a:latin typeface="Adobe 繁黑體 Std B" panose="020B0700000000000000" pitchFamily="34" charset="-120"/>
-              <a:ea typeface="Adobe 繁黑體 Std B" panose="020B0700000000000000" pitchFamily="34" charset="-120"/>
-            </a:endParaRPr>
           </a:p>
           <a:p>
             <a:pPr>
@@ -26625,7 +25846,7 @@
               <a:buChar char="•"/>
             </a:pPr>
             <a:r>
-              <a:rPr lang="zh-TW" altLang="en-US" sz="1200" dirty="0" smtClean="0">
+              <a:rPr lang="zh-TW" altLang="en-US" sz="1200" dirty="0">
                 <a:solidFill>
                   <a:srgbClr val="303233"/>
                 </a:solidFill>
@@ -26635,7 +25856,7 @@
               <a:t> </a:t>
             </a:r>
             <a:r>
-              <a:rPr lang="en-US" altLang="zh-TW" sz="1200" dirty="0" smtClean="0">
+              <a:rPr lang="en-US" altLang="zh-TW" sz="1200" dirty="0">
                 <a:solidFill>
                   <a:srgbClr val="303233"/>
                 </a:solidFill>
@@ -26684,7 +25905,7 @@
               <a:buChar char="•"/>
             </a:pPr>
             <a:r>
-              <a:rPr lang="en-US" altLang="zh-TW" sz="1200" dirty="0" smtClean="0">
+              <a:rPr lang="en-US" altLang="zh-TW" sz="1200" dirty="0">
                 <a:solidFill>
                   <a:srgbClr val="303233"/>
                 </a:solidFill>
@@ -26693,13 +25914,6 @@
               </a:rPr>
               <a:t> Array</a:t>
             </a:r>
-            <a:endParaRPr lang="en-US" altLang="zh-TW" sz="1200" dirty="0">
-              <a:solidFill>
-                <a:srgbClr val="303233"/>
-              </a:solidFill>
-              <a:latin typeface="Adobe 繁黑體 Std B" panose="020B0700000000000000" pitchFamily="34" charset="-120"/>
-              <a:ea typeface="Adobe 繁黑體 Std B" panose="020B0700000000000000" pitchFamily="34" charset="-120"/>
-            </a:endParaRPr>
           </a:p>
           <a:p>
             <a:pPr>
@@ -26710,7 +25924,7 @@
               <a:buChar char="•"/>
             </a:pPr>
             <a:r>
-              <a:rPr lang="en-US" altLang="zh-TW" sz="1200" dirty="0" smtClean="0">
+              <a:rPr lang="en-US" altLang="zh-TW" sz="1200" dirty="0">
                 <a:solidFill>
                   <a:srgbClr val="303233"/>
                 </a:solidFill>
@@ -26752,24 +25966,14 @@
           <a:lstStyle/>
           <a:p>
             <a:r>
-              <a:rPr lang="en-US" altLang="zh-TW" sz="2400" u="sng" dirty="0" smtClean="0">
+              <a:rPr lang="en-US" altLang="zh-TW" sz="2400" u="sng" dirty="0">
                 <a:solidFill>
                   <a:srgbClr val="1C1C1C"/>
                 </a:solidFill>
                 <a:latin typeface="Adobe 繁黑體 Std B" panose="020B0700000000000000" pitchFamily="34" charset="-120"/>
                 <a:ea typeface="Adobe 繁黑體 Std B" panose="020B0700000000000000" pitchFamily="34" charset="-120"/>
               </a:rPr>
-              <a:t># Pass </a:t>
-            </a:r>
-            <a:r>
-              <a:rPr lang="en-US" altLang="zh-TW" sz="2400" u="sng" dirty="0">
-                <a:solidFill>
-                  <a:srgbClr val="1C1C1C"/>
-                </a:solidFill>
-                <a:latin typeface="Adobe 繁黑體 Std B" panose="020B0700000000000000" pitchFamily="34" charset="-120"/>
-                <a:ea typeface="Adobe 繁黑體 Std B" panose="020B0700000000000000" pitchFamily="34" charset="-120"/>
-              </a:rPr>
-              <a:t>by value </a:t>
+              <a:t># Pass by value </a:t>
             </a:r>
             <a:r>
               <a:rPr lang="zh-TW" altLang="en-US" sz="2400" u="sng" dirty="0">
@@ -26850,7 +26054,7 @@
           <a:lstStyle/>
           <a:p>
             <a:r>
-              <a:rPr lang="en-US" altLang="zh-TW" dirty="0" smtClean="0">
+              <a:rPr lang="en-US" altLang="zh-TW" dirty="0">
                 <a:solidFill>
                   <a:schemeClr val="tx1">
                     <a:lumMod val="95000"/>
@@ -26863,7 +26067,7 @@
               <a:t>1. </a:t>
             </a:r>
             <a:r>
-              <a:rPr lang="en-US" altLang="zh-TW" dirty="0" err="1" smtClean="0">
+              <a:rPr lang="en-US" altLang="zh-TW" dirty="0" err="1">
                 <a:solidFill>
                   <a:schemeClr val="tx1">
                     <a:lumMod val="95000"/>
@@ -26923,7 +26127,7 @@
           <a:lstStyle/>
           <a:p>
             <a:r>
-              <a:rPr lang="en-US" altLang="zh-TW" sz="2000" b="1" dirty="0" smtClean="0">
+              <a:rPr lang="en-US" altLang="zh-TW" sz="2000" b="1" dirty="0">
                 <a:solidFill>
                   <a:schemeClr val="tx1">
                     <a:lumMod val="95000"/>
@@ -26936,7 +26140,7 @@
               <a:t># </a:t>
             </a:r>
             <a:r>
-              <a:rPr lang="zh-TW" altLang="en-US" sz="2000" b="1" dirty="0" smtClean="0">
+              <a:rPr lang="zh-TW" altLang="en-US" sz="2000" b="1" dirty="0">
                 <a:solidFill>
                   <a:schemeClr val="tx1">
                     <a:lumMod val="95000"/>
@@ -26946,20 +26150,7 @@
                 <a:latin typeface="Adobe 繁黑體 Std B" panose="020B0700000000000000" pitchFamily="34" charset="-120"/>
                 <a:ea typeface="Adobe 繁黑體 Std B" panose="020B0700000000000000" pitchFamily="34" charset="-120"/>
               </a:rPr>
-              <a:t>淺</a:t>
-            </a:r>
-            <a:r>
-              <a:rPr lang="zh-TW" altLang="en-US" sz="2000" b="1" dirty="0">
-                <a:solidFill>
-                  <a:schemeClr val="tx1">
-                    <a:lumMod val="95000"/>
-                    <a:lumOff val="5000"/>
-                  </a:schemeClr>
-                </a:solidFill>
-                <a:latin typeface="Adobe 繁黑體 Std B" panose="020B0700000000000000" pitchFamily="34" charset="-120"/>
-                <a:ea typeface="Adobe 繁黑體 Std B" panose="020B0700000000000000" pitchFamily="34" charset="-120"/>
-              </a:rPr>
-              <a:t>拷貝</a:t>
+              <a:t>淺拷貝</a:t>
             </a:r>
             <a:endParaRPr lang="zh-TW" altLang="en-US" sz="2000" b="1" i="0" dirty="0">
               <a:solidFill>
@@ -26997,7 +26188,7 @@
           <a:lstStyle/>
           <a:p>
             <a:r>
-              <a:rPr lang="en-US" altLang="zh-TW" dirty="0" smtClean="0">
+              <a:rPr lang="en-US" altLang="zh-TW" dirty="0">
                 <a:solidFill>
                   <a:schemeClr val="tx1">
                     <a:lumMod val="95000"/>
@@ -27020,23 +26211,10 @@
                 <a:latin typeface="Adobe 繁黑體 Std B" panose="020B0700000000000000" pitchFamily="34" charset="-120"/>
                 <a:ea typeface="Adobe 繁黑體 Std B" panose="020B0700000000000000" pitchFamily="34" charset="-120"/>
               </a:rPr>
-              <a:t>a</a:t>
-            </a:r>
-            <a:r>
-              <a:rPr lang="en-US" altLang="zh-TW" dirty="0" err="1" smtClean="0">
-                <a:solidFill>
-                  <a:schemeClr val="tx1">
-                    <a:lumMod val="95000"/>
-                    <a:lumOff val="5000"/>
-                  </a:schemeClr>
-                </a:solidFill>
-                <a:latin typeface="Adobe 繁黑體 Std B" panose="020B0700000000000000" pitchFamily="34" charset="-120"/>
-                <a:ea typeface="Adobe 繁黑體 Std B" panose="020B0700000000000000" pitchFamily="34" charset="-120"/>
-              </a:rPr>
-              <a:t>rr</a:t>
-            </a:r>
-            <a:r>
-              <a:rPr lang="en-US" altLang="zh-TW" dirty="0" smtClean="0">
+              <a:t>arr</a:t>
+            </a:r>
+            <a:r>
+              <a:rPr lang="en-US" altLang="zh-TW" dirty="0">
                 <a:solidFill>
                   <a:schemeClr val="tx1">
                     <a:lumMod val="95000"/>
@@ -27083,7 +26261,7 @@
           <a:lstStyle/>
           <a:p>
             <a:r>
-              <a:rPr lang="en-US" altLang="zh-TW" dirty="0" smtClean="0">
+              <a:rPr lang="en-US" altLang="zh-TW" dirty="0">
                 <a:solidFill>
                   <a:schemeClr val="tx1">
                     <a:lumMod val="95000"/>
@@ -27096,7 +26274,7 @@
               <a:t>2. {...</a:t>
             </a:r>
             <a:r>
-              <a:rPr lang="en-US" altLang="zh-TW" dirty="0" err="1" smtClean="0">
+              <a:rPr lang="en-US" altLang="zh-TW" dirty="0" err="1">
                 <a:solidFill>
                   <a:schemeClr val="tx1">
                     <a:lumMod val="95000"/>
@@ -27109,7 +26287,7 @@
               <a:t>obj</a:t>
             </a:r>
             <a:r>
-              <a:rPr lang="en-US" altLang="zh-TW" dirty="0" smtClean="0">
+              <a:rPr lang="en-US" altLang="zh-TW" dirty="0">
                 <a:solidFill>
                   <a:schemeClr val="tx1">
                     <a:lumMod val="95000"/>
@@ -27156,7 +26334,7 @@
           <a:lstStyle/>
           <a:p>
             <a:r>
-              <a:rPr lang="en-US" altLang="zh-TW" dirty="0" smtClean="0">
+              <a:rPr lang="en-US" altLang="zh-TW" dirty="0">
                 <a:solidFill>
                   <a:schemeClr val="tx1">
                     <a:lumMod val="95000"/>
@@ -27169,7 +26347,7 @@
               <a:t>1. </a:t>
             </a:r>
             <a:r>
-              <a:rPr lang="en-US" altLang="zh-TW" dirty="0" err="1" smtClean="0">
+              <a:rPr lang="en-US" altLang="zh-TW" dirty="0" err="1">
                 <a:solidFill>
                   <a:schemeClr val="tx1">
                     <a:lumMod val="95000"/>
@@ -27182,7 +26360,7 @@
               <a:t>arr</a:t>
             </a:r>
             <a:r>
-              <a:rPr lang="zh-TW" altLang="en-US" dirty="0" smtClean="0">
+              <a:rPr lang="zh-TW" altLang="en-US" dirty="0">
                 <a:solidFill>
                   <a:schemeClr val="tx1">
                     <a:lumMod val="95000"/>
@@ -27192,20 +26370,7 @@
                 <a:latin typeface="Adobe 繁黑體 Std B" panose="020B0700000000000000" pitchFamily="34" charset="-120"/>
                 <a:ea typeface="Adobe 繁黑體 Std B" panose="020B0700000000000000" pitchFamily="34" charset="-120"/>
               </a:rPr>
-              <a:t>.slice</a:t>
-            </a:r>
-            <a:r>
-              <a:rPr lang="zh-TW" altLang="en-US" dirty="0">
-                <a:solidFill>
-                  <a:schemeClr val="tx1">
-                    <a:lumMod val="95000"/>
-                    <a:lumOff val="5000"/>
-                  </a:schemeClr>
-                </a:solidFill>
-                <a:latin typeface="Adobe 繁黑體 Std B" panose="020B0700000000000000" pitchFamily="34" charset="-120"/>
-                <a:ea typeface="Adobe 繁黑體 Std B" panose="020B0700000000000000" pitchFamily="34" charset="-120"/>
-              </a:rPr>
-              <a:t>(0)</a:t>
+              <a:t>.slice(0)</a:t>
             </a:r>
           </a:p>
         </p:txBody>
@@ -27232,7 +26397,7 @@
           <a:lstStyle/>
           <a:p>
             <a:r>
-              <a:rPr lang="en-US" altLang="zh-TW" dirty="0" smtClean="0">
+              <a:rPr lang="en-US" altLang="zh-TW" dirty="0">
                 <a:solidFill>
                   <a:schemeClr val="tx1">
                     <a:lumMod val="95000"/>
@@ -27279,7 +26444,7 @@
           <a:lstStyle/>
           <a:p>
             <a:r>
-              <a:rPr lang="en-US" altLang="zh-TW" dirty="0" smtClean="0">
+              <a:rPr lang="en-US" altLang="zh-TW" dirty="0">
                 <a:solidFill>
                   <a:schemeClr val="tx1">
                     <a:lumMod val="95000"/>
@@ -27786,32 +26951,25 @@
           <a:p>
             <a:pPr algn="ctr"/>
             <a:r>
-              <a:rPr lang="zh-TW" altLang="en-US" sz="1600" dirty="0" smtClean="0">
-                <a:latin typeface="Adobe 黑体 Std R" panose="020B0400000000000000" pitchFamily="34" charset="-128"/>
-                <a:ea typeface="Adobe 黑体 Std R" panose="020B0400000000000000" pitchFamily="34" charset="-128"/>
-              </a:rPr>
-              <a:t>載入  </a:t>
-            </a:r>
-            <a:r>
-              <a:rPr lang="en-US" altLang="zh-TW" sz="1600" dirty="0" smtClean="0">
-                <a:latin typeface="Adobe 黑体 Std R" panose="020B0400000000000000" pitchFamily="34" charset="-128"/>
-                <a:ea typeface="Adobe 黑体 Std R" panose="020B0400000000000000" pitchFamily="34" charset="-128"/>
-              </a:rPr>
-              <a:t>:</a:t>
-            </a:r>
-            <a:r>
-              <a:rPr lang="zh-TW" altLang="en-US" sz="1600" dirty="0" smtClean="0">
-                <a:latin typeface="Adobe 黑体 Std R" panose="020B0400000000000000" pitchFamily="34" charset="-128"/>
-                <a:ea typeface="Adobe 黑体 Std R" panose="020B0400000000000000" pitchFamily="34" charset="-128"/>
-              </a:rPr>
-              <a:t>  https</a:t>
-            </a:r>
-            <a:r>
               <a:rPr lang="zh-TW" altLang="en-US" sz="1600" dirty="0">
                 <a:latin typeface="Adobe 黑体 Std R" panose="020B0400000000000000" pitchFamily="34" charset="-128"/>
                 <a:ea typeface="Adobe 黑体 Std R" panose="020B0400000000000000" pitchFamily="34" charset="-128"/>
               </a:rPr>
-              <a:t>://cdnjs.cloudflare.com/ajax/libs/lodash.js/4.17.11/lodash.min.js</a:t>
+              <a:t>載入  </a:t>
+            </a:r>
+            <a:r>
+              <a:rPr lang="en-US" altLang="zh-TW" sz="1600" dirty="0">
+                <a:latin typeface="Adobe 黑体 Std R" panose="020B0400000000000000" pitchFamily="34" charset="-128"/>
+                <a:ea typeface="Adobe 黑体 Std R" panose="020B0400000000000000" pitchFamily="34" charset="-128"/>
+              </a:rPr>
+              <a:t>:</a:t>
+            </a:r>
+            <a:r>
+              <a:rPr lang="zh-TW" altLang="en-US" sz="1600" dirty="0">
+                <a:latin typeface="Adobe 黑体 Std R" panose="020B0400000000000000" pitchFamily="34" charset="-128"/>
+                <a:ea typeface="Adobe 黑体 Std R" panose="020B0400000000000000" pitchFamily="34" charset="-128"/>
+              </a:rPr>
+              <a:t>  https://cdnjs.cloudflare.com/ajax/libs/lodash.js/4.17.11/lodash.min.js</a:t>
             </a:r>
           </a:p>
         </p:txBody>
@@ -27838,7 +26996,7 @@
           <a:lstStyle/>
           <a:p>
             <a:r>
-              <a:rPr lang="en-US" altLang="zh-TW" sz="2000" dirty="0" smtClean="0">
+              <a:rPr lang="en-US" altLang="zh-TW" sz="2000" dirty="0">
                 <a:solidFill>
                   <a:schemeClr val="tx1">
                     <a:lumMod val="95000"/>
@@ -27851,21 +27009,21 @@
               <a:t># </a:t>
             </a:r>
             <a:r>
-              <a:rPr lang="en-US" altLang="zh-TW" sz="2000" dirty="0" err="1" smtClean="0">
+              <a:rPr lang="en-US" altLang="zh-TW" sz="2000" dirty="0" err="1">
                 <a:latin typeface="Adobe 繁黑體 Std B" panose="020B0700000000000000" pitchFamily="34" charset="-120"/>
                 <a:ea typeface="Adobe 繁黑體 Std B" panose="020B0700000000000000" pitchFamily="34" charset="-120"/>
               </a:rPr>
               <a:t>lodash</a:t>
             </a:r>
             <a:r>
-              <a:rPr lang="en-US" altLang="zh-TW" sz="2000" dirty="0" smtClean="0">
+              <a:rPr lang="en-US" altLang="zh-TW" sz="2000" dirty="0">
                 <a:latin typeface="Adobe 繁黑體 Std B" panose="020B0700000000000000" pitchFamily="34" charset="-120"/>
                 <a:ea typeface="Adobe 繁黑體 Std B" panose="020B0700000000000000" pitchFamily="34" charset="-120"/>
               </a:rPr>
               <a:t> &amp; </a:t>
             </a:r>
             <a:r>
-              <a:rPr lang="zh-TW" altLang="en-US" sz="2000" dirty="0" smtClean="0">
+              <a:rPr lang="zh-TW" altLang="en-US" sz="2000" dirty="0">
                 <a:latin typeface="Adobe 繁黑體 Std B" panose="020B0700000000000000" pitchFamily="34" charset="-120"/>
                 <a:ea typeface="Adobe 繁黑體 Std B" panose="020B0700000000000000" pitchFamily="34" charset="-120"/>
               </a:rPr>
